--- a/TOPICS COVERED (updated) (1).pptx
+++ b/TOPICS COVERED (updated) (1).pptx
@@ -3806,7 +3806,20 @@
               </a:rPr>
               <a:t>TOPICS COVERED</a:t>
             </a:r>
-            <a:endParaRPr lang="en-IN" altLang="en-IN" sz="3200" dirty="0">
+            <a:br>
+              <a:rPr lang="en-IN" sz="3200" dirty="0">
+                <a:latin typeface="Agency FB" panose="020B0503020202020204" pitchFamily="34" charset="0"/>
+                <a:sym typeface="+mn-ea"/>
+              </a:rPr>
+            </a:br>
+            <a:r>
+              <a:rPr lang="en-US" altLang="en-IN" sz="3200" dirty="0">
+                <a:latin typeface="Agency FB" panose="020B0503020202020204" pitchFamily="34" charset="0"/>
+                <a:sym typeface="+mn-ea"/>
+              </a:rPr>
+              <a:t>TEst 1</a:t>
+            </a:r>
+            <a:endParaRPr lang="en-US" altLang="en-IN" sz="3200" dirty="0">
               <a:latin typeface="Agency FB" panose="020B0503020202020204" pitchFamily="34" charset="0"/>
               <a:sym typeface="+mn-ea"/>
             </a:endParaRPr>

--- a/TOPICS COVERED (updated) (1).pptx
+++ b/TOPICS COVERED (updated) (1).pptx
@@ -3819,6 +3819,12 @@
               </a:rPr>
               <a:t>TEst 1</a:t>
             </a:r>
+            <a:br>
+              <a:rPr lang="en-US" altLang="en-IN" sz="3200" dirty="0">
+                <a:latin typeface="Agency FB" panose="020B0503020202020204" pitchFamily="34" charset="0"/>
+                <a:sym typeface="+mn-ea"/>
+              </a:rPr>
+            </a:br>
             <a:endParaRPr lang="en-US" altLang="en-IN" sz="3200" dirty="0">
               <a:latin typeface="Agency FB" panose="020B0503020202020204" pitchFamily="34" charset="0"/>
               <a:sym typeface="+mn-ea"/>

--- a/TOPICS COVERED (updated) (1).pptx
+++ b/TOPICS COVERED (updated) (1).pptx
@@ -3817,7 +3817,7 @@
                 <a:latin typeface="Agency FB" panose="020B0503020202020204" pitchFamily="34" charset="0"/>
                 <a:sym typeface="+mn-ea"/>
               </a:rPr>
-              <a:t>TEst 1</a:t>
+              <a:t>TEst -1</a:t>
             </a:r>
             <a:br>
               <a:rPr lang="en-US" altLang="en-IN" sz="3200" dirty="0">

--- a/TOPICS COVERED (updated) (1).pptx
+++ b/TOPICS COVERED (updated) (1).pptx
@@ -5,13 +5,13 @@
     <p:sldMasterId id="2147483648" r:id="rId1"/>
   </p:sldMasterIdLst>
   <p:sldIdLst>
-    <p:sldId id="256" r:id="rId3"/>
-    <p:sldId id="263" r:id="rId4"/>
-    <p:sldId id="268" r:id="rId5"/>
-    <p:sldId id="259" r:id="rId6"/>
-    <p:sldId id="260" r:id="rId7"/>
-    <p:sldId id="262" r:id="rId8"/>
-    <p:sldId id="267" r:id="rId9"/>
+    <p:sldId id="256" r:id="rId2"/>
+    <p:sldId id="263" r:id="rId3"/>
+    <p:sldId id="268" r:id="rId4"/>
+    <p:sldId id="259" r:id="rId5"/>
+    <p:sldId id="260" r:id="rId6"/>
+    <p:sldId id="262" r:id="rId7"/>
+    <p:sldId id="267" r:id="rId8"/>
   </p:sldIdLst>
   <p:sldSz cx="12192000" cy="6858000"/>
   <p:notesSz cx="6858000" cy="9144000"/>
@@ -110,11 +110,27 @@
       </a:defRPr>
     </a:lvl9pPr>
   </p:defaultTextStyle>
+  <p:extLst>
+    <p:ext uri="{EFAFB233-063F-42B5-8137-9DF3F51BA10A}">
+      <p15:sldGuideLst xmlns:p15="http://schemas.microsoft.com/office/powerpoint/2012/main">
+        <p15:guide id="1" orient="horz" pos="2159">
+          <p15:clr>
+            <a:srgbClr val="A4A3A4"/>
+          </p15:clr>
+        </p15:guide>
+        <p15:guide id="2" pos="3882">
+          <p15:clr>
+            <a:srgbClr val="A4A3A4"/>
+          </p15:clr>
+        </p15:guide>
+      </p15:sldGuideLst>
+    </p:ext>
+  </p:extLst>
 </p:presentation>
 </file>
 
 <file path=ppt/slideLayouts/slideLayout1.xml><?xml version="1.0" encoding="utf-8"?>
-<p:sldLayout xmlns:a="http://schemas.openxmlformats.org/drawingml/2006/main" xmlns:r="http://schemas.openxmlformats.org/officeDocument/2006/relationships" xmlns:p="http://schemas.openxmlformats.org/presentationml/2006/main" type="title" preserve="1" showMasterSp="0">
+<p:sldLayout xmlns:a="http://schemas.openxmlformats.org/drawingml/2006/main" xmlns:r="http://schemas.openxmlformats.org/officeDocument/2006/relationships" xmlns:p="http://schemas.openxmlformats.org/presentationml/2006/main" showMasterSp="0" type="title" preserve="1">
   <p:cSld name="Title Slide">
     <p:spTree>
       <p:nvGrpSpPr>
@@ -339,6 +355,7 @@
           <a:p>
             <a:fld id="{DBF1B830-62D1-4319-9804-D7CC6F10675F}" type="datetimeFigureOut">
               <a:rPr lang="en-IN" smtClean="0"/>
+              <a:t>28-09-2020</a:t>
             </a:fld>
             <a:endParaRPr lang="en-IN"/>
           </a:p>
@@ -380,6 +397,7 @@
           <a:p>
             <a:fld id="{636DC7A6-D359-43EB-A5EF-E04DB6E81D15}" type="slidenum">
               <a:rPr lang="en-IN" smtClean="0"/>
+              <a:t>‹#›</a:t>
             </a:fld>
             <a:endParaRPr lang="en-IN"/>
           </a:p>
@@ -491,7 +509,6 @@
               <a:rPr lang="en-US"/>
               <a:t>Click to edit Master text styles</a:t>
             </a:r>
-            <a:endParaRPr lang="en-US"/>
           </a:p>
           <a:p>
             <a:pPr lvl="1"/>
@@ -499,7 +516,6 @@
               <a:rPr lang="en-US"/>
               <a:t>Second level</a:t>
             </a:r>
-            <a:endParaRPr lang="en-US"/>
           </a:p>
           <a:p>
             <a:pPr lvl="2"/>
@@ -507,7 +523,6 @@
               <a:rPr lang="en-US"/>
               <a:t>Third level</a:t>
             </a:r>
-            <a:endParaRPr lang="en-US"/>
           </a:p>
           <a:p>
             <a:pPr lvl="3"/>
@@ -515,7 +530,6 @@
               <a:rPr lang="en-US"/>
               <a:t>Fourth level</a:t>
             </a:r>
-            <a:endParaRPr lang="en-US"/>
           </a:p>
           <a:p>
             <a:pPr lvl="4"/>
@@ -544,6 +558,7 @@
           <a:p>
             <a:fld id="{DBF1B830-62D1-4319-9804-D7CC6F10675F}" type="datetimeFigureOut">
               <a:rPr lang="en-IN" smtClean="0"/>
+              <a:t>28-09-2020</a:t>
             </a:fld>
             <a:endParaRPr lang="en-IN"/>
           </a:p>
@@ -585,6 +600,7 @@
           <a:p>
             <a:fld id="{636DC7A6-D359-43EB-A5EF-E04DB6E81D15}" type="slidenum">
               <a:rPr lang="en-IN" smtClean="0"/>
+              <a:t>‹#›</a:t>
             </a:fld>
             <a:endParaRPr lang="en-IN"/>
           </a:p>
@@ -599,7 +615,7 @@
 </file>
 
 <file path=ppt/slideLayouts/slideLayout11.xml><?xml version="1.0" encoding="utf-8"?>
-<p:sldLayout xmlns:a="http://schemas.openxmlformats.org/drawingml/2006/main" xmlns:r="http://schemas.openxmlformats.org/officeDocument/2006/relationships" xmlns:p="http://schemas.openxmlformats.org/presentationml/2006/main" type="vertTitleAndTx" preserve="1" showMasterSp="0">
+<p:sldLayout xmlns:a="http://schemas.openxmlformats.org/drawingml/2006/main" xmlns:r="http://schemas.openxmlformats.org/officeDocument/2006/relationships" xmlns:p="http://schemas.openxmlformats.org/presentationml/2006/main" showMasterSp="0" type="vertTitleAndTx" preserve="1">
   <p:cSld name="Vertical Title and Text">
     <p:spTree>
       <p:nvGrpSpPr>
@@ -744,7 +760,6 @@
               <a:rPr lang="en-US"/>
               <a:t>Click to edit Master text styles</a:t>
             </a:r>
-            <a:endParaRPr lang="en-US"/>
           </a:p>
           <a:p>
             <a:pPr lvl="1"/>
@@ -752,7 +767,6 @@
               <a:rPr lang="en-US"/>
               <a:t>Second level</a:t>
             </a:r>
-            <a:endParaRPr lang="en-US"/>
           </a:p>
           <a:p>
             <a:pPr lvl="2"/>
@@ -760,7 +774,6 @@
               <a:rPr lang="en-US"/>
               <a:t>Third level</a:t>
             </a:r>
-            <a:endParaRPr lang="en-US"/>
           </a:p>
           <a:p>
             <a:pPr lvl="3"/>
@@ -768,7 +781,6 @@
               <a:rPr lang="en-US"/>
               <a:t>Fourth level</a:t>
             </a:r>
-            <a:endParaRPr lang="en-US"/>
           </a:p>
           <a:p>
             <a:pPr lvl="4"/>
@@ -797,6 +809,7 @@
           <a:p>
             <a:fld id="{DBF1B830-62D1-4319-9804-D7CC6F10675F}" type="datetimeFigureOut">
               <a:rPr lang="en-IN" smtClean="0"/>
+              <a:t>28-09-2020</a:t>
             </a:fld>
             <a:endParaRPr lang="en-IN"/>
           </a:p>
@@ -838,6 +851,7 @@
           <a:p>
             <a:fld id="{636DC7A6-D359-43EB-A5EF-E04DB6E81D15}" type="slidenum">
               <a:rPr lang="en-IN" smtClean="0"/>
+              <a:t>‹#›</a:t>
             </a:fld>
             <a:endParaRPr lang="en-IN"/>
           </a:p>
@@ -915,7 +929,6 @@
               <a:rPr lang="en-US"/>
               <a:t>Click to edit Master text styles</a:t>
             </a:r>
-            <a:endParaRPr lang="en-US"/>
           </a:p>
           <a:p>
             <a:pPr lvl="1"/>
@@ -923,7 +936,6 @@
               <a:rPr lang="en-US"/>
               <a:t>Second level</a:t>
             </a:r>
-            <a:endParaRPr lang="en-US"/>
           </a:p>
           <a:p>
             <a:pPr lvl="2"/>
@@ -931,7 +943,6 @@
               <a:rPr lang="en-US"/>
               <a:t>Third level</a:t>
             </a:r>
-            <a:endParaRPr lang="en-US"/>
           </a:p>
           <a:p>
             <a:pPr lvl="3"/>
@@ -939,7 +950,6 @@
               <a:rPr lang="en-US"/>
               <a:t>Fourth level</a:t>
             </a:r>
-            <a:endParaRPr lang="en-US"/>
           </a:p>
           <a:p>
             <a:pPr lvl="4"/>
@@ -968,6 +978,7 @@
           <a:p>
             <a:fld id="{DBF1B830-62D1-4319-9804-D7CC6F10675F}" type="datetimeFigureOut">
               <a:rPr lang="en-IN" smtClean="0"/>
+              <a:t>28-09-2020</a:t>
             </a:fld>
             <a:endParaRPr lang="en-IN"/>
           </a:p>
@@ -1009,6 +1020,7 @@
           <a:p>
             <a:fld id="{636DC7A6-D359-43EB-A5EF-E04DB6E81D15}" type="slidenum">
               <a:rPr lang="en-IN" smtClean="0"/>
+              <a:t>‹#›</a:t>
             </a:fld>
             <a:endParaRPr lang="en-IN"/>
           </a:p>
@@ -1023,7 +1035,7 @@
 </file>
 
 <file path=ppt/slideLayouts/slideLayout3.xml><?xml version="1.0" encoding="utf-8"?>
-<p:sldLayout xmlns:a="http://schemas.openxmlformats.org/drawingml/2006/main" xmlns:r="http://schemas.openxmlformats.org/officeDocument/2006/relationships" xmlns:p="http://schemas.openxmlformats.org/presentationml/2006/main" type="secHead" preserve="1" showMasterSp="0">
+<p:sldLayout xmlns:a="http://schemas.openxmlformats.org/drawingml/2006/main" xmlns:r="http://schemas.openxmlformats.org/officeDocument/2006/relationships" xmlns:p="http://schemas.openxmlformats.org/presentationml/2006/main" showMasterSp="0" type="secHead" preserve="1">
   <p:cSld name="Section Header">
     <p:bg>
       <p:bgPr>
@@ -1284,7 +1296,6 @@
               <a:rPr lang="en-US"/>
               <a:t>Click to edit Master text styles</a:t>
             </a:r>
-            <a:endParaRPr lang="en-US"/>
           </a:p>
         </p:txBody>
       </p:sp>
@@ -1305,6 +1316,7 @@
           <a:p>
             <a:fld id="{DBF1B830-62D1-4319-9804-D7CC6F10675F}" type="datetimeFigureOut">
               <a:rPr lang="en-IN" smtClean="0"/>
+              <a:t>28-09-2020</a:t>
             </a:fld>
             <a:endParaRPr lang="en-IN"/>
           </a:p>
@@ -1346,6 +1358,7 @@
           <a:p>
             <a:fld id="{636DC7A6-D359-43EB-A5EF-E04DB6E81D15}" type="slidenum">
               <a:rPr lang="en-IN" smtClean="0"/>
+              <a:t>‹#›</a:t>
             </a:fld>
             <a:endParaRPr lang="en-IN"/>
           </a:p>
@@ -1467,7 +1480,6 @@
               <a:rPr lang="en-US"/>
               <a:t>Click to edit Master text styles</a:t>
             </a:r>
-            <a:endParaRPr lang="en-US"/>
           </a:p>
           <a:p>
             <a:pPr lvl="1"/>
@@ -1475,7 +1487,6 @@
               <a:rPr lang="en-US"/>
               <a:t>Second level</a:t>
             </a:r>
-            <a:endParaRPr lang="en-US"/>
           </a:p>
           <a:p>
             <a:pPr lvl="2"/>
@@ -1483,7 +1494,6 @@
               <a:rPr lang="en-US"/>
               <a:t>Third level</a:t>
             </a:r>
-            <a:endParaRPr lang="en-US"/>
           </a:p>
           <a:p>
             <a:pPr lvl="3"/>
@@ -1491,7 +1501,6 @@
               <a:rPr lang="en-US"/>
               <a:t>Fourth level</a:t>
             </a:r>
-            <a:endParaRPr lang="en-US"/>
           </a:p>
           <a:p>
             <a:pPr lvl="4"/>
@@ -1528,7 +1537,6 @@
               <a:rPr lang="en-US"/>
               <a:t>Click to edit Master text styles</a:t>
             </a:r>
-            <a:endParaRPr lang="en-US"/>
           </a:p>
           <a:p>
             <a:pPr lvl="1"/>
@@ -1536,7 +1544,6 @@
               <a:rPr lang="en-US"/>
               <a:t>Second level</a:t>
             </a:r>
-            <a:endParaRPr lang="en-US"/>
           </a:p>
           <a:p>
             <a:pPr lvl="2"/>
@@ -1544,7 +1551,6 @@
               <a:rPr lang="en-US"/>
               <a:t>Third level</a:t>
             </a:r>
-            <a:endParaRPr lang="en-US"/>
           </a:p>
           <a:p>
             <a:pPr lvl="3"/>
@@ -1552,7 +1558,6 @@
               <a:rPr lang="en-US"/>
               <a:t>Fourth level</a:t>
             </a:r>
-            <a:endParaRPr lang="en-US"/>
           </a:p>
           <a:p>
             <a:pPr lvl="4"/>
@@ -1581,6 +1586,7 @@
           <a:p>
             <a:fld id="{DBF1B830-62D1-4319-9804-D7CC6F10675F}" type="datetimeFigureOut">
               <a:rPr lang="en-IN" smtClean="0"/>
+              <a:t>28-09-2020</a:t>
             </a:fld>
             <a:endParaRPr lang="en-IN"/>
           </a:p>
@@ -1622,6 +1628,7 @@
           <a:p>
             <a:fld id="{636DC7A6-D359-43EB-A5EF-E04DB6E81D15}" type="slidenum">
               <a:rPr lang="en-IN" smtClean="0"/>
+              <a:t>‹#›</a:t>
             </a:fld>
             <a:endParaRPr lang="en-IN"/>
           </a:p>
@@ -1748,7 +1755,6 @@
               <a:rPr lang="en-US"/>
               <a:t>Click to edit Master text styles</a:t>
             </a:r>
-            <a:endParaRPr lang="en-US"/>
           </a:p>
         </p:txBody>
       </p:sp>
@@ -1777,7 +1783,6 @@
               <a:rPr lang="en-US"/>
               <a:t>Click to edit Master text styles</a:t>
             </a:r>
-            <a:endParaRPr lang="en-US"/>
           </a:p>
           <a:p>
             <a:pPr lvl="1"/>
@@ -1785,7 +1790,6 @@
               <a:rPr lang="en-US"/>
               <a:t>Second level</a:t>
             </a:r>
-            <a:endParaRPr lang="en-US"/>
           </a:p>
           <a:p>
             <a:pPr lvl="2"/>
@@ -1793,7 +1797,6 @@
               <a:rPr lang="en-US"/>
               <a:t>Third level</a:t>
             </a:r>
-            <a:endParaRPr lang="en-US"/>
           </a:p>
           <a:p>
             <a:pPr lvl="3"/>
@@ -1801,7 +1804,6 @@
               <a:rPr lang="en-US"/>
               <a:t>Fourth level</a:t>
             </a:r>
-            <a:endParaRPr lang="en-US"/>
           </a:p>
           <a:p>
             <a:pPr lvl="4"/>
@@ -1881,7 +1883,6 @@
               <a:rPr lang="en-US"/>
               <a:t>Click to edit Master text styles</a:t>
             </a:r>
-            <a:endParaRPr lang="en-US"/>
           </a:p>
         </p:txBody>
       </p:sp>
@@ -1910,7 +1911,6 @@
               <a:rPr lang="en-US"/>
               <a:t>Click to edit Master text styles</a:t>
             </a:r>
-            <a:endParaRPr lang="en-US"/>
           </a:p>
           <a:p>
             <a:pPr lvl="1"/>
@@ -1918,7 +1918,6 @@
               <a:rPr lang="en-US"/>
               <a:t>Second level</a:t>
             </a:r>
-            <a:endParaRPr lang="en-US"/>
           </a:p>
           <a:p>
             <a:pPr lvl="2"/>
@@ -1926,7 +1925,6 @@
               <a:rPr lang="en-US"/>
               <a:t>Third level</a:t>
             </a:r>
-            <a:endParaRPr lang="en-US"/>
           </a:p>
           <a:p>
             <a:pPr lvl="3"/>
@@ -1934,7 +1932,6 @@
               <a:rPr lang="en-US"/>
               <a:t>Fourth level</a:t>
             </a:r>
-            <a:endParaRPr lang="en-US"/>
           </a:p>
           <a:p>
             <a:pPr lvl="4"/>
@@ -1963,6 +1960,7 @@
           <a:p>
             <a:fld id="{DBF1B830-62D1-4319-9804-D7CC6F10675F}" type="datetimeFigureOut">
               <a:rPr lang="en-IN" smtClean="0"/>
+              <a:t>28-09-2020</a:t>
             </a:fld>
             <a:endParaRPr lang="en-IN"/>
           </a:p>
@@ -2004,6 +2002,7 @@
           <a:p>
             <a:fld id="{636DC7A6-D359-43EB-A5EF-E04DB6E81D15}" type="slidenum">
               <a:rPr lang="en-IN" smtClean="0"/>
+              <a:t>‹#›</a:t>
             </a:fld>
             <a:endParaRPr lang="en-IN"/>
           </a:p>
@@ -2074,6 +2073,7 @@
           <a:p>
             <a:fld id="{DBF1B830-62D1-4319-9804-D7CC6F10675F}" type="datetimeFigureOut">
               <a:rPr lang="en-IN" smtClean="0"/>
+              <a:t>28-09-2020</a:t>
             </a:fld>
             <a:endParaRPr lang="en-IN"/>
           </a:p>
@@ -2115,6 +2115,7 @@
           <a:p>
             <a:fld id="{636DC7A6-D359-43EB-A5EF-E04DB6E81D15}" type="slidenum">
               <a:rPr lang="en-IN" smtClean="0"/>
+              <a:t>‹#›</a:t>
             </a:fld>
             <a:endParaRPr lang="en-IN"/>
           </a:p>
@@ -2129,7 +2130,7 @@
 </file>
 
 <file path=ppt/slideLayouts/slideLayout7.xml><?xml version="1.0" encoding="utf-8"?>
-<p:sldLayout xmlns:a="http://schemas.openxmlformats.org/drawingml/2006/main" xmlns:r="http://schemas.openxmlformats.org/officeDocument/2006/relationships" xmlns:p="http://schemas.openxmlformats.org/presentationml/2006/main" type="blank" preserve="1" showMasterSp="0">
+<p:sldLayout xmlns:a="http://schemas.openxmlformats.org/drawingml/2006/main" xmlns:r="http://schemas.openxmlformats.org/officeDocument/2006/relationships" xmlns:p="http://schemas.openxmlformats.org/presentationml/2006/main" showMasterSp="0" type="blank" preserve="1">
   <p:cSld name="Blank">
     <p:spTree>
       <p:nvGrpSpPr>
@@ -2238,6 +2239,7 @@
           <a:p>
             <a:fld id="{DBF1B830-62D1-4319-9804-D7CC6F10675F}" type="datetimeFigureOut">
               <a:rPr lang="en-IN" smtClean="0"/>
+              <a:t>28-09-2020</a:t>
             </a:fld>
             <a:endParaRPr lang="en-IN"/>
           </a:p>
@@ -2287,6 +2289,7 @@
           <a:p>
             <a:fld id="{636DC7A6-D359-43EB-A5EF-E04DB6E81D15}" type="slidenum">
               <a:rPr lang="en-IN" smtClean="0"/>
+              <a:t>‹#›</a:t>
             </a:fld>
             <a:endParaRPr lang="en-IN"/>
           </a:p>
@@ -2301,7 +2304,7 @@
 </file>
 
 <file path=ppt/slideLayouts/slideLayout8.xml><?xml version="1.0" encoding="utf-8"?>
-<p:sldLayout xmlns:a="http://schemas.openxmlformats.org/drawingml/2006/main" xmlns:r="http://schemas.openxmlformats.org/officeDocument/2006/relationships" xmlns:p="http://schemas.openxmlformats.org/presentationml/2006/main" type="objTx" preserve="1" showMasterSp="0">
+<p:sldLayout xmlns:a="http://schemas.openxmlformats.org/drawingml/2006/main" xmlns:r="http://schemas.openxmlformats.org/officeDocument/2006/relationships" xmlns:p="http://schemas.openxmlformats.org/presentationml/2006/main" showMasterSp="0" type="objTx" preserve="1">
   <p:cSld name="Content with Caption">
     <p:spTree>
       <p:nvGrpSpPr>
@@ -2456,7 +2459,6 @@
               <a:rPr lang="en-US"/>
               <a:t>Click to edit Master text styles</a:t>
             </a:r>
-            <a:endParaRPr lang="en-US"/>
           </a:p>
           <a:p>
             <a:pPr lvl="1"/>
@@ -2464,7 +2466,6 @@
               <a:rPr lang="en-US"/>
               <a:t>Second level</a:t>
             </a:r>
-            <a:endParaRPr lang="en-US"/>
           </a:p>
           <a:p>
             <a:pPr lvl="2"/>
@@ -2472,7 +2473,6 @@
               <a:rPr lang="en-US"/>
               <a:t>Third level</a:t>
             </a:r>
-            <a:endParaRPr lang="en-US"/>
           </a:p>
           <a:p>
             <a:pPr lvl="3"/>
@@ -2480,7 +2480,6 @@
               <a:rPr lang="en-US"/>
               <a:t>Fourth level</a:t>
             </a:r>
-            <a:endParaRPr lang="en-US"/>
           </a:p>
           <a:p>
             <a:pPr lvl="4"/>
@@ -2560,7 +2559,6 @@
               <a:rPr lang="en-US"/>
               <a:t>Click to edit Master text styles</a:t>
             </a:r>
-            <a:endParaRPr lang="en-US"/>
           </a:p>
         </p:txBody>
       </p:sp>
@@ -2590,6 +2588,7 @@
           <a:p>
             <a:fld id="{DBF1B830-62D1-4319-9804-D7CC6F10675F}" type="datetimeFigureOut">
               <a:rPr lang="en-IN" smtClean="0"/>
+              <a:t>28-09-2020</a:t>
             </a:fld>
             <a:endParaRPr lang="en-IN"/>
           </a:p>
@@ -2652,6 +2651,7 @@
           <a:p>
             <a:fld id="{636DC7A6-D359-43EB-A5EF-E04DB6E81D15}" type="slidenum">
               <a:rPr lang="en-IN" smtClean="0"/>
+              <a:t>‹#›</a:t>
             </a:fld>
             <a:endParaRPr lang="en-IN"/>
           </a:p>
@@ -2666,7 +2666,7 @@
 </file>
 
 <file path=ppt/slideLayouts/slideLayout9.xml><?xml version="1.0" encoding="utf-8"?>
-<p:sldLayout xmlns:a="http://schemas.openxmlformats.org/drawingml/2006/main" xmlns:r="http://schemas.openxmlformats.org/officeDocument/2006/relationships" xmlns:p="http://schemas.openxmlformats.org/presentationml/2006/main" type="picTx" preserve="1" showMasterSp="0">
+<p:sldLayout xmlns:a="http://schemas.openxmlformats.org/drawingml/2006/main" xmlns:r="http://schemas.openxmlformats.org/officeDocument/2006/relationships" xmlns:p="http://schemas.openxmlformats.org/presentationml/2006/main" showMasterSp="0" type="picTx" preserve="1">
   <p:cSld name="Picture with Caption">
     <p:spTree>
       <p:nvGrpSpPr>
@@ -2945,7 +2945,6 @@
               <a:rPr lang="en-US"/>
               <a:t>Click to edit Master text styles</a:t>
             </a:r>
-            <a:endParaRPr lang="en-US"/>
           </a:p>
         </p:txBody>
       </p:sp>
@@ -2966,6 +2965,7 @@
           <a:p>
             <a:fld id="{DBF1B830-62D1-4319-9804-D7CC6F10675F}" type="datetimeFigureOut">
               <a:rPr lang="en-IN" smtClean="0"/>
+              <a:t>28-09-2020</a:t>
             </a:fld>
             <a:endParaRPr lang="en-IN"/>
           </a:p>
@@ -3007,6 +3007,7 @@
           <a:p>
             <a:fld id="{636DC7A6-D359-43EB-A5EF-E04DB6E81D15}" type="slidenum">
               <a:rPr lang="en-IN" smtClean="0"/>
+              <a:t>‹#›</a:t>
             </a:fld>
             <a:endParaRPr lang="en-IN"/>
           </a:p>
@@ -3181,7 +3182,6 @@
               <a:rPr lang="en-US"/>
               <a:t>Click to edit Master text styles</a:t>
             </a:r>
-            <a:endParaRPr lang="en-US"/>
           </a:p>
           <a:p>
             <a:pPr lvl="1"/>
@@ -3189,7 +3189,6 @@
               <a:rPr lang="en-US"/>
               <a:t>Second level</a:t>
             </a:r>
-            <a:endParaRPr lang="en-US"/>
           </a:p>
           <a:p>
             <a:pPr lvl="2"/>
@@ -3197,7 +3196,6 @@
               <a:rPr lang="en-US"/>
               <a:t>Third level</a:t>
             </a:r>
-            <a:endParaRPr lang="en-US"/>
           </a:p>
           <a:p>
             <a:pPr lvl="3"/>
@@ -3205,7 +3203,6 @@
               <a:rPr lang="en-US"/>
               <a:t>Fourth level</a:t>
             </a:r>
-            <a:endParaRPr lang="en-US"/>
           </a:p>
           <a:p>
             <a:pPr lvl="4"/>
@@ -3250,6 +3247,7 @@
           <a:p>
             <a:fld id="{DBF1B830-62D1-4319-9804-D7CC6F10675F}" type="datetimeFigureOut">
               <a:rPr lang="en-IN" smtClean="0"/>
+              <a:t>28-09-2020</a:t>
             </a:fld>
             <a:endParaRPr lang="en-IN"/>
           </a:p>
@@ -3323,6 +3321,7 @@
           <a:p>
             <a:fld id="{636DC7A6-D359-43EB-A5EF-E04DB6E81D15}" type="slidenum">
               <a:rPr lang="en-IN" smtClean="0"/>
+              <a:t>‹#›</a:t>
             </a:fld>
             <a:endParaRPr lang="en-IN"/>
           </a:p>
@@ -3807,18 +3806,11 @@
               <a:t>TOPICS COVERED</a:t>
             </a:r>
             <a:br>
-              <a:rPr lang="en-IN" sz="3200" dirty="0">
+              <a:rPr lang="en-IN" sz="3200">
                 <a:latin typeface="Agency FB" panose="020B0503020202020204" pitchFamily="34" charset="0"/>
                 <a:sym typeface="+mn-ea"/>
               </a:rPr>
             </a:br>
-            <a:r>
-              <a:rPr lang="en-US" altLang="en-IN" sz="3200" dirty="0">
-                <a:latin typeface="Agency FB" panose="020B0503020202020204" pitchFamily="34" charset="0"/>
-                <a:sym typeface="+mn-ea"/>
-              </a:rPr>
-              <a:t>TEst -1</a:t>
-            </a:r>
             <a:br>
               <a:rPr lang="en-US" altLang="en-IN" sz="3200" dirty="0">
                 <a:latin typeface="Agency FB" panose="020B0503020202020204" pitchFamily="34" charset="0"/>
@@ -3924,13 +3916,6 @@
               </a:rPr>
               <a:t>Improving Deep Neural Networks: Hyperparameter tuning, 	Regularization and Optimization</a:t>
             </a:r>
-            <a:endParaRPr lang="en-US" sz="1600" b="1" i="0" dirty="0">
-              <a:solidFill>
-                <a:srgbClr val="1F1F1F"/>
-              </a:solidFill>
-              <a:effectLst/>
-              <a:latin typeface="Open Sans"/>
-            </a:endParaRPr>
           </a:p>
           <a:p>
             <a:endParaRPr lang="en-IN" sz="1800" dirty="0"/>
@@ -3967,7 +3952,6 @@
               <a:rPr lang="en-IN" dirty="0"/>
               <a:t>Train/Dev/Test sets, Bias and Variance.</a:t>
             </a:r>
-            <a:endParaRPr lang="en-IN" dirty="0"/>
           </a:p>
           <a:p>
             <a:pPr marL="342900" indent="-342900">
@@ -3978,7 +3962,6 @@
               <a:rPr lang="en-IN" dirty="0"/>
               <a:t>Regularization – Frobenius norm, Dropout, Early stopping.</a:t>
             </a:r>
-            <a:endParaRPr lang="en-IN" dirty="0"/>
           </a:p>
           <a:p>
             <a:pPr marL="342900" indent="-342900">
@@ -3989,7 +3972,6 @@
               <a:rPr lang="en-IN" dirty="0"/>
               <a:t>Normalizing inputs, Weight initialization(ReLU , tanh), Gradient checking.</a:t>
             </a:r>
-            <a:endParaRPr lang="en-IN" dirty="0"/>
           </a:p>
           <a:p>
             <a:pPr marL="342900" indent="-342900">
@@ -4000,7 +3982,6 @@
               <a:rPr lang="en-IN" dirty="0"/>
               <a:t>Optimization algorithms – Mini-batch gradient descent, Gradient descent with momentum, RMSprop, Adam.</a:t>
             </a:r>
-            <a:endParaRPr lang="en-IN" dirty="0"/>
           </a:p>
           <a:p>
             <a:pPr marL="342900" indent="-342900">
@@ -4011,7 +3992,6 @@
               <a:rPr lang="en-IN" dirty="0"/>
               <a:t>Hyperparameter tuning, Batch normalization(Why does batch norm work ?), Softmax regression.</a:t>
             </a:r>
-            <a:endParaRPr lang="en-IN" dirty="0"/>
           </a:p>
         </p:txBody>
       </p:sp>
@@ -4074,13 +4054,6 @@
               </a:rPr>
               <a:t>Structuring Machine Learning Projects</a:t>
             </a:r>
-            <a:endParaRPr lang="en-IN" sz="1600" b="1" i="0" dirty="0">
-              <a:solidFill>
-                <a:srgbClr val="1F1F1F"/>
-              </a:solidFill>
-              <a:effectLst/>
-              <a:latin typeface="Open Sans"/>
-            </a:endParaRPr>
           </a:p>
           <a:p>
             <a:endParaRPr lang="en-IN" sz="1600" b="1" dirty="0">
@@ -4119,7 +4092,6 @@
               <a:rPr lang="en-IN" dirty="0"/>
               <a:t>Orthogonalization, Satisficing and optimizing metric.</a:t>
             </a:r>
-            <a:endParaRPr lang="en-IN" dirty="0"/>
           </a:p>
           <a:p>
             <a:pPr marL="342900" indent="-342900">
@@ -4130,7 +4102,6 @@
               <a:rPr lang="en-IN" dirty="0"/>
               <a:t>Comparing to human – level performance(Human Error, Training Error, Dev Error).</a:t>
             </a:r>
-            <a:endParaRPr lang="en-IN" dirty="0"/>
           </a:p>
           <a:p>
             <a:pPr marL="342900" indent="-342900">
@@ -4141,7 +4112,6 @@
               <a:rPr lang="en-IN" dirty="0"/>
               <a:t>Error analysis, Mismatched training set and dev/test sets.</a:t>
             </a:r>
-            <a:endParaRPr lang="en-IN" dirty="0"/>
           </a:p>
           <a:p>
             <a:pPr marL="342900" indent="-342900">
@@ -4152,7 +4122,6 @@
               <a:rPr lang="en-IN" dirty="0"/>
               <a:t>Transfer learning, End-to-end deep learning .</a:t>
             </a:r>
-            <a:endParaRPr lang="en-IN" dirty="0"/>
           </a:p>
         </p:txBody>
       </p:sp>
@@ -4189,13 +4158,6 @@
               </a:rPr>
               <a:t>Abhishek Rao</a:t>
             </a:r>
-            <a:endParaRPr lang="en-IN" sz="2800" b="1" dirty="0">
-              <a:solidFill>
-                <a:schemeClr val="bg1">
-                  <a:lumMod val="50000"/>
-                </a:schemeClr>
-              </a:solidFill>
-            </a:endParaRPr>
           </a:p>
         </p:txBody>
       </p:sp>
@@ -4279,7 +4241,6 @@
               <a:rPr lang="en-IN" dirty="0"/>
               <a:t>Padding, Strided Convolutions.</a:t>
             </a:r>
-            <a:endParaRPr lang="en-IN" dirty="0"/>
           </a:p>
           <a:p>
             <a:pPr marL="342900" indent="-342900">
@@ -4290,7 +4251,6 @@
               <a:rPr lang="en-IN" dirty="0"/>
               <a:t>Classic Networks. </a:t>
             </a:r>
-            <a:endParaRPr lang="en-IN" dirty="0"/>
           </a:p>
           <a:p>
             <a:pPr marL="342900" indent="-342900">
@@ -4300,7 +4260,6 @@
               <a:rPr lang="en-IN" dirty="0"/>
               <a:t>Inception Network.</a:t>
             </a:r>
-            <a:endParaRPr lang="en-IN" dirty="0"/>
           </a:p>
           <a:p>
             <a:pPr marL="342900" indent="-342900">
@@ -4310,7 +4269,6 @@
               <a:rPr lang="en-IN" dirty="0"/>
               <a:t>Detection Algorithms – Object localization, Landmark detection, Sliding window, YOLO.  </a:t>
             </a:r>
-            <a:endParaRPr lang="en-IN" dirty="0"/>
           </a:p>
         </p:txBody>
       </p:sp>
@@ -4378,13 +4336,6 @@
               </a:rPr>
               <a:t>Sequence Models</a:t>
             </a:r>
-            <a:endParaRPr lang="en-IN" b="1" dirty="0">
-              <a:solidFill>
-                <a:srgbClr val="1F1F1F"/>
-              </a:solidFill>
-              <a:latin typeface="Open Sans"/>
-              <a:cs typeface="Comic Sans MS" panose="030F0702030302020204" charset="0"/>
-            </a:endParaRPr>
           </a:p>
           <a:p>
             <a:endParaRPr lang="en-IN" sz="1800" b="1" i="0" dirty="0">
@@ -4426,13 +4377,6 @@
               </a:rPr>
               <a:t>Why not standard networks ?</a:t>
             </a:r>
-            <a:endParaRPr lang="en-IN" dirty="0">
-              <a:solidFill>
-                <a:srgbClr val="1F1F1F"/>
-              </a:solidFill>
-              <a:latin typeface="Calibri" panose="020F0502020204030204" pitchFamily="34" charset="0"/>
-              <a:cs typeface="Calibri" panose="020F0502020204030204" pitchFamily="34" charset="0"/>
-            </a:endParaRPr>
           </a:p>
           <a:p>
             <a:r>
@@ -4456,14 +4400,6 @@
               </a:rPr>
               <a:t>2.   Different types of RNNs.</a:t>
             </a:r>
-            <a:endParaRPr lang="en-IN" sz="1800" i="0" dirty="0">
-              <a:solidFill>
-                <a:srgbClr val="1F1F1F"/>
-              </a:solidFill>
-              <a:effectLst/>
-              <a:latin typeface="Calibri" panose="020F0502020204030204" pitchFamily="34" charset="0"/>
-              <a:cs typeface="Calibri" panose="020F0502020204030204" pitchFamily="34" charset="0"/>
-            </a:endParaRPr>
           </a:p>
           <a:p>
             <a:r>
@@ -4486,13 +4422,6 @@
               </a:rPr>
               <a:t>3.   Language model and Sequence generation.</a:t>
             </a:r>
-            <a:endParaRPr lang="en-IN" dirty="0">
-              <a:solidFill>
-                <a:srgbClr val="1F1F1F"/>
-              </a:solidFill>
-              <a:latin typeface="Calibri" panose="020F0502020204030204" pitchFamily="34" charset="0"/>
-              <a:cs typeface="Calibri" panose="020F0502020204030204" pitchFamily="34" charset="0"/>
-            </a:endParaRPr>
           </a:p>
           <a:p>
             <a:r>
@@ -4517,14 +4446,6 @@
               </a:rPr>
               <a:t>4.   GRU and LSTM.</a:t>
             </a:r>
-            <a:endParaRPr lang="en-IN" sz="1800" i="0" dirty="0">
-              <a:solidFill>
-                <a:srgbClr val="1F1F1F"/>
-              </a:solidFill>
-              <a:effectLst/>
-              <a:latin typeface="Calibri" panose="020F0502020204030204" pitchFamily="34" charset="0"/>
-              <a:cs typeface="Calibri" panose="020F0502020204030204" pitchFamily="34" charset="0"/>
-            </a:endParaRPr>
           </a:p>
           <a:p>
             <a:r>
@@ -4547,13 +4468,6 @@
               </a:rPr>
               <a:t>5.   Word Embeddings.</a:t>
             </a:r>
-            <a:endParaRPr lang="en-IN" dirty="0">
-              <a:solidFill>
-                <a:srgbClr val="1F1F1F"/>
-              </a:solidFill>
-              <a:latin typeface="Calibri" panose="020F0502020204030204" pitchFamily="34" charset="0"/>
-              <a:cs typeface="Calibri" panose="020F0502020204030204" pitchFamily="34" charset="0"/>
-            </a:endParaRPr>
           </a:p>
           <a:p>
             <a:r>
@@ -4578,14 +4492,6 @@
               </a:rPr>
               <a:t>6.   Sequence-to-sequence architecture, Beam algorithm, Error analysis in beam search.</a:t>
             </a:r>
-            <a:endParaRPr lang="en-IN" sz="1800" i="0" dirty="0">
-              <a:solidFill>
-                <a:srgbClr val="1F1F1F"/>
-              </a:solidFill>
-              <a:effectLst/>
-              <a:latin typeface="Calibri" panose="020F0502020204030204" pitchFamily="34" charset="0"/>
-              <a:cs typeface="Calibri" panose="020F0502020204030204" pitchFamily="34" charset="0"/>
-            </a:endParaRPr>
           </a:p>
           <a:p>
             <a:r>
@@ -4652,13 +4558,6 @@
               </a:rPr>
               <a:t>Abhishek Rao</a:t>
             </a:r>
-            <a:endParaRPr lang="en-IN" sz="2800" b="1" dirty="0">
-              <a:solidFill>
-                <a:schemeClr val="bg1">
-                  <a:lumMod val="50000"/>
-                </a:schemeClr>
-              </a:solidFill>
-            </a:endParaRPr>
           </a:p>
         </p:txBody>
       </p:sp>
@@ -4775,9 +4674,6 @@
               </a:rPr>
               <a:t>.  How to build a neural network for classification .</a:t>
             </a:r>
-            <a:endParaRPr lang="en-IN" altLang="en-US" dirty="0">
-              <a:sym typeface="+mn-ea"/>
-            </a:endParaRPr>
           </a:p>
           <a:p>
             <a:pPr indent="0" algn="l">
@@ -4796,9 +4692,6 @@
               </a:rPr>
               <a:t>2.  Shapes and sizes of training data and parameters.</a:t>
             </a:r>
-            <a:endParaRPr lang="en-IN" altLang="en-US" dirty="0">
-              <a:sym typeface="+mn-ea"/>
-            </a:endParaRPr>
           </a:p>
           <a:p>
             <a:pPr indent="0" algn="l">
@@ -4817,9 +4710,6 @@
               </a:rPr>
               <a:t>4.  Forward and Backward propagation.</a:t>
             </a:r>
-            <a:endParaRPr lang="en-IN" altLang="en-US" dirty="0">
-              <a:sym typeface="+mn-ea"/>
-            </a:endParaRPr>
           </a:p>
           <a:p>
             <a:pPr indent="0" algn="l">
@@ -4838,9 +4728,6 @@
               </a:rPr>
               <a:t>5.  Vectorization.</a:t>
             </a:r>
-            <a:endParaRPr lang="en-IN" altLang="en-US" dirty="0">
-              <a:sym typeface="+mn-ea"/>
-            </a:endParaRPr>
           </a:p>
           <a:p>
             <a:pPr indent="0" algn="l">
@@ -4906,9 +4793,6 @@
               </a:rPr>
               <a:t>1.  Regularization – Frobenius norm, Dropout, Early stopping.</a:t>
             </a:r>
-            <a:endParaRPr lang="en-IN" sz="1600" dirty="0">
-              <a:sym typeface="+mn-ea"/>
-            </a:endParaRPr>
           </a:p>
           <a:p>
             <a:pPr indent="0" algn="l">
@@ -4927,9 +4811,6 @@
               </a:rPr>
               <a:t>2.  Concept of weight decay.</a:t>
             </a:r>
-            <a:endParaRPr lang="en-IN" sz="1600" dirty="0">
-              <a:sym typeface="+mn-ea"/>
-            </a:endParaRPr>
           </a:p>
           <a:p>
             <a:pPr indent="0" algn="l">
@@ -4948,9 +4829,6 @@
               </a:rPr>
               <a:t>3.  Methods to reduce overfitting and why we need to normalize inputs. </a:t>
             </a:r>
-            <a:endParaRPr lang="en-IN" sz="1600" dirty="0">
-              <a:sym typeface="+mn-ea"/>
-            </a:endParaRPr>
           </a:p>
           <a:p>
             <a:pPr indent="0" algn="l">
@@ -4969,9 +4847,6 @@
               </a:rPr>
               <a:t>4.  Situations where we need to choose GD and mini-batch GD.</a:t>
             </a:r>
-            <a:endParaRPr lang="en-IN" sz="1600" dirty="0">
-              <a:sym typeface="+mn-ea"/>
-            </a:endParaRPr>
           </a:p>
           <a:p>
             <a:pPr indent="0" algn="l">
@@ -5095,6 +4970,12 @@
               </a:rPr>
               <a:t>Transfer learning and multi-tast learnig.</a:t>
             </a:r>
+          </a:p>
+          <a:p>
+            <a:pPr indent="0">
+              <a:buFont typeface="Arial" panose="020B0604020202020204" pitchFamily="34" charset="0"/>
+              <a:buNone/>
+            </a:pPr>
             <a:endParaRPr lang="en-US" sz="1600">
               <a:sym typeface="+mn-ea"/>
             </a:endParaRPr>
@@ -5104,15 +4985,6 @@
               <a:buFont typeface="Arial" panose="020B0604020202020204" pitchFamily="34" charset="0"/>
               <a:buNone/>
             </a:pPr>
-            <a:endParaRPr lang="en-US" sz="1600">
-              <a:sym typeface="+mn-ea"/>
-            </a:endParaRPr>
-          </a:p>
-          <a:p>
-            <a:pPr indent="0">
-              <a:buFont typeface="Arial" panose="020B0604020202020204" pitchFamily="34" charset="0"/>
-              <a:buNone/>
-            </a:pPr>
             <a:r>
               <a:rPr lang="en-IN" altLang="en-US" sz="1600" b="1">
                 <a:latin typeface="Segoe Print" panose="02000600000000000000" charset="0"/>
@@ -5120,10 +4992,6 @@
               </a:rPr>
               <a:t>COURSE 4: Convolutional neural network.</a:t>
             </a:r>
-            <a:endParaRPr lang="en-IN" altLang="en-US" sz="1600" b="1">
-              <a:latin typeface="Segoe Print" panose="02000600000000000000" charset="0"/>
-              <a:cs typeface="Segoe Print" panose="02000600000000000000" charset="0"/>
-            </a:endParaRPr>
           </a:p>
           <a:p>
             <a:pPr indent="0">
@@ -5143,9 +5011,6 @@
               </a:rPr>
               <a:t>  Convolution,padding, types of layer in convolutional network.</a:t>
             </a:r>
-            <a:endParaRPr lang="en-IN" altLang="en-US" sz="1600">
-              <a:cs typeface="+mn-lt"/>
-            </a:endParaRPr>
           </a:p>
           <a:p>
             <a:pPr indent="0">
@@ -5218,14 +5083,6 @@
               </a:rPr>
               <a:t>Ganiger</a:t>
             </a:r>
-            <a:endParaRPr lang="en-US" sz="2000" b="1" dirty="0" err="1">
-              <a:solidFill>
-                <a:schemeClr val="accent6">
-                  <a:lumMod val="75000"/>
-                </a:schemeClr>
-              </a:solidFill>
-              <a:sym typeface="+mn-ea"/>
-            </a:endParaRPr>
           </a:p>
         </p:txBody>
       </p:sp>
@@ -5327,10 +5184,6 @@
               </a:rPr>
               <a:t> Neural Networks and Deep Learning:</a:t>
             </a:r>
-            <a:endParaRPr lang="en-IN" b="1" i="1" dirty="0">
-              <a:latin typeface="Comic Sans MS" panose="030F0702030302020204" charset="0"/>
-              <a:cs typeface="Comic Sans MS" panose="030F0702030302020204" charset="0"/>
-            </a:endParaRPr>
           </a:p>
           <a:p>
             <a:pPr marL="342900" indent="-342900">
@@ -5341,7 +5194,6 @@
               <a:rPr lang="en-US" dirty="0"/>
               <a:t>Supervised learning with neural network</a:t>
             </a:r>
-            <a:endParaRPr lang="en-US" dirty="0"/>
           </a:p>
           <a:p>
             <a:pPr marL="342900" indent="-342900">
@@ -5352,7 +5204,6 @@
               <a:rPr lang="en-US" dirty="0"/>
               <a:t>Binary Classification and Logistic Regression</a:t>
             </a:r>
-            <a:endParaRPr lang="en-US" dirty="0"/>
           </a:p>
           <a:p>
             <a:pPr marL="342900" indent="-342900">
@@ -5363,7 +5214,6 @@
               <a:rPr lang="en-US" dirty="0"/>
               <a:t>Gradient Descent and Vectorization</a:t>
             </a:r>
-            <a:endParaRPr lang="en-US" dirty="0"/>
           </a:p>
           <a:p>
             <a:pPr marL="342900" indent="-342900">
@@ -5374,7 +5224,6 @@
               <a:rPr lang="en-US" dirty="0"/>
               <a:t>Neural Network Representation</a:t>
             </a:r>
-            <a:endParaRPr lang="en-US" dirty="0"/>
           </a:p>
           <a:p>
             <a:pPr marL="342900" indent="-342900">
@@ -5385,7 +5234,6 @@
               <a:rPr lang="en-US" dirty="0"/>
               <a:t>Forward and Backpropagation</a:t>
             </a:r>
-            <a:endParaRPr lang="en-US" dirty="0"/>
           </a:p>
           <a:p>
             <a:pPr marL="342900" indent="-342900">
@@ -5396,7 +5244,6 @@
               <a:rPr lang="en-US" dirty="0"/>
               <a:t>Parameters vs. Hyperparameters</a:t>
             </a:r>
-            <a:endParaRPr lang="en-US" dirty="0"/>
           </a:p>
           <a:p>
             <a:pPr marL="342900" indent="-342900"/>
@@ -5424,10 +5271,6 @@
               </a:rPr>
               <a:t>Improving Deep Neural Networks: Hyperparameter tuning, Regularization and Optimization:</a:t>
             </a:r>
-            <a:endParaRPr lang="en-US" b="1" i="1" dirty="0">
-              <a:latin typeface="Comic Sans MS" panose="030F0702030302020204" charset="0"/>
-              <a:cs typeface="Comic Sans MS" panose="030F0702030302020204" charset="0"/>
-            </a:endParaRPr>
           </a:p>
           <a:p>
             <a:pPr marL="342900" indent="-342900">
@@ -5438,7 +5281,6 @@
               <a:rPr lang="en-US" dirty="0"/>
               <a:t> Train / Validation and Test Sets</a:t>
             </a:r>
-            <a:endParaRPr lang="en-US" dirty="0"/>
           </a:p>
           <a:p>
             <a:pPr marL="342900" indent="-342900">
@@ -5449,7 +5291,6 @@
               <a:rPr lang="en-US" dirty="0"/>
               <a:t> Bias/Variance</a:t>
             </a:r>
-            <a:endParaRPr lang="en-US" dirty="0"/>
           </a:p>
           <a:p>
             <a:pPr marL="342900" indent="-342900">
@@ -5460,7 +5301,6 @@
               <a:rPr lang="en-US" dirty="0"/>
               <a:t> Regularization</a:t>
             </a:r>
-            <a:endParaRPr lang="en-US" dirty="0"/>
           </a:p>
           <a:p>
             <a:pPr marL="342900" indent="-342900">
@@ -5471,7 +5311,6 @@
               <a:rPr lang="en-US" dirty="0"/>
               <a:t> Normalizing</a:t>
             </a:r>
-            <a:endParaRPr lang="en-US" dirty="0"/>
           </a:p>
           <a:p>
             <a:pPr marL="342900" indent="-342900">
@@ -5482,7 +5321,6 @@
               <a:rPr lang="en-US" dirty="0"/>
               <a:t>Gradient Checking</a:t>
             </a:r>
-            <a:endParaRPr lang="en-US" dirty="0"/>
           </a:p>
           <a:p>
             <a:pPr marL="342900" indent="-342900">
@@ -5493,7 +5331,6 @@
               <a:rPr lang="en-US" dirty="0"/>
               <a:t>Mini batch Gradient descent</a:t>
             </a:r>
-            <a:endParaRPr lang="en-US" dirty="0"/>
           </a:p>
           <a:p>
             <a:pPr marL="342900" indent="-342900">
@@ -5504,7 +5341,6 @@
               <a:rPr lang="en-US" dirty="0"/>
               <a:t>Learning rate decay</a:t>
             </a:r>
-            <a:endParaRPr lang="en-US" dirty="0"/>
           </a:p>
           <a:p>
             <a:pPr marL="342900" indent="-342900">
@@ -5515,7 +5351,6 @@
               <a:rPr lang="en-US" dirty="0"/>
               <a:t>Tuning process</a:t>
             </a:r>
-            <a:endParaRPr lang="en-US" dirty="0"/>
           </a:p>
           <a:p>
             <a:pPr marL="342900" indent="-342900">
@@ -5526,7 +5361,6 @@
               <a:rPr lang="en-US" dirty="0"/>
               <a:t>Softmax Regression </a:t>
             </a:r>
-            <a:endParaRPr lang="en-US" dirty="0"/>
           </a:p>
           <a:p>
             <a:pPr marL="342900" indent="-342900">
@@ -5546,13 +5380,6 @@
               </a:rPr>
               <a:t>                                                                                                                                                           </a:t>
             </a:r>
-            <a:endParaRPr lang="en-US" dirty="0">
-              <a:solidFill>
-                <a:schemeClr val="accent6">
-                  <a:lumMod val="75000"/>
-                </a:schemeClr>
-              </a:solidFill>
-            </a:endParaRPr>
           </a:p>
           <a:p>
             <a:r>
@@ -5585,13 +5412,6 @@
               </a:rPr>
               <a:t>Sakshi Tahlani</a:t>
             </a:r>
-            <a:endParaRPr lang="en-US" sz="2800" b="1" dirty="0">
-              <a:solidFill>
-                <a:schemeClr val="accent6">
-                  <a:lumMod val="75000"/>
-                </a:schemeClr>
-              </a:solidFill>
-            </a:endParaRPr>
           </a:p>
         </p:txBody>
       </p:sp>
@@ -5735,9 +5555,6 @@
               </a:rPr>
               <a:t>Role of training dev set.</a:t>
             </a:r>
-            <a:endParaRPr lang="en-US">
-              <a:sym typeface="+mn-ea"/>
-            </a:endParaRPr>
           </a:p>
           <a:p>
             <a:pPr marL="342900" indent="-342900">
@@ -5896,14 +5713,6 @@
               </a:rPr>
               <a:t>Varun Bohara</a:t>
             </a:r>
-            <a:endParaRPr lang="en-US" sz="2800" b="1" dirty="0">
-              <a:solidFill>
-                <a:schemeClr val="accent6">
-                  <a:lumMod val="75000"/>
-                </a:schemeClr>
-              </a:solidFill>
-              <a:sym typeface="+mn-ea"/>
-            </a:endParaRPr>
           </a:p>
         </p:txBody>
       </p:sp>
@@ -5952,6 +5761,7 @@
           <a:bodyPr wrap="square" rtlCol="0">
             <a:spAutoFit/>
           </a:bodyPr>
+          <a:lstStyle/>
           <a:p>
             <a:pPr indent="0">
               <a:buFont typeface="Arial" panose="020B0604020202020204" pitchFamily="34" charset="0"/>
@@ -5963,6 +5773,77 @@
                 <a:cs typeface="Comic Sans MS" panose="030F0702030302020204" charset="0"/>
               </a:rPr>
               <a:t>YOLO Detection Algorithm</a:t>
+            </a:r>
+          </a:p>
+          <a:p>
+            <a:pPr marL="342900" indent="-342900">
+              <a:buFont typeface="Arial" panose="020B0604020202020204" pitchFamily="34" charset="0"/>
+              <a:buAutoNum type="arabicPeriod"/>
+            </a:pPr>
+            <a:r>
+              <a:rPr lang="en-US"/>
+              <a:t>Object detection using conv net.</a:t>
+            </a:r>
+          </a:p>
+          <a:p>
+            <a:pPr marL="342900" indent="-342900">
+              <a:buFont typeface="Arial" panose="020B0604020202020204" pitchFamily="34" charset="0"/>
+              <a:buAutoNum type="arabicPeriod"/>
+            </a:pPr>
+            <a:r>
+              <a:rPr lang="en-US"/>
+              <a:t>Bounding box predictions  </a:t>
+            </a:r>
+          </a:p>
+          <a:p>
+            <a:pPr marL="342900" indent="-342900">
+              <a:buFont typeface="Arial" panose="020B0604020202020204" pitchFamily="34" charset="0"/>
+              <a:buAutoNum type="arabicPeriod"/>
+            </a:pPr>
+            <a:r>
+              <a:rPr lang="en-US"/>
+              <a:t>Intersection over union </a:t>
+            </a:r>
+          </a:p>
+          <a:p>
+            <a:pPr marL="342900" indent="-342900">
+              <a:buFont typeface="Arial" panose="020B0604020202020204" pitchFamily="34" charset="0"/>
+              <a:buAutoNum type="arabicPeriod"/>
+            </a:pPr>
+            <a:r>
+              <a:rPr lang="en-US"/>
+              <a:t>Non max supression</a:t>
+            </a:r>
+          </a:p>
+          <a:p>
+            <a:pPr marL="342900" indent="-342900">
+              <a:buFont typeface="Arial" panose="020B0604020202020204" pitchFamily="34" charset="0"/>
+              <a:buAutoNum type="arabicPeriod"/>
+            </a:pPr>
+            <a:r>
+              <a:rPr lang="en-US"/>
+              <a:t>Anchor box</a:t>
+            </a:r>
+          </a:p>
+          <a:p>
+            <a:pPr marL="342900" indent="-342900">
+              <a:buFont typeface="Arial" panose="020B0604020202020204" pitchFamily="34" charset="0"/>
+              <a:buAutoNum type="arabicPeriod"/>
+            </a:pPr>
+            <a:endParaRPr lang="en-US"/>
+          </a:p>
+          <a:p>
+            <a:pPr indent="0">
+              <a:buFont typeface="Arial" panose="020B0604020202020204" pitchFamily="34" charset="0"/>
+              <a:buNone/>
+            </a:pPr>
+            <a:r>
+              <a:rPr lang="en-US" b="1" i="1">
+                <a:latin typeface="Comic Sans MS" panose="030F0702030302020204" charset="0"/>
+                <a:cs typeface="Comic Sans MS" panose="030F0702030302020204" charset="0"/>
+                <a:sym typeface="+mn-ea"/>
+              </a:rPr>
+              <a:t>COURSE 5-Sequence Models</a:t>
             </a:r>
             <a:endParaRPr lang="en-US" b="1" i="1">
               <a:latin typeface="Comic Sans MS" panose="030F0702030302020204" charset="0"/>
@@ -5975,91 +5856,65 @@
               <a:buAutoNum type="arabicPeriod"/>
             </a:pPr>
             <a:r>
-              <a:rPr lang="en-US"/>
-              <a:t>Object detection using conv net.</a:t>
-            </a:r>
-            <a:endParaRPr lang="en-US"/>
-          </a:p>
-          <a:p>
-            <a:pPr marL="342900" indent="-342900">
-              <a:buFont typeface="Arial" panose="020B0604020202020204" pitchFamily="34" charset="0"/>
-              <a:buAutoNum type="arabicPeriod"/>
-            </a:pPr>
-            <a:r>
-              <a:rPr lang="en-US"/>
-              <a:t>Bounding box predictions  </a:t>
-            </a:r>
-            <a:endParaRPr lang="en-US"/>
-          </a:p>
-          <a:p>
-            <a:pPr marL="342900" indent="-342900">
-              <a:buFont typeface="Arial" panose="020B0604020202020204" pitchFamily="34" charset="0"/>
-              <a:buAutoNum type="arabicPeriod"/>
-            </a:pPr>
-            <a:r>
-              <a:rPr lang="en-US"/>
-              <a:t>Intersection over union </a:t>
-            </a:r>
-            <a:endParaRPr lang="en-US"/>
-          </a:p>
-          <a:p>
-            <a:pPr marL="342900" indent="-342900">
-              <a:buFont typeface="Arial" panose="020B0604020202020204" pitchFamily="34" charset="0"/>
-              <a:buAutoNum type="arabicPeriod"/>
-            </a:pPr>
-            <a:r>
-              <a:rPr lang="en-US"/>
-              <a:t>Non max supression</a:t>
-            </a:r>
-            <a:endParaRPr lang="en-US"/>
-          </a:p>
-          <a:p>
-            <a:pPr marL="342900" indent="-342900">
-              <a:buFont typeface="Arial" panose="020B0604020202020204" pitchFamily="34" charset="0"/>
-              <a:buAutoNum type="arabicPeriod"/>
-            </a:pPr>
-            <a:r>
-              <a:rPr lang="en-US"/>
-              <a:t>Anchor box</a:t>
-            </a:r>
-            <a:endParaRPr lang="en-US"/>
-          </a:p>
-          <a:p>
-            <a:pPr marL="342900" indent="-342900">
-              <a:buFont typeface="Arial" panose="020B0604020202020204" pitchFamily="34" charset="0"/>
-              <a:buAutoNum type="arabicPeriod"/>
-            </a:pPr>
-            <a:endParaRPr lang="en-US"/>
-          </a:p>
-          <a:p>
-            <a:pPr indent="0">
-              <a:buFont typeface="Arial" panose="020B0604020202020204" pitchFamily="34" charset="0"/>
-              <a:buNone/>
-            </a:pPr>
-            <a:r>
-              <a:rPr lang="en-US" b="1" i="1">
-                <a:latin typeface="Comic Sans MS" panose="030F0702030302020204" charset="0"/>
-                <a:cs typeface="Comic Sans MS" panose="030F0702030302020204" charset="0"/>
-                <a:sym typeface="+mn-ea"/>
-              </a:rPr>
-              <a:t>COURSE 5-Sequence Models</a:t>
-            </a:r>
-            <a:endParaRPr lang="en-US" b="1" i="1">
-              <a:latin typeface="Comic Sans MS" panose="030F0702030302020204" charset="0"/>
-              <a:cs typeface="Comic Sans MS" panose="030F0702030302020204" charset="0"/>
-            </a:endParaRPr>
-          </a:p>
-          <a:p>
-            <a:pPr marL="342900" indent="-342900">
-              <a:buFont typeface="Arial" panose="020B0604020202020204" pitchFamily="34" charset="0"/>
-              <a:buAutoNum type="arabicPeriod"/>
-            </a:pPr>
-            <a:r>
               <a:rPr lang="en-US">
                 <a:sym typeface="+mn-ea"/>
               </a:rPr>
               <a:t>Why RNNs model are preferable over standard neural network model</a:t>
             </a:r>
+          </a:p>
+          <a:p>
+            <a:pPr marL="342900" indent="-342900">
+              <a:buFont typeface="Arial" panose="020B0604020202020204" pitchFamily="34" charset="0"/>
+              <a:buAutoNum type="arabicPeriod"/>
+            </a:pPr>
+            <a:r>
+              <a:rPr lang="en-US">
+                <a:sym typeface="+mn-ea"/>
+              </a:rPr>
+              <a:t>Different types of RNN models</a:t>
+            </a:r>
+          </a:p>
+          <a:p>
+            <a:pPr marL="342900" indent="-342900">
+              <a:buFont typeface="Arial" panose="020B0604020202020204" pitchFamily="34" charset="0"/>
+              <a:buAutoNum type="arabicPeriod"/>
+            </a:pPr>
+            <a:r>
+              <a:rPr lang="en-US">
+                <a:sym typeface="+mn-ea"/>
+              </a:rPr>
+              <a:t>Language modeling and sequence generation.</a:t>
+            </a:r>
+          </a:p>
+          <a:p>
+            <a:pPr marL="342900" indent="-342900">
+              <a:buFont typeface="Arial" panose="020B0604020202020204" pitchFamily="34" charset="0"/>
+              <a:buAutoNum type="arabicPeriod"/>
+            </a:pPr>
+            <a:r>
+              <a:rPr lang="en-US">
+                <a:sym typeface="+mn-ea"/>
+              </a:rPr>
+              <a:t>Sampling novel sequences</a:t>
+            </a:r>
+          </a:p>
+          <a:p>
+            <a:pPr marL="342900" indent="-342900">
+              <a:buFont typeface="Arial" panose="020B0604020202020204" pitchFamily="34" charset="0"/>
+              <a:buAutoNum type="arabicPeriod"/>
+            </a:pPr>
+            <a:r>
+              <a:rPr lang="en-US">
+                <a:sym typeface="+mn-ea"/>
+              </a:rPr>
+              <a:t>Vanishing gradients with RNNs ,GRU and LSTM</a:t>
+            </a:r>
+          </a:p>
+          <a:p>
+            <a:pPr marL="342900" indent="-342900">
+              <a:buFont typeface="Arial" panose="020B0604020202020204" pitchFamily="34" charset="0"/>
+              <a:buAutoNum type="arabicPeriod"/>
+            </a:pPr>
             <a:endParaRPr lang="en-US">
               <a:sym typeface="+mn-ea"/>
             </a:endParaRPr>
@@ -6073,141 +5928,60 @@
               <a:rPr lang="en-US">
                 <a:sym typeface="+mn-ea"/>
               </a:rPr>
-              <a:t>Different types of RNN models</a:t>
-            </a:r>
+              <a:t>Generating embedding vector , Analogies  </a:t>
+            </a:r>
+          </a:p>
+          <a:p>
+            <a:pPr marL="342900" indent="-342900">
+              <a:buFont typeface="Arial" panose="020B0604020202020204" pitchFamily="34" charset="0"/>
+              <a:buAutoNum type="arabicPeriod"/>
+            </a:pPr>
+            <a:r>
+              <a:rPr lang="en-US">
+                <a:sym typeface="+mn-ea"/>
+              </a:rPr>
+              <a:t>Context and target embedding words</a:t>
+            </a:r>
+          </a:p>
+          <a:p>
+            <a:pPr marL="342900" indent="-342900">
+              <a:buFont typeface="Arial" panose="020B0604020202020204" pitchFamily="34" charset="0"/>
+              <a:buAutoNum type="arabicPeriod"/>
+            </a:pPr>
+            <a:r>
+              <a:rPr lang="en-US">
+                <a:sym typeface="+mn-ea"/>
+              </a:rPr>
+              <a:t>Word2Vec model </a:t>
+            </a:r>
+          </a:p>
+          <a:p>
+            <a:pPr marL="342900" indent="-342900">
+              <a:buFont typeface="Arial" panose="020B0604020202020204" pitchFamily="34" charset="0"/>
+              <a:buAutoNum type="arabicPeriod"/>
+            </a:pPr>
+            <a:r>
+              <a:rPr lang="en-US">
+                <a:sym typeface="+mn-ea"/>
+              </a:rPr>
+              <a:t>Negative sampling </a:t>
+            </a:r>
+          </a:p>
+          <a:p>
+            <a:pPr marL="342900" indent="-342900">
+              <a:buFont typeface="Arial" panose="020B0604020202020204" pitchFamily="34" charset="0"/>
+              <a:buAutoNum type="arabicPeriod"/>
+            </a:pPr>
             <a:endParaRPr lang="en-US">
               <a:sym typeface="+mn-ea"/>
             </a:endParaRPr>
           </a:p>
           <a:p>
-            <a:pPr marL="342900" indent="-342900">
-              <a:buFont typeface="Arial" panose="020B0604020202020204" pitchFamily="34" charset="0"/>
-              <a:buAutoNum type="arabicPeriod"/>
-            </a:pPr>
-            <a:r>
-              <a:rPr lang="en-US">
-                <a:sym typeface="+mn-ea"/>
-              </a:rPr>
-              <a:t>Language modeling and sequence generation.</a:t>
-            </a:r>
-            <a:endParaRPr lang="en-US">
-              <a:sym typeface="+mn-ea"/>
-            </a:endParaRPr>
-          </a:p>
-          <a:p>
-            <a:pPr marL="342900" indent="-342900">
-              <a:buFont typeface="Arial" panose="020B0604020202020204" pitchFamily="34" charset="0"/>
-              <a:buAutoNum type="arabicPeriod"/>
-            </a:pPr>
-            <a:r>
-              <a:rPr lang="en-US">
-                <a:sym typeface="+mn-ea"/>
-              </a:rPr>
-              <a:t>Sampling novel sequences</a:t>
-            </a:r>
-            <a:endParaRPr lang="en-US">
-              <a:sym typeface="+mn-ea"/>
-            </a:endParaRPr>
-          </a:p>
-          <a:p>
-            <a:pPr marL="342900" indent="-342900">
-              <a:buFont typeface="Arial" panose="020B0604020202020204" pitchFamily="34" charset="0"/>
-              <a:buAutoNum type="arabicPeriod"/>
-            </a:pPr>
-            <a:r>
-              <a:rPr lang="en-US">
-                <a:sym typeface="+mn-ea"/>
-              </a:rPr>
-              <a:t>Vanishing gradients with RNNs ,GRU and LSTM</a:t>
-            </a:r>
-            <a:endParaRPr lang="en-US">
-              <a:sym typeface="+mn-ea"/>
-            </a:endParaRPr>
-          </a:p>
-          <a:p>
-            <a:pPr marL="342900" indent="-342900">
-              <a:buFont typeface="Arial" panose="020B0604020202020204" pitchFamily="34" charset="0"/>
-              <a:buAutoNum type="arabicPeriod"/>
-            </a:pPr>
-            <a:endParaRPr lang="en-US">
-              <a:sym typeface="+mn-ea"/>
-            </a:endParaRPr>
-          </a:p>
-          <a:p>
-            <a:pPr marL="342900" indent="-342900">
-              <a:buFont typeface="Arial" panose="020B0604020202020204" pitchFamily="34" charset="0"/>
-              <a:buAutoNum type="arabicPeriod"/>
-            </a:pPr>
-            <a:r>
-              <a:rPr lang="en-US">
-                <a:sym typeface="+mn-ea"/>
-              </a:rPr>
-              <a:t>Generating embedding vector , Analogies  </a:t>
-            </a:r>
-            <a:endParaRPr lang="en-US">
-              <a:sym typeface="+mn-ea"/>
-            </a:endParaRPr>
-          </a:p>
-          <a:p>
-            <a:pPr marL="342900" indent="-342900">
-              <a:buFont typeface="Arial" panose="020B0604020202020204" pitchFamily="34" charset="0"/>
-              <a:buAutoNum type="arabicPeriod"/>
-            </a:pPr>
-            <a:r>
-              <a:rPr lang="en-US">
-                <a:sym typeface="+mn-ea"/>
-              </a:rPr>
-              <a:t>Context and target embedding words</a:t>
-            </a:r>
-            <a:endParaRPr lang="en-US">
-              <a:sym typeface="+mn-ea"/>
-            </a:endParaRPr>
-          </a:p>
-          <a:p>
-            <a:pPr marL="342900" indent="-342900">
-              <a:buFont typeface="Arial" panose="020B0604020202020204" pitchFamily="34" charset="0"/>
-              <a:buAutoNum type="arabicPeriod"/>
-            </a:pPr>
-            <a:r>
-              <a:rPr lang="en-US">
-                <a:sym typeface="+mn-ea"/>
-              </a:rPr>
-              <a:t>Word2Vec model </a:t>
-            </a:r>
-            <a:endParaRPr lang="en-US">
-              <a:sym typeface="+mn-ea"/>
-            </a:endParaRPr>
-          </a:p>
-          <a:p>
-            <a:pPr marL="342900" indent="-342900">
-              <a:buFont typeface="Arial" panose="020B0604020202020204" pitchFamily="34" charset="0"/>
-              <a:buAutoNum type="arabicPeriod"/>
-            </a:pPr>
-            <a:r>
-              <a:rPr lang="en-US">
-                <a:sym typeface="+mn-ea"/>
-              </a:rPr>
-              <a:t>Negative sampling </a:t>
-            </a:r>
-            <a:endParaRPr lang="en-US">
-              <a:sym typeface="+mn-ea"/>
-            </a:endParaRPr>
-          </a:p>
-          <a:p>
-            <a:pPr marL="342900" indent="-342900">
-              <a:buFont typeface="Arial" panose="020B0604020202020204" pitchFamily="34" charset="0"/>
-              <a:buAutoNum type="arabicPeriod"/>
-            </a:pPr>
-            <a:endParaRPr lang="en-US">
-              <a:sym typeface="+mn-ea"/>
-            </a:endParaRPr>
-          </a:p>
-          <a:p>
             <a:pPr indent="0">
               <a:buFont typeface="Arial" panose="020B0604020202020204" pitchFamily="34" charset="0"/>
               <a:buNone/>
             </a:pPr>
-            <a:endParaRPr lang="en-US" b="1" dirty="0" smtClean="0"/>
+            <a:endParaRPr lang="en-US" b="1" dirty="0"/>
           </a:p>
           <a:p>
             <a:pPr lvl="8" indent="0">
@@ -6215,7 +5989,7 @@
               <a:buNone/>
             </a:pPr>
             <a:r>
-              <a:rPr lang="en-US" b="1" dirty="0" smtClean="0">
+              <a:rPr lang="en-US" b="1" dirty="0">
                 <a:solidFill>
                   <a:schemeClr val="accent6">
                     <a:lumMod val="75000"/>
@@ -6225,7 +5999,7 @@
               <a:t>										            </a:t>
             </a:r>
             <a:r>
-              <a:rPr lang="en-US" sz="2800" b="1" dirty="0" smtClean="0">
+              <a:rPr lang="en-US" sz="2800" b="1" dirty="0">
                 <a:solidFill>
                   <a:schemeClr val="accent6">
                     <a:lumMod val="75000"/>
@@ -6235,14 +6009,6 @@
               </a:rPr>
               <a:t>Varun Bohara</a:t>
             </a:r>
-            <a:endParaRPr lang="en-US" sz="2800" b="1" dirty="0" smtClean="0">
-              <a:solidFill>
-                <a:schemeClr val="accent6">
-                  <a:lumMod val="75000"/>
-                </a:schemeClr>
-              </a:solidFill>
-              <a:sym typeface="+mn-ea"/>
-            </a:endParaRPr>
           </a:p>
         </p:txBody>
       </p:sp>
@@ -6527,6 +6293,8 @@
       </a:bgFillStyleLst>
     </a:fmtScheme>
   </a:themeElements>
+  <a:objectDefaults/>
+  <a:extraClrSchemeLst/>
   <a:extLst>
     <a:ext uri="{05A4C25C-085E-4340-85A3-A5531E510DB2}">
       <thm15:themeFamily xmlns:thm15="http://schemas.microsoft.com/office/thememl/2012/main" name="Office Theme" id="{62F939B6-93AF-4DB8-9C6B-D6C7DFDC589F}" vid="{4A3C46E8-61CC-4603-A589-7422A47A8E4A}"/>

--- a/TOPICS COVERED (updated) (1).pptx
+++ b/TOPICS COVERED (updated) (1).pptx
@@ -5,13 +5,13 @@
     <p:sldMasterId id="2147483648" r:id="rId1"/>
   </p:sldMasterIdLst>
   <p:sldIdLst>
-    <p:sldId id="256" r:id="rId2"/>
-    <p:sldId id="263" r:id="rId3"/>
-    <p:sldId id="268" r:id="rId4"/>
-    <p:sldId id="259" r:id="rId5"/>
-    <p:sldId id="260" r:id="rId6"/>
-    <p:sldId id="262" r:id="rId7"/>
-    <p:sldId id="267" r:id="rId8"/>
+    <p:sldId id="256" r:id="rId3"/>
+    <p:sldId id="263" r:id="rId4"/>
+    <p:sldId id="268" r:id="rId5"/>
+    <p:sldId id="259" r:id="rId6"/>
+    <p:sldId id="260" r:id="rId7"/>
+    <p:sldId id="262" r:id="rId8"/>
+    <p:sldId id="267" r:id="rId9"/>
   </p:sldIdLst>
   <p:sldSz cx="12192000" cy="6858000"/>
   <p:notesSz cx="6858000" cy="9144000"/>
@@ -110,27 +110,11 @@
       </a:defRPr>
     </a:lvl9pPr>
   </p:defaultTextStyle>
-  <p:extLst>
-    <p:ext uri="{EFAFB233-063F-42B5-8137-9DF3F51BA10A}">
-      <p15:sldGuideLst xmlns:p15="http://schemas.microsoft.com/office/powerpoint/2012/main">
-        <p15:guide id="1" orient="horz" pos="2159">
-          <p15:clr>
-            <a:srgbClr val="A4A3A4"/>
-          </p15:clr>
-        </p15:guide>
-        <p15:guide id="2" pos="3882">
-          <p15:clr>
-            <a:srgbClr val="A4A3A4"/>
-          </p15:clr>
-        </p15:guide>
-      </p15:sldGuideLst>
-    </p:ext>
-  </p:extLst>
 </p:presentation>
 </file>
 
 <file path=ppt/slideLayouts/slideLayout1.xml><?xml version="1.0" encoding="utf-8"?>
-<p:sldLayout xmlns:a="http://schemas.openxmlformats.org/drawingml/2006/main" xmlns:r="http://schemas.openxmlformats.org/officeDocument/2006/relationships" xmlns:p="http://schemas.openxmlformats.org/presentationml/2006/main" showMasterSp="0" type="title" preserve="1">
+<p:sldLayout xmlns:a="http://schemas.openxmlformats.org/drawingml/2006/main" xmlns:r="http://schemas.openxmlformats.org/officeDocument/2006/relationships" xmlns:p="http://schemas.openxmlformats.org/presentationml/2006/main" type="title" preserve="1" showMasterSp="0">
   <p:cSld name="Title Slide">
     <p:spTree>
       <p:nvGrpSpPr>
@@ -355,7 +339,6 @@
           <a:p>
             <a:fld id="{DBF1B830-62D1-4319-9804-D7CC6F10675F}" type="datetimeFigureOut">
               <a:rPr lang="en-IN" smtClean="0"/>
-              <a:t>28-09-2020</a:t>
             </a:fld>
             <a:endParaRPr lang="en-IN"/>
           </a:p>
@@ -397,7 +380,6 @@
           <a:p>
             <a:fld id="{636DC7A6-D359-43EB-A5EF-E04DB6E81D15}" type="slidenum">
               <a:rPr lang="en-IN" smtClean="0"/>
-              <a:t>‹#›</a:t>
             </a:fld>
             <a:endParaRPr lang="en-IN"/>
           </a:p>
@@ -509,6 +491,7 @@
               <a:rPr lang="en-US"/>
               <a:t>Click to edit Master text styles</a:t>
             </a:r>
+            <a:endParaRPr lang="en-US"/>
           </a:p>
           <a:p>
             <a:pPr lvl="1"/>
@@ -516,6 +499,7 @@
               <a:rPr lang="en-US"/>
               <a:t>Second level</a:t>
             </a:r>
+            <a:endParaRPr lang="en-US"/>
           </a:p>
           <a:p>
             <a:pPr lvl="2"/>
@@ -523,6 +507,7 @@
               <a:rPr lang="en-US"/>
               <a:t>Third level</a:t>
             </a:r>
+            <a:endParaRPr lang="en-US"/>
           </a:p>
           <a:p>
             <a:pPr lvl="3"/>
@@ -530,6 +515,7 @@
               <a:rPr lang="en-US"/>
               <a:t>Fourth level</a:t>
             </a:r>
+            <a:endParaRPr lang="en-US"/>
           </a:p>
           <a:p>
             <a:pPr lvl="4"/>
@@ -558,7 +544,6 @@
           <a:p>
             <a:fld id="{DBF1B830-62D1-4319-9804-D7CC6F10675F}" type="datetimeFigureOut">
               <a:rPr lang="en-IN" smtClean="0"/>
-              <a:t>28-09-2020</a:t>
             </a:fld>
             <a:endParaRPr lang="en-IN"/>
           </a:p>
@@ -600,7 +585,6 @@
           <a:p>
             <a:fld id="{636DC7A6-D359-43EB-A5EF-E04DB6E81D15}" type="slidenum">
               <a:rPr lang="en-IN" smtClean="0"/>
-              <a:t>‹#›</a:t>
             </a:fld>
             <a:endParaRPr lang="en-IN"/>
           </a:p>
@@ -615,7 +599,7 @@
 </file>
 
 <file path=ppt/slideLayouts/slideLayout11.xml><?xml version="1.0" encoding="utf-8"?>
-<p:sldLayout xmlns:a="http://schemas.openxmlformats.org/drawingml/2006/main" xmlns:r="http://schemas.openxmlformats.org/officeDocument/2006/relationships" xmlns:p="http://schemas.openxmlformats.org/presentationml/2006/main" showMasterSp="0" type="vertTitleAndTx" preserve="1">
+<p:sldLayout xmlns:a="http://schemas.openxmlformats.org/drawingml/2006/main" xmlns:r="http://schemas.openxmlformats.org/officeDocument/2006/relationships" xmlns:p="http://schemas.openxmlformats.org/presentationml/2006/main" type="vertTitleAndTx" preserve="1" showMasterSp="0">
   <p:cSld name="Vertical Title and Text">
     <p:spTree>
       <p:nvGrpSpPr>
@@ -760,6 +744,7 @@
               <a:rPr lang="en-US"/>
               <a:t>Click to edit Master text styles</a:t>
             </a:r>
+            <a:endParaRPr lang="en-US"/>
           </a:p>
           <a:p>
             <a:pPr lvl="1"/>
@@ -767,6 +752,7 @@
               <a:rPr lang="en-US"/>
               <a:t>Second level</a:t>
             </a:r>
+            <a:endParaRPr lang="en-US"/>
           </a:p>
           <a:p>
             <a:pPr lvl="2"/>
@@ -774,6 +760,7 @@
               <a:rPr lang="en-US"/>
               <a:t>Third level</a:t>
             </a:r>
+            <a:endParaRPr lang="en-US"/>
           </a:p>
           <a:p>
             <a:pPr lvl="3"/>
@@ -781,6 +768,7 @@
               <a:rPr lang="en-US"/>
               <a:t>Fourth level</a:t>
             </a:r>
+            <a:endParaRPr lang="en-US"/>
           </a:p>
           <a:p>
             <a:pPr lvl="4"/>
@@ -809,7 +797,6 @@
           <a:p>
             <a:fld id="{DBF1B830-62D1-4319-9804-D7CC6F10675F}" type="datetimeFigureOut">
               <a:rPr lang="en-IN" smtClean="0"/>
-              <a:t>28-09-2020</a:t>
             </a:fld>
             <a:endParaRPr lang="en-IN"/>
           </a:p>
@@ -851,7 +838,6 @@
           <a:p>
             <a:fld id="{636DC7A6-D359-43EB-A5EF-E04DB6E81D15}" type="slidenum">
               <a:rPr lang="en-IN" smtClean="0"/>
-              <a:t>‹#›</a:t>
             </a:fld>
             <a:endParaRPr lang="en-IN"/>
           </a:p>
@@ -929,6 +915,7 @@
               <a:rPr lang="en-US"/>
               <a:t>Click to edit Master text styles</a:t>
             </a:r>
+            <a:endParaRPr lang="en-US"/>
           </a:p>
           <a:p>
             <a:pPr lvl="1"/>
@@ -936,6 +923,7 @@
               <a:rPr lang="en-US"/>
               <a:t>Second level</a:t>
             </a:r>
+            <a:endParaRPr lang="en-US"/>
           </a:p>
           <a:p>
             <a:pPr lvl="2"/>
@@ -943,6 +931,7 @@
               <a:rPr lang="en-US"/>
               <a:t>Third level</a:t>
             </a:r>
+            <a:endParaRPr lang="en-US"/>
           </a:p>
           <a:p>
             <a:pPr lvl="3"/>
@@ -950,6 +939,7 @@
               <a:rPr lang="en-US"/>
               <a:t>Fourth level</a:t>
             </a:r>
+            <a:endParaRPr lang="en-US"/>
           </a:p>
           <a:p>
             <a:pPr lvl="4"/>
@@ -978,7 +968,6 @@
           <a:p>
             <a:fld id="{DBF1B830-62D1-4319-9804-D7CC6F10675F}" type="datetimeFigureOut">
               <a:rPr lang="en-IN" smtClean="0"/>
-              <a:t>28-09-2020</a:t>
             </a:fld>
             <a:endParaRPr lang="en-IN"/>
           </a:p>
@@ -1020,7 +1009,6 @@
           <a:p>
             <a:fld id="{636DC7A6-D359-43EB-A5EF-E04DB6E81D15}" type="slidenum">
               <a:rPr lang="en-IN" smtClean="0"/>
-              <a:t>‹#›</a:t>
             </a:fld>
             <a:endParaRPr lang="en-IN"/>
           </a:p>
@@ -1035,7 +1023,7 @@
 </file>
 
 <file path=ppt/slideLayouts/slideLayout3.xml><?xml version="1.0" encoding="utf-8"?>
-<p:sldLayout xmlns:a="http://schemas.openxmlformats.org/drawingml/2006/main" xmlns:r="http://schemas.openxmlformats.org/officeDocument/2006/relationships" xmlns:p="http://schemas.openxmlformats.org/presentationml/2006/main" showMasterSp="0" type="secHead" preserve="1">
+<p:sldLayout xmlns:a="http://schemas.openxmlformats.org/drawingml/2006/main" xmlns:r="http://schemas.openxmlformats.org/officeDocument/2006/relationships" xmlns:p="http://schemas.openxmlformats.org/presentationml/2006/main" type="secHead" preserve="1" showMasterSp="0">
   <p:cSld name="Section Header">
     <p:bg>
       <p:bgPr>
@@ -1296,6 +1284,7 @@
               <a:rPr lang="en-US"/>
               <a:t>Click to edit Master text styles</a:t>
             </a:r>
+            <a:endParaRPr lang="en-US"/>
           </a:p>
         </p:txBody>
       </p:sp>
@@ -1316,7 +1305,6 @@
           <a:p>
             <a:fld id="{DBF1B830-62D1-4319-9804-D7CC6F10675F}" type="datetimeFigureOut">
               <a:rPr lang="en-IN" smtClean="0"/>
-              <a:t>28-09-2020</a:t>
             </a:fld>
             <a:endParaRPr lang="en-IN"/>
           </a:p>
@@ -1358,7 +1346,6 @@
           <a:p>
             <a:fld id="{636DC7A6-D359-43EB-A5EF-E04DB6E81D15}" type="slidenum">
               <a:rPr lang="en-IN" smtClean="0"/>
-              <a:t>‹#›</a:t>
             </a:fld>
             <a:endParaRPr lang="en-IN"/>
           </a:p>
@@ -1480,6 +1467,7 @@
               <a:rPr lang="en-US"/>
               <a:t>Click to edit Master text styles</a:t>
             </a:r>
+            <a:endParaRPr lang="en-US"/>
           </a:p>
           <a:p>
             <a:pPr lvl="1"/>
@@ -1487,6 +1475,7 @@
               <a:rPr lang="en-US"/>
               <a:t>Second level</a:t>
             </a:r>
+            <a:endParaRPr lang="en-US"/>
           </a:p>
           <a:p>
             <a:pPr lvl="2"/>
@@ -1494,6 +1483,7 @@
               <a:rPr lang="en-US"/>
               <a:t>Third level</a:t>
             </a:r>
+            <a:endParaRPr lang="en-US"/>
           </a:p>
           <a:p>
             <a:pPr lvl="3"/>
@@ -1501,6 +1491,7 @@
               <a:rPr lang="en-US"/>
               <a:t>Fourth level</a:t>
             </a:r>
+            <a:endParaRPr lang="en-US"/>
           </a:p>
           <a:p>
             <a:pPr lvl="4"/>
@@ -1537,6 +1528,7 @@
               <a:rPr lang="en-US"/>
               <a:t>Click to edit Master text styles</a:t>
             </a:r>
+            <a:endParaRPr lang="en-US"/>
           </a:p>
           <a:p>
             <a:pPr lvl="1"/>
@@ -1544,6 +1536,7 @@
               <a:rPr lang="en-US"/>
               <a:t>Second level</a:t>
             </a:r>
+            <a:endParaRPr lang="en-US"/>
           </a:p>
           <a:p>
             <a:pPr lvl="2"/>
@@ -1551,6 +1544,7 @@
               <a:rPr lang="en-US"/>
               <a:t>Third level</a:t>
             </a:r>
+            <a:endParaRPr lang="en-US"/>
           </a:p>
           <a:p>
             <a:pPr lvl="3"/>
@@ -1558,6 +1552,7 @@
               <a:rPr lang="en-US"/>
               <a:t>Fourth level</a:t>
             </a:r>
+            <a:endParaRPr lang="en-US"/>
           </a:p>
           <a:p>
             <a:pPr lvl="4"/>
@@ -1586,7 +1581,6 @@
           <a:p>
             <a:fld id="{DBF1B830-62D1-4319-9804-D7CC6F10675F}" type="datetimeFigureOut">
               <a:rPr lang="en-IN" smtClean="0"/>
-              <a:t>28-09-2020</a:t>
             </a:fld>
             <a:endParaRPr lang="en-IN"/>
           </a:p>
@@ -1628,7 +1622,6 @@
           <a:p>
             <a:fld id="{636DC7A6-D359-43EB-A5EF-E04DB6E81D15}" type="slidenum">
               <a:rPr lang="en-IN" smtClean="0"/>
-              <a:t>‹#›</a:t>
             </a:fld>
             <a:endParaRPr lang="en-IN"/>
           </a:p>
@@ -1755,6 +1748,7 @@
               <a:rPr lang="en-US"/>
               <a:t>Click to edit Master text styles</a:t>
             </a:r>
+            <a:endParaRPr lang="en-US"/>
           </a:p>
         </p:txBody>
       </p:sp>
@@ -1783,6 +1777,7 @@
               <a:rPr lang="en-US"/>
               <a:t>Click to edit Master text styles</a:t>
             </a:r>
+            <a:endParaRPr lang="en-US"/>
           </a:p>
           <a:p>
             <a:pPr lvl="1"/>
@@ -1790,6 +1785,7 @@
               <a:rPr lang="en-US"/>
               <a:t>Second level</a:t>
             </a:r>
+            <a:endParaRPr lang="en-US"/>
           </a:p>
           <a:p>
             <a:pPr lvl="2"/>
@@ -1797,6 +1793,7 @@
               <a:rPr lang="en-US"/>
               <a:t>Third level</a:t>
             </a:r>
+            <a:endParaRPr lang="en-US"/>
           </a:p>
           <a:p>
             <a:pPr lvl="3"/>
@@ -1804,6 +1801,7 @@
               <a:rPr lang="en-US"/>
               <a:t>Fourth level</a:t>
             </a:r>
+            <a:endParaRPr lang="en-US"/>
           </a:p>
           <a:p>
             <a:pPr lvl="4"/>
@@ -1883,6 +1881,7 @@
               <a:rPr lang="en-US"/>
               <a:t>Click to edit Master text styles</a:t>
             </a:r>
+            <a:endParaRPr lang="en-US"/>
           </a:p>
         </p:txBody>
       </p:sp>
@@ -1911,6 +1910,7 @@
               <a:rPr lang="en-US"/>
               <a:t>Click to edit Master text styles</a:t>
             </a:r>
+            <a:endParaRPr lang="en-US"/>
           </a:p>
           <a:p>
             <a:pPr lvl="1"/>
@@ -1918,6 +1918,7 @@
               <a:rPr lang="en-US"/>
               <a:t>Second level</a:t>
             </a:r>
+            <a:endParaRPr lang="en-US"/>
           </a:p>
           <a:p>
             <a:pPr lvl="2"/>
@@ -1925,6 +1926,7 @@
               <a:rPr lang="en-US"/>
               <a:t>Third level</a:t>
             </a:r>
+            <a:endParaRPr lang="en-US"/>
           </a:p>
           <a:p>
             <a:pPr lvl="3"/>
@@ -1932,6 +1934,7 @@
               <a:rPr lang="en-US"/>
               <a:t>Fourth level</a:t>
             </a:r>
+            <a:endParaRPr lang="en-US"/>
           </a:p>
           <a:p>
             <a:pPr lvl="4"/>
@@ -1960,7 +1963,6 @@
           <a:p>
             <a:fld id="{DBF1B830-62D1-4319-9804-D7CC6F10675F}" type="datetimeFigureOut">
               <a:rPr lang="en-IN" smtClean="0"/>
-              <a:t>28-09-2020</a:t>
             </a:fld>
             <a:endParaRPr lang="en-IN"/>
           </a:p>
@@ -2002,7 +2004,6 @@
           <a:p>
             <a:fld id="{636DC7A6-D359-43EB-A5EF-E04DB6E81D15}" type="slidenum">
               <a:rPr lang="en-IN" smtClean="0"/>
-              <a:t>‹#›</a:t>
             </a:fld>
             <a:endParaRPr lang="en-IN"/>
           </a:p>
@@ -2073,7 +2074,6 @@
           <a:p>
             <a:fld id="{DBF1B830-62D1-4319-9804-D7CC6F10675F}" type="datetimeFigureOut">
               <a:rPr lang="en-IN" smtClean="0"/>
-              <a:t>28-09-2020</a:t>
             </a:fld>
             <a:endParaRPr lang="en-IN"/>
           </a:p>
@@ -2115,7 +2115,6 @@
           <a:p>
             <a:fld id="{636DC7A6-D359-43EB-A5EF-E04DB6E81D15}" type="slidenum">
               <a:rPr lang="en-IN" smtClean="0"/>
-              <a:t>‹#›</a:t>
             </a:fld>
             <a:endParaRPr lang="en-IN"/>
           </a:p>
@@ -2130,7 +2129,7 @@
 </file>
 
 <file path=ppt/slideLayouts/slideLayout7.xml><?xml version="1.0" encoding="utf-8"?>
-<p:sldLayout xmlns:a="http://schemas.openxmlformats.org/drawingml/2006/main" xmlns:r="http://schemas.openxmlformats.org/officeDocument/2006/relationships" xmlns:p="http://schemas.openxmlformats.org/presentationml/2006/main" showMasterSp="0" type="blank" preserve="1">
+<p:sldLayout xmlns:a="http://schemas.openxmlformats.org/drawingml/2006/main" xmlns:r="http://schemas.openxmlformats.org/officeDocument/2006/relationships" xmlns:p="http://schemas.openxmlformats.org/presentationml/2006/main" type="blank" preserve="1" showMasterSp="0">
   <p:cSld name="Blank">
     <p:spTree>
       <p:nvGrpSpPr>
@@ -2239,7 +2238,6 @@
           <a:p>
             <a:fld id="{DBF1B830-62D1-4319-9804-D7CC6F10675F}" type="datetimeFigureOut">
               <a:rPr lang="en-IN" smtClean="0"/>
-              <a:t>28-09-2020</a:t>
             </a:fld>
             <a:endParaRPr lang="en-IN"/>
           </a:p>
@@ -2289,7 +2287,6 @@
           <a:p>
             <a:fld id="{636DC7A6-D359-43EB-A5EF-E04DB6E81D15}" type="slidenum">
               <a:rPr lang="en-IN" smtClean="0"/>
-              <a:t>‹#›</a:t>
             </a:fld>
             <a:endParaRPr lang="en-IN"/>
           </a:p>
@@ -2304,7 +2301,7 @@
 </file>
 
 <file path=ppt/slideLayouts/slideLayout8.xml><?xml version="1.0" encoding="utf-8"?>
-<p:sldLayout xmlns:a="http://schemas.openxmlformats.org/drawingml/2006/main" xmlns:r="http://schemas.openxmlformats.org/officeDocument/2006/relationships" xmlns:p="http://schemas.openxmlformats.org/presentationml/2006/main" showMasterSp="0" type="objTx" preserve="1">
+<p:sldLayout xmlns:a="http://schemas.openxmlformats.org/drawingml/2006/main" xmlns:r="http://schemas.openxmlformats.org/officeDocument/2006/relationships" xmlns:p="http://schemas.openxmlformats.org/presentationml/2006/main" type="objTx" preserve="1" showMasterSp="0">
   <p:cSld name="Content with Caption">
     <p:spTree>
       <p:nvGrpSpPr>
@@ -2459,6 +2456,7 @@
               <a:rPr lang="en-US"/>
               <a:t>Click to edit Master text styles</a:t>
             </a:r>
+            <a:endParaRPr lang="en-US"/>
           </a:p>
           <a:p>
             <a:pPr lvl="1"/>
@@ -2466,6 +2464,7 @@
               <a:rPr lang="en-US"/>
               <a:t>Second level</a:t>
             </a:r>
+            <a:endParaRPr lang="en-US"/>
           </a:p>
           <a:p>
             <a:pPr lvl="2"/>
@@ -2473,6 +2472,7 @@
               <a:rPr lang="en-US"/>
               <a:t>Third level</a:t>
             </a:r>
+            <a:endParaRPr lang="en-US"/>
           </a:p>
           <a:p>
             <a:pPr lvl="3"/>
@@ -2480,6 +2480,7 @@
               <a:rPr lang="en-US"/>
               <a:t>Fourth level</a:t>
             </a:r>
+            <a:endParaRPr lang="en-US"/>
           </a:p>
           <a:p>
             <a:pPr lvl="4"/>
@@ -2559,6 +2560,7 @@
               <a:rPr lang="en-US"/>
               <a:t>Click to edit Master text styles</a:t>
             </a:r>
+            <a:endParaRPr lang="en-US"/>
           </a:p>
         </p:txBody>
       </p:sp>
@@ -2588,7 +2590,6 @@
           <a:p>
             <a:fld id="{DBF1B830-62D1-4319-9804-D7CC6F10675F}" type="datetimeFigureOut">
               <a:rPr lang="en-IN" smtClean="0"/>
-              <a:t>28-09-2020</a:t>
             </a:fld>
             <a:endParaRPr lang="en-IN"/>
           </a:p>
@@ -2651,7 +2652,6 @@
           <a:p>
             <a:fld id="{636DC7A6-D359-43EB-A5EF-E04DB6E81D15}" type="slidenum">
               <a:rPr lang="en-IN" smtClean="0"/>
-              <a:t>‹#›</a:t>
             </a:fld>
             <a:endParaRPr lang="en-IN"/>
           </a:p>
@@ -2666,7 +2666,7 @@
 </file>
 
 <file path=ppt/slideLayouts/slideLayout9.xml><?xml version="1.0" encoding="utf-8"?>
-<p:sldLayout xmlns:a="http://schemas.openxmlformats.org/drawingml/2006/main" xmlns:r="http://schemas.openxmlformats.org/officeDocument/2006/relationships" xmlns:p="http://schemas.openxmlformats.org/presentationml/2006/main" showMasterSp="0" type="picTx" preserve="1">
+<p:sldLayout xmlns:a="http://schemas.openxmlformats.org/drawingml/2006/main" xmlns:r="http://schemas.openxmlformats.org/officeDocument/2006/relationships" xmlns:p="http://schemas.openxmlformats.org/presentationml/2006/main" type="picTx" preserve="1" showMasterSp="0">
   <p:cSld name="Picture with Caption">
     <p:spTree>
       <p:nvGrpSpPr>
@@ -2945,6 +2945,7 @@
               <a:rPr lang="en-US"/>
               <a:t>Click to edit Master text styles</a:t>
             </a:r>
+            <a:endParaRPr lang="en-US"/>
           </a:p>
         </p:txBody>
       </p:sp>
@@ -2965,7 +2966,6 @@
           <a:p>
             <a:fld id="{DBF1B830-62D1-4319-9804-D7CC6F10675F}" type="datetimeFigureOut">
               <a:rPr lang="en-IN" smtClean="0"/>
-              <a:t>28-09-2020</a:t>
             </a:fld>
             <a:endParaRPr lang="en-IN"/>
           </a:p>
@@ -3007,7 +3007,6 @@
           <a:p>
             <a:fld id="{636DC7A6-D359-43EB-A5EF-E04DB6E81D15}" type="slidenum">
               <a:rPr lang="en-IN" smtClean="0"/>
-              <a:t>‹#›</a:t>
             </a:fld>
             <a:endParaRPr lang="en-IN"/>
           </a:p>
@@ -3182,6 +3181,7 @@
               <a:rPr lang="en-US"/>
               <a:t>Click to edit Master text styles</a:t>
             </a:r>
+            <a:endParaRPr lang="en-US"/>
           </a:p>
           <a:p>
             <a:pPr lvl="1"/>
@@ -3189,6 +3189,7 @@
               <a:rPr lang="en-US"/>
               <a:t>Second level</a:t>
             </a:r>
+            <a:endParaRPr lang="en-US"/>
           </a:p>
           <a:p>
             <a:pPr lvl="2"/>
@@ -3196,6 +3197,7 @@
               <a:rPr lang="en-US"/>
               <a:t>Third level</a:t>
             </a:r>
+            <a:endParaRPr lang="en-US"/>
           </a:p>
           <a:p>
             <a:pPr lvl="3"/>
@@ -3203,6 +3205,7 @@
               <a:rPr lang="en-US"/>
               <a:t>Fourth level</a:t>
             </a:r>
+            <a:endParaRPr lang="en-US"/>
           </a:p>
           <a:p>
             <a:pPr lvl="4"/>
@@ -3247,7 +3250,6 @@
           <a:p>
             <a:fld id="{DBF1B830-62D1-4319-9804-D7CC6F10675F}" type="datetimeFigureOut">
               <a:rPr lang="en-IN" smtClean="0"/>
-              <a:t>28-09-2020</a:t>
             </a:fld>
             <a:endParaRPr lang="en-IN"/>
           </a:p>
@@ -3321,7 +3323,6 @@
           <a:p>
             <a:fld id="{636DC7A6-D359-43EB-A5EF-E04DB6E81D15}" type="slidenum">
               <a:rPr lang="en-IN" smtClean="0"/>
-              <a:t>‹#›</a:t>
             </a:fld>
             <a:endParaRPr lang="en-IN"/>
           </a:p>
@@ -3817,6 +3818,13 @@
                 <a:sym typeface="+mn-ea"/>
               </a:rPr>
             </a:br>
+            <a:r>
+              <a:rPr lang="en-US" altLang="en-IN" sz="3200" dirty="0">
+                <a:latin typeface="Agency FB" panose="020B0503020202020204" pitchFamily="34" charset="0"/>
+                <a:sym typeface="+mn-ea"/>
+              </a:rPr>
+              <a:t>Recevied your changes , this is my update</a:t>
+            </a:r>
             <a:endParaRPr lang="en-US" altLang="en-IN" sz="3200" dirty="0">
               <a:latin typeface="Agency FB" panose="020B0503020202020204" pitchFamily="34" charset="0"/>
               <a:sym typeface="+mn-ea"/>
@@ -3916,6 +3924,13 @@
               </a:rPr>
               <a:t>Improving Deep Neural Networks: Hyperparameter tuning, 	Regularization and Optimization</a:t>
             </a:r>
+            <a:endParaRPr lang="en-US" sz="1600" b="1" i="0" dirty="0">
+              <a:solidFill>
+                <a:srgbClr val="1F1F1F"/>
+              </a:solidFill>
+              <a:effectLst/>
+              <a:latin typeface="Open Sans"/>
+            </a:endParaRPr>
           </a:p>
           <a:p>
             <a:endParaRPr lang="en-IN" sz="1800" dirty="0"/>
@@ -3952,6 +3967,7 @@
               <a:rPr lang="en-IN" dirty="0"/>
               <a:t>Train/Dev/Test sets, Bias and Variance.</a:t>
             </a:r>
+            <a:endParaRPr lang="en-IN" dirty="0"/>
           </a:p>
           <a:p>
             <a:pPr marL="342900" indent="-342900">
@@ -3962,6 +3978,7 @@
               <a:rPr lang="en-IN" dirty="0"/>
               <a:t>Regularization – Frobenius norm, Dropout, Early stopping.</a:t>
             </a:r>
+            <a:endParaRPr lang="en-IN" dirty="0"/>
           </a:p>
           <a:p>
             <a:pPr marL="342900" indent="-342900">
@@ -3972,6 +3989,7 @@
               <a:rPr lang="en-IN" dirty="0"/>
               <a:t>Normalizing inputs, Weight initialization(ReLU , tanh), Gradient checking.</a:t>
             </a:r>
+            <a:endParaRPr lang="en-IN" dirty="0"/>
           </a:p>
           <a:p>
             <a:pPr marL="342900" indent="-342900">
@@ -3982,6 +4000,7 @@
               <a:rPr lang="en-IN" dirty="0"/>
               <a:t>Optimization algorithms – Mini-batch gradient descent, Gradient descent with momentum, RMSprop, Adam.</a:t>
             </a:r>
+            <a:endParaRPr lang="en-IN" dirty="0"/>
           </a:p>
           <a:p>
             <a:pPr marL="342900" indent="-342900">
@@ -3992,6 +4011,7 @@
               <a:rPr lang="en-IN" dirty="0"/>
               <a:t>Hyperparameter tuning, Batch normalization(Why does batch norm work ?), Softmax regression.</a:t>
             </a:r>
+            <a:endParaRPr lang="en-IN" dirty="0"/>
           </a:p>
         </p:txBody>
       </p:sp>
@@ -4054,6 +4074,13 @@
               </a:rPr>
               <a:t>Structuring Machine Learning Projects</a:t>
             </a:r>
+            <a:endParaRPr lang="en-IN" sz="1600" b="1" i="0" dirty="0">
+              <a:solidFill>
+                <a:srgbClr val="1F1F1F"/>
+              </a:solidFill>
+              <a:effectLst/>
+              <a:latin typeface="Open Sans"/>
+            </a:endParaRPr>
           </a:p>
           <a:p>
             <a:endParaRPr lang="en-IN" sz="1600" b="1" dirty="0">
@@ -4092,6 +4119,7 @@
               <a:rPr lang="en-IN" dirty="0"/>
               <a:t>Orthogonalization, Satisficing and optimizing metric.</a:t>
             </a:r>
+            <a:endParaRPr lang="en-IN" dirty="0"/>
           </a:p>
           <a:p>
             <a:pPr marL="342900" indent="-342900">
@@ -4102,6 +4130,7 @@
               <a:rPr lang="en-IN" dirty="0"/>
               <a:t>Comparing to human – level performance(Human Error, Training Error, Dev Error).</a:t>
             </a:r>
+            <a:endParaRPr lang="en-IN" dirty="0"/>
           </a:p>
           <a:p>
             <a:pPr marL="342900" indent="-342900">
@@ -4112,6 +4141,7 @@
               <a:rPr lang="en-IN" dirty="0"/>
               <a:t>Error analysis, Mismatched training set and dev/test sets.</a:t>
             </a:r>
+            <a:endParaRPr lang="en-IN" dirty="0"/>
           </a:p>
           <a:p>
             <a:pPr marL="342900" indent="-342900">
@@ -4122,6 +4152,7 @@
               <a:rPr lang="en-IN" dirty="0"/>
               <a:t>Transfer learning, End-to-end deep learning .</a:t>
             </a:r>
+            <a:endParaRPr lang="en-IN" dirty="0"/>
           </a:p>
         </p:txBody>
       </p:sp>
@@ -4158,6 +4189,13 @@
               </a:rPr>
               <a:t>Abhishek Rao</a:t>
             </a:r>
+            <a:endParaRPr lang="en-IN" sz="2800" b="1" dirty="0">
+              <a:solidFill>
+                <a:schemeClr val="bg1">
+                  <a:lumMod val="50000"/>
+                </a:schemeClr>
+              </a:solidFill>
+            </a:endParaRPr>
           </a:p>
         </p:txBody>
       </p:sp>
@@ -4241,6 +4279,7 @@
               <a:rPr lang="en-IN" dirty="0"/>
               <a:t>Padding, Strided Convolutions.</a:t>
             </a:r>
+            <a:endParaRPr lang="en-IN" dirty="0"/>
           </a:p>
           <a:p>
             <a:pPr marL="342900" indent="-342900">
@@ -4251,6 +4290,7 @@
               <a:rPr lang="en-IN" dirty="0"/>
               <a:t>Classic Networks. </a:t>
             </a:r>
+            <a:endParaRPr lang="en-IN" dirty="0"/>
           </a:p>
           <a:p>
             <a:pPr marL="342900" indent="-342900">
@@ -4260,6 +4300,7 @@
               <a:rPr lang="en-IN" dirty="0"/>
               <a:t>Inception Network.</a:t>
             </a:r>
+            <a:endParaRPr lang="en-IN" dirty="0"/>
           </a:p>
           <a:p>
             <a:pPr marL="342900" indent="-342900">
@@ -4269,6 +4310,7 @@
               <a:rPr lang="en-IN" dirty="0"/>
               <a:t>Detection Algorithms – Object localization, Landmark detection, Sliding window, YOLO.  </a:t>
             </a:r>
+            <a:endParaRPr lang="en-IN" dirty="0"/>
           </a:p>
         </p:txBody>
       </p:sp>
@@ -4336,6 +4378,13 @@
               </a:rPr>
               <a:t>Sequence Models</a:t>
             </a:r>
+            <a:endParaRPr lang="en-IN" b="1" dirty="0">
+              <a:solidFill>
+                <a:srgbClr val="1F1F1F"/>
+              </a:solidFill>
+              <a:latin typeface="Open Sans"/>
+              <a:cs typeface="Comic Sans MS" panose="030F0702030302020204" charset="0"/>
+            </a:endParaRPr>
           </a:p>
           <a:p>
             <a:endParaRPr lang="en-IN" sz="1800" b="1" i="0" dirty="0">
@@ -4377,6 +4426,13 @@
               </a:rPr>
               <a:t>Why not standard networks ?</a:t>
             </a:r>
+            <a:endParaRPr lang="en-IN" dirty="0">
+              <a:solidFill>
+                <a:srgbClr val="1F1F1F"/>
+              </a:solidFill>
+              <a:latin typeface="Calibri" panose="020F0502020204030204" pitchFamily="34" charset="0"/>
+              <a:cs typeface="Calibri" panose="020F0502020204030204" pitchFamily="34" charset="0"/>
+            </a:endParaRPr>
           </a:p>
           <a:p>
             <a:r>
@@ -4400,6 +4456,14 @@
               </a:rPr>
               <a:t>2.   Different types of RNNs.</a:t>
             </a:r>
+            <a:endParaRPr lang="en-IN" sz="1800" i="0" dirty="0">
+              <a:solidFill>
+                <a:srgbClr val="1F1F1F"/>
+              </a:solidFill>
+              <a:effectLst/>
+              <a:latin typeface="Calibri" panose="020F0502020204030204" pitchFamily="34" charset="0"/>
+              <a:cs typeface="Calibri" panose="020F0502020204030204" pitchFamily="34" charset="0"/>
+            </a:endParaRPr>
           </a:p>
           <a:p>
             <a:r>
@@ -4422,6 +4486,13 @@
               </a:rPr>
               <a:t>3.   Language model and Sequence generation.</a:t>
             </a:r>
+            <a:endParaRPr lang="en-IN" dirty="0">
+              <a:solidFill>
+                <a:srgbClr val="1F1F1F"/>
+              </a:solidFill>
+              <a:latin typeface="Calibri" panose="020F0502020204030204" pitchFamily="34" charset="0"/>
+              <a:cs typeface="Calibri" panose="020F0502020204030204" pitchFamily="34" charset="0"/>
+            </a:endParaRPr>
           </a:p>
           <a:p>
             <a:r>
@@ -4446,6 +4517,14 @@
               </a:rPr>
               <a:t>4.   GRU and LSTM.</a:t>
             </a:r>
+            <a:endParaRPr lang="en-IN" sz="1800" i="0" dirty="0">
+              <a:solidFill>
+                <a:srgbClr val="1F1F1F"/>
+              </a:solidFill>
+              <a:effectLst/>
+              <a:latin typeface="Calibri" panose="020F0502020204030204" pitchFamily="34" charset="0"/>
+              <a:cs typeface="Calibri" panose="020F0502020204030204" pitchFamily="34" charset="0"/>
+            </a:endParaRPr>
           </a:p>
           <a:p>
             <a:r>
@@ -4468,6 +4547,13 @@
               </a:rPr>
               <a:t>5.   Word Embeddings.</a:t>
             </a:r>
+            <a:endParaRPr lang="en-IN" dirty="0">
+              <a:solidFill>
+                <a:srgbClr val="1F1F1F"/>
+              </a:solidFill>
+              <a:latin typeface="Calibri" panose="020F0502020204030204" pitchFamily="34" charset="0"/>
+              <a:cs typeface="Calibri" panose="020F0502020204030204" pitchFamily="34" charset="0"/>
+            </a:endParaRPr>
           </a:p>
           <a:p>
             <a:r>
@@ -4492,6 +4578,14 @@
               </a:rPr>
               <a:t>6.   Sequence-to-sequence architecture, Beam algorithm, Error analysis in beam search.</a:t>
             </a:r>
+            <a:endParaRPr lang="en-IN" sz="1800" i="0" dirty="0">
+              <a:solidFill>
+                <a:srgbClr val="1F1F1F"/>
+              </a:solidFill>
+              <a:effectLst/>
+              <a:latin typeface="Calibri" panose="020F0502020204030204" pitchFamily="34" charset="0"/>
+              <a:cs typeface="Calibri" panose="020F0502020204030204" pitchFamily="34" charset="0"/>
+            </a:endParaRPr>
           </a:p>
           <a:p>
             <a:r>
@@ -4558,6 +4652,13 @@
               </a:rPr>
               <a:t>Abhishek Rao</a:t>
             </a:r>
+            <a:endParaRPr lang="en-IN" sz="2800" b="1" dirty="0">
+              <a:solidFill>
+                <a:schemeClr val="bg1">
+                  <a:lumMod val="50000"/>
+                </a:schemeClr>
+              </a:solidFill>
+            </a:endParaRPr>
           </a:p>
         </p:txBody>
       </p:sp>
@@ -4674,6 +4775,9 @@
               </a:rPr>
               <a:t>.  How to build a neural network for classification .</a:t>
             </a:r>
+            <a:endParaRPr lang="en-IN" altLang="en-US" dirty="0">
+              <a:sym typeface="+mn-ea"/>
+            </a:endParaRPr>
           </a:p>
           <a:p>
             <a:pPr indent="0" algn="l">
@@ -4692,6 +4796,9 @@
               </a:rPr>
               <a:t>2.  Shapes and sizes of training data and parameters.</a:t>
             </a:r>
+            <a:endParaRPr lang="en-IN" altLang="en-US" dirty="0">
+              <a:sym typeface="+mn-ea"/>
+            </a:endParaRPr>
           </a:p>
           <a:p>
             <a:pPr indent="0" algn="l">
@@ -4710,6 +4817,9 @@
               </a:rPr>
               <a:t>4.  Forward and Backward propagation.</a:t>
             </a:r>
+            <a:endParaRPr lang="en-IN" altLang="en-US" dirty="0">
+              <a:sym typeface="+mn-ea"/>
+            </a:endParaRPr>
           </a:p>
           <a:p>
             <a:pPr indent="0" algn="l">
@@ -4728,6 +4838,9 @@
               </a:rPr>
               <a:t>5.  Vectorization.</a:t>
             </a:r>
+            <a:endParaRPr lang="en-IN" altLang="en-US" dirty="0">
+              <a:sym typeface="+mn-ea"/>
+            </a:endParaRPr>
           </a:p>
           <a:p>
             <a:pPr indent="0" algn="l">
@@ -4793,6 +4906,9 @@
               </a:rPr>
               <a:t>1.  Regularization – Frobenius norm, Dropout, Early stopping.</a:t>
             </a:r>
+            <a:endParaRPr lang="en-IN" sz="1600" dirty="0">
+              <a:sym typeface="+mn-ea"/>
+            </a:endParaRPr>
           </a:p>
           <a:p>
             <a:pPr indent="0" algn="l">
@@ -4811,6 +4927,9 @@
               </a:rPr>
               <a:t>2.  Concept of weight decay.</a:t>
             </a:r>
+            <a:endParaRPr lang="en-IN" sz="1600" dirty="0">
+              <a:sym typeface="+mn-ea"/>
+            </a:endParaRPr>
           </a:p>
           <a:p>
             <a:pPr indent="0" algn="l">
@@ -4829,6 +4948,9 @@
               </a:rPr>
               <a:t>3.  Methods to reduce overfitting and why we need to normalize inputs. </a:t>
             </a:r>
+            <a:endParaRPr lang="en-IN" sz="1600" dirty="0">
+              <a:sym typeface="+mn-ea"/>
+            </a:endParaRPr>
           </a:p>
           <a:p>
             <a:pPr indent="0" algn="l">
@@ -4847,6 +4969,9 @@
               </a:rPr>
               <a:t>4.  Situations where we need to choose GD and mini-batch GD.</a:t>
             </a:r>
+            <a:endParaRPr lang="en-IN" sz="1600" dirty="0">
+              <a:sym typeface="+mn-ea"/>
+            </a:endParaRPr>
           </a:p>
           <a:p>
             <a:pPr indent="0" algn="l">
@@ -4970,12 +5095,6 @@
               </a:rPr>
               <a:t>Transfer learning and multi-tast learnig.</a:t>
             </a:r>
-          </a:p>
-          <a:p>
-            <a:pPr indent="0">
-              <a:buFont typeface="Arial" panose="020B0604020202020204" pitchFamily="34" charset="0"/>
-              <a:buNone/>
-            </a:pPr>
             <a:endParaRPr lang="en-US" sz="1600">
               <a:sym typeface="+mn-ea"/>
             </a:endParaRPr>
@@ -4985,6 +5104,15 @@
               <a:buFont typeface="Arial" panose="020B0604020202020204" pitchFamily="34" charset="0"/>
               <a:buNone/>
             </a:pPr>
+            <a:endParaRPr lang="en-US" sz="1600">
+              <a:sym typeface="+mn-ea"/>
+            </a:endParaRPr>
+          </a:p>
+          <a:p>
+            <a:pPr indent="0">
+              <a:buFont typeface="Arial" panose="020B0604020202020204" pitchFamily="34" charset="0"/>
+              <a:buNone/>
+            </a:pPr>
             <a:r>
               <a:rPr lang="en-IN" altLang="en-US" sz="1600" b="1">
                 <a:latin typeface="Segoe Print" panose="02000600000000000000" charset="0"/>
@@ -4992,6 +5120,10 @@
               </a:rPr>
               <a:t>COURSE 4: Convolutional neural network.</a:t>
             </a:r>
+            <a:endParaRPr lang="en-IN" altLang="en-US" sz="1600" b="1">
+              <a:latin typeface="Segoe Print" panose="02000600000000000000" charset="0"/>
+              <a:cs typeface="Segoe Print" panose="02000600000000000000" charset="0"/>
+            </a:endParaRPr>
           </a:p>
           <a:p>
             <a:pPr indent="0">
@@ -5011,6 +5143,9 @@
               </a:rPr>
               <a:t>  Convolution,padding, types of layer in convolutional network.</a:t>
             </a:r>
+            <a:endParaRPr lang="en-IN" altLang="en-US" sz="1600">
+              <a:cs typeface="+mn-lt"/>
+            </a:endParaRPr>
           </a:p>
           <a:p>
             <a:pPr indent="0">
@@ -5083,6 +5218,14 @@
               </a:rPr>
               <a:t>Ganiger</a:t>
             </a:r>
+            <a:endParaRPr lang="en-US" sz="2000" b="1" dirty="0" err="1">
+              <a:solidFill>
+                <a:schemeClr val="accent6">
+                  <a:lumMod val="75000"/>
+                </a:schemeClr>
+              </a:solidFill>
+              <a:sym typeface="+mn-ea"/>
+            </a:endParaRPr>
           </a:p>
         </p:txBody>
       </p:sp>
@@ -5184,6 +5327,10 @@
               </a:rPr>
               <a:t> Neural Networks and Deep Learning:</a:t>
             </a:r>
+            <a:endParaRPr lang="en-IN" b="1" i="1" dirty="0">
+              <a:latin typeface="Comic Sans MS" panose="030F0702030302020204" charset="0"/>
+              <a:cs typeface="Comic Sans MS" panose="030F0702030302020204" charset="0"/>
+            </a:endParaRPr>
           </a:p>
           <a:p>
             <a:pPr marL="342900" indent="-342900">
@@ -5194,6 +5341,7 @@
               <a:rPr lang="en-US" dirty="0"/>
               <a:t>Supervised learning with neural network</a:t>
             </a:r>
+            <a:endParaRPr lang="en-US" dirty="0"/>
           </a:p>
           <a:p>
             <a:pPr marL="342900" indent="-342900">
@@ -5204,6 +5352,7 @@
               <a:rPr lang="en-US" dirty="0"/>
               <a:t>Binary Classification and Logistic Regression</a:t>
             </a:r>
+            <a:endParaRPr lang="en-US" dirty="0"/>
           </a:p>
           <a:p>
             <a:pPr marL="342900" indent="-342900">
@@ -5214,6 +5363,7 @@
               <a:rPr lang="en-US" dirty="0"/>
               <a:t>Gradient Descent and Vectorization</a:t>
             </a:r>
+            <a:endParaRPr lang="en-US" dirty="0"/>
           </a:p>
           <a:p>
             <a:pPr marL="342900" indent="-342900">
@@ -5224,6 +5374,7 @@
               <a:rPr lang="en-US" dirty="0"/>
               <a:t>Neural Network Representation</a:t>
             </a:r>
+            <a:endParaRPr lang="en-US" dirty="0"/>
           </a:p>
           <a:p>
             <a:pPr marL="342900" indent="-342900">
@@ -5234,6 +5385,7 @@
               <a:rPr lang="en-US" dirty="0"/>
               <a:t>Forward and Backpropagation</a:t>
             </a:r>
+            <a:endParaRPr lang="en-US" dirty="0"/>
           </a:p>
           <a:p>
             <a:pPr marL="342900" indent="-342900">
@@ -5244,6 +5396,7 @@
               <a:rPr lang="en-US" dirty="0"/>
               <a:t>Parameters vs. Hyperparameters</a:t>
             </a:r>
+            <a:endParaRPr lang="en-US" dirty="0"/>
           </a:p>
           <a:p>
             <a:pPr marL="342900" indent="-342900"/>
@@ -5271,6 +5424,10 @@
               </a:rPr>
               <a:t>Improving Deep Neural Networks: Hyperparameter tuning, Regularization and Optimization:</a:t>
             </a:r>
+            <a:endParaRPr lang="en-US" b="1" i="1" dirty="0">
+              <a:latin typeface="Comic Sans MS" panose="030F0702030302020204" charset="0"/>
+              <a:cs typeface="Comic Sans MS" panose="030F0702030302020204" charset="0"/>
+            </a:endParaRPr>
           </a:p>
           <a:p>
             <a:pPr marL="342900" indent="-342900">
@@ -5281,6 +5438,7 @@
               <a:rPr lang="en-US" dirty="0"/>
               <a:t> Train / Validation and Test Sets</a:t>
             </a:r>
+            <a:endParaRPr lang="en-US" dirty="0"/>
           </a:p>
           <a:p>
             <a:pPr marL="342900" indent="-342900">
@@ -5291,6 +5449,7 @@
               <a:rPr lang="en-US" dirty="0"/>
               <a:t> Bias/Variance</a:t>
             </a:r>
+            <a:endParaRPr lang="en-US" dirty="0"/>
           </a:p>
           <a:p>
             <a:pPr marL="342900" indent="-342900">
@@ -5301,6 +5460,7 @@
               <a:rPr lang="en-US" dirty="0"/>
               <a:t> Regularization</a:t>
             </a:r>
+            <a:endParaRPr lang="en-US" dirty="0"/>
           </a:p>
           <a:p>
             <a:pPr marL="342900" indent="-342900">
@@ -5311,6 +5471,7 @@
               <a:rPr lang="en-US" dirty="0"/>
               <a:t> Normalizing</a:t>
             </a:r>
+            <a:endParaRPr lang="en-US" dirty="0"/>
           </a:p>
           <a:p>
             <a:pPr marL="342900" indent="-342900">
@@ -5321,6 +5482,7 @@
               <a:rPr lang="en-US" dirty="0"/>
               <a:t>Gradient Checking</a:t>
             </a:r>
+            <a:endParaRPr lang="en-US" dirty="0"/>
           </a:p>
           <a:p>
             <a:pPr marL="342900" indent="-342900">
@@ -5331,6 +5493,7 @@
               <a:rPr lang="en-US" dirty="0"/>
               <a:t>Mini batch Gradient descent</a:t>
             </a:r>
+            <a:endParaRPr lang="en-US" dirty="0"/>
           </a:p>
           <a:p>
             <a:pPr marL="342900" indent="-342900">
@@ -5341,6 +5504,7 @@
               <a:rPr lang="en-US" dirty="0"/>
               <a:t>Learning rate decay</a:t>
             </a:r>
+            <a:endParaRPr lang="en-US" dirty="0"/>
           </a:p>
           <a:p>
             <a:pPr marL="342900" indent="-342900">
@@ -5351,6 +5515,7 @@
               <a:rPr lang="en-US" dirty="0"/>
               <a:t>Tuning process</a:t>
             </a:r>
+            <a:endParaRPr lang="en-US" dirty="0"/>
           </a:p>
           <a:p>
             <a:pPr marL="342900" indent="-342900">
@@ -5361,6 +5526,7 @@
               <a:rPr lang="en-US" dirty="0"/>
               <a:t>Softmax Regression </a:t>
             </a:r>
+            <a:endParaRPr lang="en-US" dirty="0"/>
           </a:p>
           <a:p>
             <a:pPr marL="342900" indent="-342900">
@@ -5380,6 +5546,13 @@
               </a:rPr>
               <a:t>                                                                                                                                                           </a:t>
             </a:r>
+            <a:endParaRPr lang="en-US" dirty="0">
+              <a:solidFill>
+                <a:schemeClr val="accent6">
+                  <a:lumMod val="75000"/>
+                </a:schemeClr>
+              </a:solidFill>
+            </a:endParaRPr>
           </a:p>
           <a:p>
             <a:r>
@@ -5412,6 +5585,13 @@
               </a:rPr>
               <a:t>Sakshi Tahlani</a:t>
             </a:r>
+            <a:endParaRPr lang="en-US" sz="2800" b="1" dirty="0">
+              <a:solidFill>
+                <a:schemeClr val="accent6">
+                  <a:lumMod val="75000"/>
+                </a:schemeClr>
+              </a:solidFill>
+            </a:endParaRPr>
           </a:p>
         </p:txBody>
       </p:sp>
@@ -5555,6 +5735,9 @@
               </a:rPr>
               <a:t>Role of training dev set.</a:t>
             </a:r>
+            <a:endParaRPr lang="en-US">
+              <a:sym typeface="+mn-ea"/>
+            </a:endParaRPr>
           </a:p>
           <a:p>
             <a:pPr marL="342900" indent="-342900">
@@ -5713,6 +5896,14 @@
               </a:rPr>
               <a:t>Varun Bohara</a:t>
             </a:r>
+            <a:endParaRPr lang="en-US" sz="2800" b="1" dirty="0">
+              <a:solidFill>
+                <a:schemeClr val="accent6">
+                  <a:lumMod val="75000"/>
+                </a:schemeClr>
+              </a:solidFill>
+              <a:sym typeface="+mn-ea"/>
+            </a:endParaRPr>
           </a:p>
         </p:txBody>
       </p:sp>
@@ -5774,6 +5965,10 @@
               </a:rPr>
               <a:t>YOLO Detection Algorithm</a:t>
             </a:r>
+            <a:endParaRPr lang="en-US" b="1" i="1">
+              <a:latin typeface="Comic Sans MS" panose="030F0702030302020204" charset="0"/>
+              <a:cs typeface="Comic Sans MS" panose="030F0702030302020204" charset="0"/>
+            </a:endParaRPr>
           </a:p>
           <a:p>
             <a:pPr marL="342900" indent="-342900">
@@ -5784,6 +5979,7 @@
               <a:rPr lang="en-US"/>
               <a:t>Object detection using conv net.</a:t>
             </a:r>
+            <a:endParaRPr lang="en-US"/>
           </a:p>
           <a:p>
             <a:pPr marL="342900" indent="-342900">
@@ -5794,6 +5990,7 @@
               <a:rPr lang="en-US"/>
               <a:t>Bounding box predictions  </a:t>
             </a:r>
+            <a:endParaRPr lang="en-US"/>
           </a:p>
           <a:p>
             <a:pPr marL="342900" indent="-342900">
@@ -5804,6 +6001,7 @@
               <a:rPr lang="en-US"/>
               <a:t>Intersection over union </a:t>
             </a:r>
+            <a:endParaRPr lang="en-US"/>
           </a:p>
           <a:p>
             <a:pPr marL="342900" indent="-342900">
@@ -5814,6 +6012,7 @@
               <a:rPr lang="en-US"/>
               <a:t>Non max supression</a:t>
             </a:r>
+            <a:endParaRPr lang="en-US"/>
           </a:p>
           <a:p>
             <a:pPr marL="342900" indent="-342900">
@@ -5824,6 +6023,7 @@
               <a:rPr lang="en-US"/>
               <a:t>Anchor box</a:t>
             </a:r>
+            <a:endParaRPr lang="en-US"/>
           </a:p>
           <a:p>
             <a:pPr marL="342900" indent="-342900">
@@ -5861,60 +6061,6 @@
               </a:rPr>
               <a:t>Why RNNs model are preferable over standard neural network model</a:t>
             </a:r>
-          </a:p>
-          <a:p>
-            <a:pPr marL="342900" indent="-342900">
-              <a:buFont typeface="Arial" panose="020B0604020202020204" pitchFamily="34" charset="0"/>
-              <a:buAutoNum type="arabicPeriod"/>
-            </a:pPr>
-            <a:r>
-              <a:rPr lang="en-US">
-                <a:sym typeface="+mn-ea"/>
-              </a:rPr>
-              <a:t>Different types of RNN models</a:t>
-            </a:r>
-          </a:p>
-          <a:p>
-            <a:pPr marL="342900" indent="-342900">
-              <a:buFont typeface="Arial" panose="020B0604020202020204" pitchFamily="34" charset="0"/>
-              <a:buAutoNum type="arabicPeriod"/>
-            </a:pPr>
-            <a:r>
-              <a:rPr lang="en-US">
-                <a:sym typeface="+mn-ea"/>
-              </a:rPr>
-              <a:t>Language modeling and sequence generation.</a:t>
-            </a:r>
-          </a:p>
-          <a:p>
-            <a:pPr marL="342900" indent="-342900">
-              <a:buFont typeface="Arial" panose="020B0604020202020204" pitchFamily="34" charset="0"/>
-              <a:buAutoNum type="arabicPeriod"/>
-            </a:pPr>
-            <a:r>
-              <a:rPr lang="en-US">
-                <a:sym typeface="+mn-ea"/>
-              </a:rPr>
-              <a:t>Sampling novel sequences</a:t>
-            </a:r>
-          </a:p>
-          <a:p>
-            <a:pPr marL="342900" indent="-342900">
-              <a:buFont typeface="Arial" panose="020B0604020202020204" pitchFamily="34" charset="0"/>
-              <a:buAutoNum type="arabicPeriod"/>
-            </a:pPr>
-            <a:r>
-              <a:rPr lang="en-US">
-                <a:sym typeface="+mn-ea"/>
-              </a:rPr>
-              <a:t>Vanishing gradients with RNNs ,GRU and LSTM</a:t>
-            </a:r>
-          </a:p>
-          <a:p>
-            <a:pPr marL="342900" indent="-342900">
-              <a:buFont typeface="Arial" panose="020B0604020202020204" pitchFamily="34" charset="0"/>
-              <a:buAutoNum type="arabicPeriod"/>
-            </a:pPr>
             <a:endParaRPr lang="en-US">
               <a:sym typeface="+mn-ea"/>
             </a:endParaRPr>
@@ -5928,8 +6074,11 @@
               <a:rPr lang="en-US">
                 <a:sym typeface="+mn-ea"/>
               </a:rPr>
-              <a:t>Generating embedding vector , Analogies  </a:t>
-            </a:r>
+              <a:t>Different types of RNN models</a:t>
+            </a:r>
+            <a:endParaRPr lang="en-US">
+              <a:sym typeface="+mn-ea"/>
+            </a:endParaRPr>
           </a:p>
           <a:p>
             <a:pPr marL="342900" indent="-342900">
@@ -5940,8 +6089,11 @@
               <a:rPr lang="en-US">
                 <a:sym typeface="+mn-ea"/>
               </a:rPr>
-              <a:t>Context and target embedding words</a:t>
-            </a:r>
+              <a:t>Language modeling and sequence generation.</a:t>
+            </a:r>
+            <a:endParaRPr lang="en-US">
+              <a:sym typeface="+mn-ea"/>
+            </a:endParaRPr>
           </a:p>
           <a:p>
             <a:pPr marL="342900" indent="-342900">
@@ -5952,8 +6104,11 @@
               <a:rPr lang="en-US">
                 <a:sym typeface="+mn-ea"/>
               </a:rPr>
-              <a:t>Word2Vec model </a:t>
-            </a:r>
+              <a:t>Sampling novel sequences</a:t>
+            </a:r>
+            <a:endParaRPr lang="en-US">
+              <a:sym typeface="+mn-ea"/>
+            </a:endParaRPr>
           </a:p>
           <a:p>
             <a:pPr marL="342900" indent="-342900">
@@ -5964,8 +6119,80 @@
               <a:rPr lang="en-US">
                 <a:sym typeface="+mn-ea"/>
               </a:rPr>
+              <a:t>Vanishing gradients with RNNs ,GRU and LSTM</a:t>
+            </a:r>
+            <a:endParaRPr lang="en-US">
+              <a:sym typeface="+mn-ea"/>
+            </a:endParaRPr>
+          </a:p>
+          <a:p>
+            <a:pPr marL="342900" indent="-342900">
+              <a:buFont typeface="Arial" panose="020B0604020202020204" pitchFamily="34" charset="0"/>
+              <a:buAutoNum type="arabicPeriod"/>
+            </a:pPr>
+            <a:endParaRPr lang="en-US">
+              <a:sym typeface="+mn-ea"/>
+            </a:endParaRPr>
+          </a:p>
+          <a:p>
+            <a:pPr marL="342900" indent="-342900">
+              <a:buFont typeface="Arial" panose="020B0604020202020204" pitchFamily="34" charset="0"/>
+              <a:buAutoNum type="arabicPeriod"/>
+            </a:pPr>
+            <a:r>
+              <a:rPr lang="en-US">
+                <a:sym typeface="+mn-ea"/>
+              </a:rPr>
+              <a:t>Generating embedding vector , Analogies  </a:t>
+            </a:r>
+            <a:endParaRPr lang="en-US">
+              <a:sym typeface="+mn-ea"/>
+            </a:endParaRPr>
+          </a:p>
+          <a:p>
+            <a:pPr marL="342900" indent="-342900">
+              <a:buFont typeface="Arial" panose="020B0604020202020204" pitchFamily="34" charset="0"/>
+              <a:buAutoNum type="arabicPeriod"/>
+            </a:pPr>
+            <a:r>
+              <a:rPr lang="en-US">
+                <a:sym typeface="+mn-ea"/>
+              </a:rPr>
+              <a:t>Context and target embedding words</a:t>
+            </a:r>
+            <a:endParaRPr lang="en-US">
+              <a:sym typeface="+mn-ea"/>
+            </a:endParaRPr>
+          </a:p>
+          <a:p>
+            <a:pPr marL="342900" indent="-342900">
+              <a:buFont typeface="Arial" panose="020B0604020202020204" pitchFamily="34" charset="0"/>
+              <a:buAutoNum type="arabicPeriod"/>
+            </a:pPr>
+            <a:r>
+              <a:rPr lang="en-US">
+                <a:sym typeface="+mn-ea"/>
+              </a:rPr>
+              <a:t>Word2Vec model </a:t>
+            </a:r>
+            <a:endParaRPr lang="en-US">
+              <a:sym typeface="+mn-ea"/>
+            </a:endParaRPr>
+          </a:p>
+          <a:p>
+            <a:pPr marL="342900" indent="-342900">
+              <a:buFont typeface="Arial" panose="020B0604020202020204" pitchFamily="34" charset="0"/>
+              <a:buAutoNum type="arabicPeriod"/>
+            </a:pPr>
+            <a:r>
+              <a:rPr lang="en-US">
+                <a:sym typeface="+mn-ea"/>
+              </a:rPr>
               <a:t>Negative sampling </a:t>
             </a:r>
+            <a:endParaRPr lang="en-US">
+              <a:sym typeface="+mn-ea"/>
+            </a:endParaRPr>
           </a:p>
           <a:p>
             <a:pPr marL="342900" indent="-342900">
@@ -6009,6 +6236,14 @@
               </a:rPr>
               <a:t>Varun Bohara</a:t>
             </a:r>
+            <a:endParaRPr lang="en-US" sz="2800" b="1" dirty="0">
+              <a:solidFill>
+                <a:schemeClr val="accent6">
+                  <a:lumMod val="75000"/>
+                </a:schemeClr>
+              </a:solidFill>
+              <a:sym typeface="+mn-ea"/>
+            </a:endParaRPr>
           </a:p>
         </p:txBody>
       </p:sp>
@@ -6293,8 +6528,6 @@
       </a:bgFillStyleLst>
     </a:fmtScheme>
   </a:themeElements>
-  <a:objectDefaults/>
-  <a:extraClrSchemeLst/>
   <a:extLst>
     <a:ext uri="{05A4C25C-085E-4340-85A3-A5531E510DB2}">
       <thm15:themeFamily xmlns:thm15="http://schemas.microsoft.com/office/thememl/2012/main" name="Office Theme" id="{62F939B6-93AF-4DB8-9C6B-D6C7DFDC589F}" vid="{4A3C46E8-61CC-4603-A589-7422A47A8E4A}"/>

--- a/TOPICS COVERED (updated) (1).pptx
+++ b/TOPICS COVERED (updated) (1).pptx
@@ -5,13 +5,13 @@
     <p:sldMasterId id="2147483648" r:id="rId1"/>
   </p:sldMasterIdLst>
   <p:sldIdLst>
-    <p:sldId id="256" r:id="rId3"/>
-    <p:sldId id="263" r:id="rId4"/>
-    <p:sldId id="268" r:id="rId5"/>
-    <p:sldId id="259" r:id="rId6"/>
-    <p:sldId id="260" r:id="rId7"/>
-    <p:sldId id="262" r:id="rId8"/>
-    <p:sldId id="267" r:id="rId9"/>
+    <p:sldId id="256" r:id="rId2"/>
+    <p:sldId id="263" r:id="rId3"/>
+    <p:sldId id="268" r:id="rId4"/>
+    <p:sldId id="259" r:id="rId5"/>
+    <p:sldId id="260" r:id="rId6"/>
+    <p:sldId id="262" r:id="rId7"/>
+    <p:sldId id="267" r:id="rId8"/>
   </p:sldIdLst>
   <p:sldSz cx="12192000" cy="6858000"/>
   <p:notesSz cx="6858000" cy="9144000"/>
@@ -110,11 +110,27 @@
       </a:defRPr>
     </a:lvl9pPr>
   </p:defaultTextStyle>
+  <p:extLst>
+    <p:ext uri="{EFAFB233-063F-42B5-8137-9DF3F51BA10A}">
+      <p15:sldGuideLst xmlns:p15="http://schemas.microsoft.com/office/powerpoint/2012/main">
+        <p15:guide id="1" orient="horz" pos="2159">
+          <p15:clr>
+            <a:srgbClr val="A4A3A4"/>
+          </p15:clr>
+        </p15:guide>
+        <p15:guide id="2" pos="3882">
+          <p15:clr>
+            <a:srgbClr val="A4A3A4"/>
+          </p15:clr>
+        </p15:guide>
+      </p15:sldGuideLst>
+    </p:ext>
+  </p:extLst>
 </p:presentation>
 </file>
 
 <file path=ppt/slideLayouts/slideLayout1.xml><?xml version="1.0" encoding="utf-8"?>
-<p:sldLayout xmlns:a="http://schemas.openxmlformats.org/drawingml/2006/main" xmlns:r="http://schemas.openxmlformats.org/officeDocument/2006/relationships" xmlns:p="http://schemas.openxmlformats.org/presentationml/2006/main" type="title" preserve="1" showMasterSp="0">
+<p:sldLayout xmlns:a="http://schemas.openxmlformats.org/drawingml/2006/main" xmlns:r="http://schemas.openxmlformats.org/officeDocument/2006/relationships" xmlns:p="http://schemas.openxmlformats.org/presentationml/2006/main" showMasterSp="0" type="title" preserve="1">
   <p:cSld name="Title Slide">
     <p:spTree>
       <p:nvGrpSpPr>
@@ -339,6 +355,7 @@
           <a:p>
             <a:fld id="{DBF1B830-62D1-4319-9804-D7CC6F10675F}" type="datetimeFigureOut">
               <a:rPr lang="en-IN" smtClean="0"/>
+              <a:t>28-09-2020</a:t>
             </a:fld>
             <a:endParaRPr lang="en-IN"/>
           </a:p>
@@ -380,6 +397,7 @@
           <a:p>
             <a:fld id="{636DC7A6-D359-43EB-A5EF-E04DB6E81D15}" type="slidenum">
               <a:rPr lang="en-IN" smtClean="0"/>
+              <a:t>‹#›</a:t>
             </a:fld>
             <a:endParaRPr lang="en-IN"/>
           </a:p>
@@ -491,7 +509,6 @@
               <a:rPr lang="en-US"/>
               <a:t>Click to edit Master text styles</a:t>
             </a:r>
-            <a:endParaRPr lang="en-US"/>
           </a:p>
           <a:p>
             <a:pPr lvl="1"/>
@@ -499,7 +516,6 @@
               <a:rPr lang="en-US"/>
               <a:t>Second level</a:t>
             </a:r>
-            <a:endParaRPr lang="en-US"/>
           </a:p>
           <a:p>
             <a:pPr lvl="2"/>
@@ -507,7 +523,6 @@
               <a:rPr lang="en-US"/>
               <a:t>Third level</a:t>
             </a:r>
-            <a:endParaRPr lang="en-US"/>
           </a:p>
           <a:p>
             <a:pPr lvl="3"/>
@@ -515,7 +530,6 @@
               <a:rPr lang="en-US"/>
               <a:t>Fourth level</a:t>
             </a:r>
-            <a:endParaRPr lang="en-US"/>
           </a:p>
           <a:p>
             <a:pPr lvl="4"/>
@@ -544,6 +558,7 @@
           <a:p>
             <a:fld id="{DBF1B830-62D1-4319-9804-D7CC6F10675F}" type="datetimeFigureOut">
               <a:rPr lang="en-IN" smtClean="0"/>
+              <a:t>28-09-2020</a:t>
             </a:fld>
             <a:endParaRPr lang="en-IN"/>
           </a:p>
@@ -585,6 +600,7 @@
           <a:p>
             <a:fld id="{636DC7A6-D359-43EB-A5EF-E04DB6E81D15}" type="slidenum">
               <a:rPr lang="en-IN" smtClean="0"/>
+              <a:t>‹#›</a:t>
             </a:fld>
             <a:endParaRPr lang="en-IN"/>
           </a:p>
@@ -599,7 +615,7 @@
 </file>
 
 <file path=ppt/slideLayouts/slideLayout11.xml><?xml version="1.0" encoding="utf-8"?>
-<p:sldLayout xmlns:a="http://schemas.openxmlformats.org/drawingml/2006/main" xmlns:r="http://schemas.openxmlformats.org/officeDocument/2006/relationships" xmlns:p="http://schemas.openxmlformats.org/presentationml/2006/main" type="vertTitleAndTx" preserve="1" showMasterSp="0">
+<p:sldLayout xmlns:a="http://schemas.openxmlformats.org/drawingml/2006/main" xmlns:r="http://schemas.openxmlformats.org/officeDocument/2006/relationships" xmlns:p="http://schemas.openxmlformats.org/presentationml/2006/main" showMasterSp="0" type="vertTitleAndTx" preserve="1">
   <p:cSld name="Vertical Title and Text">
     <p:spTree>
       <p:nvGrpSpPr>
@@ -744,7 +760,6 @@
               <a:rPr lang="en-US"/>
               <a:t>Click to edit Master text styles</a:t>
             </a:r>
-            <a:endParaRPr lang="en-US"/>
           </a:p>
           <a:p>
             <a:pPr lvl="1"/>
@@ -752,7 +767,6 @@
               <a:rPr lang="en-US"/>
               <a:t>Second level</a:t>
             </a:r>
-            <a:endParaRPr lang="en-US"/>
           </a:p>
           <a:p>
             <a:pPr lvl="2"/>
@@ -760,7 +774,6 @@
               <a:rPr lang="en-US"/>
               <a:t>Third level</a:t>
             </a:r>
-            <a:endParaRPr lang="en-US"/>
           </a:p>
           <a:p>
             <a:pPr lvl="3"/>
@@ -768,7 +781,6 @@
               <a:rPr lang="en-US"/>
               <a:t>Fourth level</a:t>
             </a:r>
-            <a:endParaRPr lang="en-US"/>
           </a:p>
           <a:p>
             <a:pPr lvl="4"/>
@@ -797,6 +809,7 @@
           <a:p>
             <a:fld id="{DBF1B830-62D1-4319-9804-D7CC6F10675F}" type="datetimeFigureOut">
               <a:rPr lang="en-IN" smtClean="0"/>
+              <a:t>28-09-2020</a:t>
             </a:fld>
             <a:endParaRPr lang="en-IN"/>
           </a:p>
@@ -838,6 +851,7 @@
           <a:p>
             <a:fld id="{636DC7A6-D359-43EB-A5EF-E04DB6E81D15}" type="slidenum">
               <a:rPr lang="en-IN" smtClean="0"/>
+              <a:t>‹#›</a:t>
             </a:fld>
             <a:endParaRPr lang="en-IN"/>
           </a:p>
@@ -915,7 +929,6 @@
               <a:rPr lang="en-US"/>
               <a:t>Click to edit Master text styles</a:t>
             </a:r>
-            <a:endParaRPr lang="en-US"/>
           </a:p>
           <a:p>
             <a:pPr lvl="1"/>
@@ -923,7 +936,6 @@
               <a:rPr lang="en-US"/>
               <a:t>Second level</a:t>
             </a:r>
-            <a:endParaRPr lang="en-US"/>
           </a:p>
           <a:p>
             <a:pPr lvl="2"/>
@@ -931,7 +943,6 @@
               <a:rPr lang="en-US"/>
               <a:t>Third level</a:t>
             </a:r>
-            <a:endParaRPr lang="en-US"/>
           </a:p>
           <a:p>
             <a:pPr lvl="3"/>
@@ -939,7 +950,6 @@
               <a:rPr lang="en-US"/>
               <a:t>Fourth level</a:t>
             </a:r>
-            <a:endParaRPr lang="en-US"/>
           </a:p>
           <a:p>
             <a:pPr lvl="4"/>
@@ -968,6 +978,7 @@
           <a:p>
             <a:fld id="{DBF1B830-62D1-4319-9804-D7CC6F10675F}" type="datetimeFigureOut">
               <a:rPr lang="en-IN" smtClean="0"/>
+              <a:t>28-09-2020</a:t>
             </a:fld>
             <a:endParaRPr lang="en-IN"/>
           </a:p>
@@ -1009,6 +1020,7 @@
           <a:p>
             <a:fld id="{636DC7A6-D359-43EB-A5EF-E04DB6E81D15}" type="slidenum">
               <a:rPr lang="en-IN" smtClean="0"/>
+              <a:t>‹#›</a:t>
             </a:fld>
             <a:endParaRPr lang="en-IN"/>
           </a:p>
@@ -1023,7 +1035,7 @@
 </file>
 
 <file path=ppt/slideLayouts/slideLayout3.xml><?xml version="1.0" encoding="utf-8"?>
-<p:sldLayout xmlns:a="http://schemas.openxmlformats.org/drawingml/2006/main" xmlns:r="http://schemas.openxmlformats.org/officeDocument/2006/relationships" xmlns:p="http://schemas.openxmlformats.org/presentationml/2006/main" type="secHead" preserve="1" showMasterSp="0">
+<p:sldLayout xmlns:a="http://schemas.openxmlformats.org/drawingml/2006/main" xmlns:r="http://schemas.openxmlformats.org/officeDocument/2006/relationships" xmlns:p="http://schemas.openxmlformats.org/presentationml/2006/main" showMasterSp="0" type="secHead" preserve="1">
   <p:cSld name="Section Header">
     <p:bg>
       <p:bgPr>
@@ -1284,7 +1296,6 @@
               <a:rPr lang="en-US"/>
               <a:t>Click to edit Master text styles</a:t>
             </a:r>
-            <a:endParaRPr lang="en-US"/>
           </a:p>
         </p:txBody>
       </p:sp>
@@ -1305,6 +1316,7 @@
           <a:p>
             <a:fld id="{DBF1B830-62D1-4319-9804-D7CC6F10675F}" type="datetimeFigureOut">
               <a:rPr lang="en-IN" smtClean="0"/>
+              <a:t>28-09-2020</a:t>
             </a:fld>
             <a:endParaRPr lang="en-IN"/>
           </a:p>
@@ -1346,6 +1358,7 @@
           <a:p>
             <a:fld id="{636DC7A6-D359-43EB-A5EF-E04DB6E81D15}" type="slidenum">
               <a:rPr lang="en-IN" smtClean="0"/>
+              <a:t>‹#›</a:t>
             </a:fld>
             <a:endParaRPr lang="en-IN"/>
           </a:p>
@@ -1467,7 +1480,6 @@
               <a:rPr lang="en-US"/>
               <a:t>Click to edit Master text styles</a:t>
             </a:r>
-            <a:endParaRPr lang="en-US"/>
           </a:p>
           <a:p>
             <a:pPr lvl="1"/>
@@ -1475,7 +1487,6 @@
               <a:rPr lang="en-US"/>
               <a:t>Second level</a:t>
             </a:r>
-            <a:endParaRPr lang="en-US"/>
           </a:p>
           <a:p>
             <a:pPr lvl="2"/>
@@ -1483,7 +1494,6 @@
               <a:rPr lang="en-US"/>
               <a:t>Third level</a:t>
             </a:r>
-            <a:endParaRPr lang="en-US"/>
           </a:p>
           <a:p>
             <a:pPr lvl="3"/>
@@ -1491,7 +1501,6 @@
               <a:rPr lang="en-US"/>
               <a:t>Fourth level</a:t>
             </a:r>
-            <a:endParaRPr lang="en-US"/>
           </a:p>
           <a:p>
             <a:pPr lvl="4"/>
@@ -1528,7 +1537,6 @@
               <a:rPr lang="en-US"/>
               <a:t>Click to edit Master text styles</a:t>
             </a:r>
-            <a:endParaRPr lang="en-US"/>
           </a:p>
           <a:p>
             <a:pPr lvl="1"/>
@@ -1536,7 +1544,6 @@
               <a:rPr lang="en-US"/>
               <a:t>Second level</a:t>
             </a:r>
-            <a:endParaRPr lang="en-US"/>
           </a:p>
           <a:p>
             <a:pPr lvl="2"/>
@@ -1544,7 +1551,6 @@
               <a:rPr lang="en-US"/>
               <a:t>Third level</a:t>
             </a:r>
-            <a:endParaRPr lang="en-US"/>
           </a:p>
           <a:p>
             <a:pPr lvl="3"/>
@@ -1552,7 +1558,6 @@
               <a:rPr lang="en-US"/>
               <a:t>Fourth level</a:t>
             </a:r>
-            <a:endParaRPr lang="en-US"/>
           </a:p>
           <a:p>
             <a:pPr lvl="4"/>
@@ -1581,6 +1586,7 @@
           <a:p>
             <a:fld id="{DBF1B830-62D1-4319-9804-D7CC6F10675F}" type="datetimeFigureOut">
               <a:rPr lang="en-IN" smtClean="0"/>
+              <a:t>28-09-2020</a:t>
             </a:fld>
             <a:endParaRPr lang="en-IN"/>
           </a:p>
@@ -1622,6 +1628,7 @@
           <a:p>
             <a:fld id="{636DC7A6-D359-43EB-A5EF-E04DB6E81D15}" type="slidenum">
               <a:rPr lang="en-IN" smtClean="0"/>
+              <a:t>‹#›</a:t>
             </a:fld>
             <a:endParaRPr lang="en-IN"/>
           </a:p>
@@ -1748,7 +1755,6 @@
               <a:rPr lang="en-US"/>
               <a:t>Click to edit Master text styles</a:t>
             </a:r>
-            <a:endParaRPr lang="en-US"/>
           </a:p>
         </p:txBody>
       </p:sp>
@@ -1777,7 +1783,6 @@
               <a:rPr lang="en-US"/>
               <a:t>Click to edit Master text styles</a:t>
             </a:r>
-            <a:endParaRPr lang="en-US"/>
           </a:p>
           <a:p>
             <a:pPr lvl="1"/>
@@ -1785,7 +1790,6 @@
               <a:rPr lang="en-US"/>
               <a:t>Second level</a:t>
             </a:r>
-            <a:endParaRPr lang="en-US"/>
           </a:p>
           <a:p>
             <a:pPr lvl="2"/>
@@ -1793,7 +1797,6 @@
               <a:rPr lang="en-US"/>
               <a:t>Third level</a:t>
             </a:r>
-            <a:endParaRPr lang="en-US"/>
           </a:p>
           <a:p>
             <a:pPr lvl="3"/>
@@ -1801,7 +1804,6 @@
               <a:rPr lang="en-US"/>
               <a:t>Fourth level</a:t>
             </a:r>
-            <a:endParaRPr lang="en-US"/>
           </a:p>
           <a:p>
             <a:pPr lvl="4"/>
@@ -1881,7 +1883,6 @@
               <a:rPr lang="en-US"/>
               <a:t>Click to edit Master text styles</a:t>
             </a:r>
-            <a:endParaRPr lang="en-US"/>
           </a:p>
         </p:txBody>
       </p:sp>
@@ -1910,7 +1911,6 @@
               <a:rPr lang="en-US"/>
               <a:t>Click to edit Master text styles</a:t>
             </a:r>
-            <a:endParaRPr lang="en-US"/>
           </a:p>
           <a:p>
             <a:pPr lvl="1"/>
@@ -1918,7 +1918,6 @@
               <a:rPr lang="en-US"/>
               <a:t>Second level</a:t>
             </a:r>
-            <a:endParaRPr lang="en-US"/>
           </a:p>
           <a:p>
             <a:pPr lvl="2"/>
@@ -1926,7 +1925,6 @@
               <a:rPr lang="en-US"/>
               <a:t>Third level</a:t>
             </a:r>
-            <a:endParaRPr lang="en-US"/>
           </a:p>
           <a:p>
             <a:pPr lvl="3"/>
@@ -1934,7 +1932,6 @@
               <a:rPr lang="en-US"/>
               <a:t>Fourth level</a:t>
             </a:r>
-            <a:endParaRPr lang="en-US"/>
           </a:p>
           <a:p>
             <a:pPr lvl="4"/>
@@ -1963,6 +1960,7 @@
           <a:p>
             <a:fld id="{DBF1B830-62D1-4319-9804-D7CC6F10675F}" type="datetimeFigureOut">
               <a:rPr lang="en-IN" smtClean="0"/>
+              <a:t>28-09-2020</a:t>
             </a:fld>
             <a:endParaRPr lang="en-IN"/>
           </a:p>
@@ -2004,6 +2002,7 @@
           <a:p>
             <a:fld id="{636DC7A6-D359-43EB-A5EF-E04DB6E81D15}" type="slidenum">
               <a:rPr lang="en-IN" smtClean="0"/>
+              <a:t>‹#›</a:t>
             </a:fld>
             <a:endParaRPr lang="en-IN"/>
           </a:p>
@@ -2074,6 +2073,7 @@
           <a:p>
             <a:fld id="{DBF1B830-62D1-4319-9804-D7CC6F10675F}" type="datetimeFigureOut">
               <a:rPr lang="en-IN" smtClean="0"/>
+              <a:t>28-09-2020</a:t>
             </a:fld>
             <a:endParaRPr lang="en-IN"/>
           </a:p>
@@ -2115,6 +2115,7 @@
           <a:p>
             <a:fld id="{636DC7A6-D359-43EB-A5EF-E04DB6E81D15}" type="slidenum">
               <a:rPr lang="en-IN" smtClean="0"/>
+              <a:t>‹#›</a:t>
             </a:fld>
             <a:endParaRPr lang="en-IN"/>
           </a:p>
@@ -2129,7 +2130,7 @@
 </file>
 
 <file path=ppt/slideLayouts/slideLayout7.xml><?xml version="1.0" encoding="utf-8"?>
-<p:sldLayout xmlns:a="http://schemas.openxmlformats.org/drawingml/2006/main" xmlns:r="http://schemas.openxmlformats.org/officeDocument/2006/relationships" xmlns:p="http://schemas.openxmlformats.org/presentationml/2006/main" type="blank" preserve="1" showMasterSp="0">
+<p:sldLayout xmlns:a="http://schemas.openxmlformats.org/drawingml/2006/main" xmlns:r="http://schemas.openxmlformats.org/officeDocument/2006/relationships" xmlns:p="http://schemas.openxmlformats.org/presentationml/2006/main" showMasterSp="0" type="blank" preserve="1">
   <p:cSld name="Blank">
     <p:spTree>
       <p:nvGrpSpPr>
@@ -2238,6 +2239,7 @@
           <a:p>
             <a:fld id="{DBF1B830-62D1-4319-9804-D7CC6F10675F}" type="datetimeFigureOut">
               <a:rPr lang="en-IN" smtClean="0"/>
+              <a:t>28-09-2020</a:t>
             </a:fld>
             <a:endParaRPr lang="en-IN"/>
           </a:p>
@@ -2287,6 +2289,7 @@
           <a:p>
             <a:fld id="{636DC7A6-D359-43EB-A5EF-E04DB6E81D15}" type="slidenum">
               <a:rPr lang="en-IN" smtClean="0"/>
+              <a:t>‹#›</a:t>
             </a:fld>
             <a:endParaRPr lang="en-IN"/>
           </a:p>
@@ -2301,7 +2304,7 @@
 </file>
 
 <file path=ppt/slideLayouts/slideLayout8.xml><?xml version="1.0" encoding="utf-8"?>
-<p:sldLayout xmlns:a="http://schemas.openxmlformats.org/drawingml/2006/main" xmlns:r="http://schemas.openxmlformats.org/officeDocument/2006/relationships" xmlns:p="http://schemas.openxmlformats.org/presentationml/2006/main" type="objTx" preserve="1" showMasterSp="0">
+<p:sldLayout xmlns:a="http://schemas.openxmlformats.org/drawingml/2006/main" xmlns:r="http://schemas.openxmlformats.org/officeDocument/2006/relationships" xmlns:p="http://schemas.openxmlformats.org/presentationml/2006/main" showMasterSp="0" type="objTx" preserve="1">
   <p:cSld name="Content with Caption">
     <p:spTree>
       <p:nvGrpSpPr>
@@ -2456,7 +2459,6 @@
               <a:rPr lang="en-US"/>
               <a:t>Click to edit Master text styles</a:t>
             </a:r>
-            <a:endParaRPr lang="en-US"/>
           </a:p>
           <a:p>
             <a:pPr lvl="1"/>
@@ -2464,7 +2466,6 @@
               <a:rPr lang="en-US"/>
               <a:t>Second level</a:t>
             </a:r>
-            <a:endParaRPr lang="en-US"/>
           </a:p>
           <a:p>
             <a:pPr lvl="2"/>
@@ -2472,7 +2473,6 @@
               <a:rPr lang="en-US"/>
               <a:t>Third level</a:t>
             </a:r>
-            <a:endParaRPr lang="en-US"/>
           </a:p>
           <a:p>
             <a:pPr lvl="3"/>
@@ -2480,7 +2480,6 @@
               <a:rPr lang="en-US"/>
               <a:t>Fourth level</a:t>
             </a:r>
-            <a:endParaRPr lang="en-US"/>
           </a:p>
           <a:p>
             <a:pPr lvl="4"/>
@@ -2560,7 +2559,6 @@
               <a:rPr lang="en-US"/>
               <a:t>Click to edit Master text styles</a:t>
             </a:r>
-            <a:endParaRPr lang="en-US"/>
           </a:p>
         </p:txBody>
       </p:sp>
@@ -2590,6 +2588,7 @@
           <a:p>
             <a:fld id="{DBF1B830-62D1-4319-9804-D7CC6F10675F}" type="datetimeFigureOut">
               <a:rPr lang="en-IN" smtClean="0"/>
+              <a:t>28-09-2020</a:t>
             </a:fld>
             <a:endParaRPr lang="en-IN"/>
           </a:p>
@@ -2652,6 +2651,7 @@
           <a:p>
             <a:fld id="{636DC7A6-D359-43EB-A5EF-E04DB6E81D15}" type="slidenum">
               <a:rPr lang="en-IN" smtClean="0"/>
+              <a:t>‹#›</a:t>
             </a:fld>
             <a:endParaRPr lang="en-IN"/>
           </a:p>
@@ -2666,7 +2666,7 @@
 </file>
 
 <file path=ppt/slideLayouts/slideLayout9.xml><?xml version="1.0" encoding="utf-8"?>
-<p:sldLayout xmlns:a="http://schemas.openxmlformats.org/drawingml/2006/main" xmlns:r="http://schemas.openxmlformats.org/officeDocument/2006/relationships" xmlns:p="http://schemas.openxmlformats.org/presentationml/2006/main" type="picTx" preserve="1" showMasterSp="0">
+<p:sldLayout xmlns:a="http://schemas.openxmlformats.org/drawingml/2006/main" xmlns:r="http://schemas.openxmlformats.org/officeDocument/2006/relationships" xmlns:p="http://schemas.openxmlformats.org/presentationml/2006/main" showMasterSp="0" type="picTx" preserve="1">
   <p:cSld name="Picture with Caption">
     <p:spTree>
       <p:nvGrpSpPr>
@@ -2945,7 +2945,6 @@
               <a:rPr lang="en-US"/>
               <a:t>Click to edit Master text styles</a:t>
             </a:r>
-            <a:endParaRPr lang="en-US"/>
           </a:p>
         </p:txBody>
       </p:sp>
@@ -2966,6 +2965,7 @@
           <a:p>
             <a:fld id="{DBF1B830-62D1-4319-9804-D7CC6F10675F}" type="datetimeFigureOut">
               <a:rPr lang="en-IN" smtClean="0"/>
+              <a:t>28-09-2020</a:t>
             </a:fld>
             <a:endParaRPr lang="en-IN"/>
           </a:p>
@@ -3007,6 +3007,7 @@
           <a:p>
             <a:fld id="{636DC7A6-D359-43EB-A5EF-E04DB6E81D15}" type="slidenum">
               <a:rPr lang="en-IN" smtClean="0"/>
+              <a:t>‹#›</a:t>
             </a:fld>
             <a:endParaRPr lang="en-IN"/>
           </a:p>
@@ -3181,7 +3182,6 @@
               <a:rPr lang="en-US"/>
               <a:t>Click to edit Master text styles</a:t>
             </a:r>
-            <a:endParaRPr lang="en-US"/>
           </a:p>
           <a:p>
             <a:pPr lvl="1"/>
@@ -3189,7 +3189,6 @@
               <a:rPr lang="en-US"/>
               <a:t>Second level</a:t>
             </a:r>
-            <a:endParaRPr lang="en-US"/>
           </a:p>
           <a:p>
             <a:pPr lvl="2"/>
@@ -3197,7 +3196,6 @@
               <a:rPr lang="en-US"/>
               <a:t>Third level</a:t>
             </a:r>
-            <a:endParaRPr lang="en-US"/>
           </a:p>
           <a:p>
             <a:pPr lvl="3"/>
@@ -3205,7 +3203,6 @@
               <a:rPr lang="en-US"/>
               <a:t>Fourth level</a:t>
             </a:r>
-            <a:endParaRPr lang="en-US"/>
           </a:p>
           <a:p>
             <a:pPr lvl="4"/>
@@ -3250,6 +3247,7 @@
           <a:p>
             <a:fld id="{DBF1B830-62D1-4319-9804-D7CC6F10675F}" type="datetimeFigureOut">
               <a:rPr lang="en-IN" smtClean="0"/>
+              <a:t>28-09-2020</a:t>
             </a:fld>
             <a:endParaRPr lang="en-IN"/>
           </a:p>
@@ -3323,6 +3321,7 @@
           <a:p>
             <a:fld id="{636DC7A6-D359-43EB-A5EF-E04DB6E81D15}" type="slidenum">
               <a:rPr lang="en-IN" smtClean="0"/>
+              <a:t>‹#›</a:t>
             </a:fld>
             <a:endParaRPr lang="en-IN"/>
           </a:p>
@@ -3807,24 +3806,17 @@
               <a:t>TOPICS COVERED</a:t>
             </a:r>
             <a:br>
-              <a:rPr lang="en-IN" sz="3200">
+              <a:rPr lang="en-IN" sz="3200" dirty="0">
                 <a:latin typeface="Agency FB" panose="020B0503020202020204" pitchFamily="34" charset="0"/>
                 <a:sym typeface="+mn-ea"/>
               </a:rPr>
             </a:br>
             <a:br>
-              <a:rPr lang="en-US" altLang="en-IN" sz="3200" dirty="0">
+              <a:rPr lang="en-US" altLang="en-IN" sz="3200">
                 <a:latin typeface="Agency FB" panose="020B0503020202020204" pitchFamily="34" charset="0"/>
                 <a:sym typeface="+mn-ea"/>
               </a:rPr>
             </a:br>
-            <a:r>
-              <a:rPr lang="en-US" altLang="en-IN" sz="3200" dirty="0">
-                <a:latin typeface="Agency FB" panose="020B0503020202020204" pitchFamily="34" charset="0"/>
-                <a:sym typeface="+mn-ea"/>
-              </a:rPr>
-              <a:t>Recevied your changes , this is my update</a:t>
-            </a:r>
             <a:endParaRPr lang="en-US" altLang="en-IN" sz="3200" dirty="0">
               <a:latin typeface="Agency FB" panose="020B0503020202020204" pitchFamily="34" charset="0"/>
               <a:sym typeface="+mn-ea"/>
@@ -3924,13 +3916,6 @@
               </a:rPr>
               <a:t>Improving Deep Neural Networks: Hyperparameter tuning, 	Regularization and Optimization</a:t>
             </a:r>
-            <a:endParaRPr lang="en-US" sz="1600" b="1" i="0" dirty="0">
-              <a:solidFill>
-                <a:srgbClr val="1F1F1F"/>
-              </a:solidFill>
-              <a:effectLst/>
-              <a:latin typeface="Open Sans"/>
-            </a:endParaRPr>
           </a:p>
           <a:p>
             <a:endParaRPr lang="en-IN" sz="1800" dirty="0"/>
@@ -3967,7 +3952,6 @@
               <a:rPr lang="en-IN" dirty="0"/>
               <a:t>Train/Dev/Test sets, Bias and Variance.</a:t>
             </a:r>
-            <a:endParaRPr lang="en-IN" dirty="0"/>
           </a:p>
           <a:p>
             <a:pPr marL="342900" indent="-342900">
@@ -3978,7 +3962,6 @@
               <a:rPr lang="en-IN" dirty="0"/>
               <a:t>Regularization – Frobenius norm, Dropout, Early stopping.</a:t>
             </a:r>
-            <a:endParaRPr lang="en-IN" dirty="0"/>
           </a:p>
           <a:p>
             <a:pPr marL="342900" indent="-342900">
@@ -3989,7 +3972,6 @@
               <a:rPr lang="en-IN" dirty="0"/>
               <a:t>Normalizing inputs, Weight initialization(ReLU , tanh), Gradient checking.</a:t>
             </a:r>
-            <a:endParaRPr lang="en-IN" dirty="0"/>
           </a:p>
           <a:p>
             <a:pPr marL="342900" indent="-342900">
@@ -4000,7 +3982,6 @@
               <a:rPr lang="en-IN" dirty="0"/>
               <a:t>Optimization algorithms – Mini-batch gradient descent, Gradient descent with momentum, RMSprop, Adam.</a:t>
             </a:r>
-            <a:endParaRPr lang="en-IN" dirty="0"/>
           </a:p>
           <a:p>
             <a:pPr marL="342900" indent="-342900">
@@ -4011,7 +3992,6 @@
               <a:rPr lang="en-IN" dirty="0"/>
               <a:t>Hyperparameter tuning, Batch normalization(Why does batch norm work ?), Softmax regression.</a:t>
             </a:r>
-            <a:endParaRPr lang="en-IN" dirty="0"/>
           </a:p>
         </p:txBody>
       </p:sp>
@@ -4074,13 +4054,6 @@
               </a:rPr>
               <a:t>Structuring Machine Learning Projects</a:t>
             </a:r>
-            <a:endParaRPr lang="en-IN" sz="1600" b="1" i="0" dirty="0">
-              <a:solidFill>
-                <a:srgbClr val="1F1F1F"/>
-              </a:solidFill>
-              <a:effectLst/>
-              <a:latin typeface="Open Sans"/>
-            </a:endParaRPr>
           </a:p>
           <a:p>
             <a:endParaRPr lang="en-IN" sz="1600" b="1" dirty="0">
@@ -4119,7 +4092,6 @@
               <a:rPr lang="en-IN" dirty="0"/>
               <a:t>Orthogonalization, Satisficing and optimizing metric.</a:t>
             </a:r>
-            <a:endParaRPr lang="en-IN" dirty="0"/>
           </a:p>
           <a:p>
             <a:pPr marL="342900" indent="-342900">
@@ -4130,7 +4102,6 @@
               <a:rPr lang="en-IN" dirty="0"/>
               <a:t>Comparing to human – level performance(Human Error, Training Error, Dev Error).</a:t>
             </a:r>
-            <a:endParaRPr lang="en-IN" dirty="0"/>
           </a:p>
           <a:p>
             <a:pPr marL="342900" indent="-342900">
@@ -4141,7 +4112,6 @@
               <a:rPr lang="en-IN" dirty="0"/>
               <a:t>Error analysis, Mismatched training set and dev/test sets.</a:t>
             </a:r>
-            <a:endParaRPr lang="en-IN" dirty="0"/>
           </a:p>
           <a:p>
             <a:pPr marL="342900" indent="-342900">
@@ -4152,7 +4122,6 @@
               <a:rPr lang="en-IN" dirty="0"/>
               <a:t>Transfer learning, End-to-end deep learning .</a:t>
             </a:r>
-            <a:endParaRPr lang="en-IN" dirty="0"/>
           </a:p>
         </p:txBody>
       </p:sp>
@@ -4189,13 +4158,6 @@
               </a:rPr>
               <a:t>Abhishek Rao</a:t>
             </a:r>
-            <a:endParaRPr lang="en-IN" sz="2800" b="1" dirty="0">
-              <a:solidFill>
-                <a:schemeClr val="bg1">
-                  <a:lumMod val="50000"/>
-                </a:schemeClr>
-              </a:solidFill>
-            </a:endParaRPr>
           </a:p>
         </p:txBody>
       </p:sp>
@@ -4279,7 +4241,6 @@
               <a:rPr lang="en-IN" dirty="0"/>
               <a:t>Padding, Strided Convolutions.</a:t>
             </a:r>
-            <a:endParaRPr lang="en-IN" dirty="0"/>
           </a:p>
           <a:p>
             <a:pPr marL="342900" indent="-342900">
@@ -4290,7 +4251,6 @@
               <a:rPr lang="en-IN" dirty="0"/>
               <a:t>Classic Networks. </a:t>
             </a:r>
-            <a:endParaRPr lang="en-IN" dirty="0"/>
           </a:p>
           <a:p>
             <a:pPr marL="342900" indent="-342900">
@@ -4300,7 +4260,6 @@
               <a:rPr lang="en-IN" dirty="0"/>
               <a:t>Inception Network.</a:t>
             </a:r>
-            <a:endParaRPr lang="en-IN" dirty="0"/>
           </a:p>
           <a:p>
             <a:pPr marL="342900" indent="-342900">
@@ -4310,7 +4269,6 @@
               <a:rPr lang="en-IN" dirty="0"/>
               <a:t>Detection Algorithms – Object localization, Landmark detection, Sliding window, YOLO.  </a:t>
             </a:r>
-            <a:endParaRPr lang="en-IN" dirty="0"/>
           </a:p>
         </p:txBody>
       </p:sp>
@@ -4378,13 +4336,6 @@
               </a:rPr>
               <a:t>Sequence Models</a:t>
             </a:r>
-            <a:endParaRPr lang="en-IN" b="1" dirty="0">
-              <a:solidFill>
-                <a:srgbClr val="1F1F1F"/>
-              </a:solidFill>
-              <a:latin typeface="Open Sans"/>
-              <a:cs typeface="Comic Sans MS" panose="030F0702030302020204" charset="0"/>
-            </a:endParaRPr>
           </a:p>
           <a:p>
             <a:endParaRPr lang="en-IN" sz="1800" b="1" i="0" dirty="0">
@@ -4426,13 +4377,6 @@
               </a:rPr>
               <a:t>Why not standard networks ?</a:t>
             </a:r>
-            <a:endParaRPr lang="en-IN" dirty="0">
-              <a:solidFill>
-                <a:srgbClr val="1F1F1F"/>
-              </a:solidFill>
-              <a:latin typeface="Calibri" panose="020F0502020204030204" pitchFamily="34" charset="0"/>
-              <a:cs typeface="Calibri" panose="020F0502020204030204" pitchFamily="34" charset="0"/>
-            </a:endParaRPr>
           </a:p>
           <a:p>
             <a:r>
@@ -4456,14 +4400,6 @@
               </a:rPr>
               <a:t>2.   Different types of RNNs.</a:t>
             </a:r>
-            <a:endParaRPr lang="en-IN" sz="1800" i="0" dirty="0">
-              <a:solidFill>
-                <a:srgbClr val="1F1F1F"/>
-              </a:solidFill>
-              <a:effectLst/>
-              <a:latin typeface="Calibri" panose="020F0502020204030204" pitchFamily="34" charset="0"/>
-              <a:cs typeface="Calibri" panose="020F0502020204030204" pitchFamily="34" charset="0"/>
-            </a:endParaRPr>
           </a:p>
           <a:p>
             <a:r>
@@ -4486,13 +4422,6 @@
               </a:rPr>
               <a:t>3.   Language model and Sequence generation.</a:t>
             </a:r>
-            <a:endParaRPr lang="en-IN" dirty="0">
-              <a:solidFill>
-                <a:srgbClr val="1F1F1F"/>
-              </a:solidFill>
-              <a:latin typeface="Calibri" panose="020F0502020204030204" pitchFamily="34" charset="0"/>
-              <a:cs typeface="Calibri" panose="020F0502020204030204" pitchFamily="34" charset="0"/>
-            </a:endParaRPr>
           </a:p>
           <a:p>
             <a:r>
@@ -4517,14 +4446,6 @@
               </a:rPr>
               <a:t>4.   GRU and LSTM.</a:t>
             </a:r>
-            <a:endParaRPr lang="en-IN" sz="1800" i="0" dirty="0">
-              <a:solidFill>
-                <a:srgbClr val="1F1F1F"/>
-              </a:solidFill>
-              <a:effectLst/>
-              <a:latin typeface="Calibri" panose="020F0502020204030204" pitchFamily="34" charset="0"/>
-              <a:cs typeface="Calibri" panose="020F0502020204030204" pitchFamily="34" charset="0"/>
-            </a:endParaRPr>
           </a:p>
           <a:p>
             <a:r>
@@ -4547,13 +4468,6 @@
               </a:rPr>
               <a:t>5.   Word Embeddings.</a:t>
             </a:r>
-            <a:endParaRPr lang="en-IN" dirty="0">
-              <a:solidFill>
-                <a:srgbClr val="1F1F1F"/>
-              </a:solidFill>
-              <a:latin typeface="Calibri" panose="020F0502020204030204" pitchFamily="34" charset="0"/>
-              <a:cs typeface="Calibri" panose="020F0502020204030204" pitchFamily="34" charset="0"/>
-            </a:endParaRPr>
           </a:p>
           <a:p>
             <a:r>
@@ -4578,14 +4492,6 @@
               </a:rPr>
               <a:t>6.   Sequence-to-sequence architecture, Beam algorithm, Error analysis in beam search.</a:t>
             </a:r>
-            <a:endParaRPr lang="en-IN" sz="1800" i="0" dirty="0">
-              <a:solidFill>
-                <a:srgbClr val="1F1F1F"/>
-              </a:solidFill>
-              <a:effectLst/>
-              <a:latin typeface="Calibri" panose="020F0502020204030204" pitchFamily="34" charset="0"/>
-              <a:cs typeface="Calibri" panose="020F0502020204030204" pitchFamily="34" charset="0"/>
-            </a:endParaRPr>
           </a:p>
           <a:p>
             <a:r>
@@ -4652,13 +4558,6 @@
               </a:rPr>
               <a:t>Abhishek Rao</a:t>
             </a:r>
-            <a:endParaRPr lang="en-IN" sz="2800" b="1" dirty="0">
-              <a:solidFill>
-                <a:schemeClr val="bg1">
-                  <a:lumMod val="50000"/>
-                </a:schemeClr>
-              </a:solidFill>
-            </a:endParaRPr>
           </a:p>
         </p:txBody>
       </p:sp>
@@ -4775,9 +4674,6 @@
               </a:rPr>
               <a:t>.  How to build a neural network for classification .</a:t>
             </a:r>
-            <a:endParaRPr lang="en-IN" altLang="en-US" dirty="0">
-              <a:sym typeface="+mn-ea"/>
-            </a:endParaRPr>
           </a:p>
           <a:p>
             <a:pPr indent="0" algn="l">
@@ -4796,9 +4692,6 @@
               </a:rPr>
               <a:t>2.  Shapes and sizes of training data and parameters.</a:t>
             </a:r>
-            <a:endParaRPr lang="en-IN" altLang="en-US" dirty="0">
-              <a:sym typeface="+mn-ea"/>
-            </a:endParaRPr>
           </a:p>
           <a:p>
             <a:pPr indent="0" algn="l">
@@ -4817,9 +4710,6 @@
               </a:rPr>
               <a:t>4.  Forward and Backward propagation.</a:t>
             </a:r>
-            <a:endParaRPr lang="en-IN" altLang="en-US" dirty="0">
-              <a:sym typeface="+mn-ea"/>
-            </a:endParaRPr>
           </a:p>
           <a:p>
             <a:pPr indent="0" algn="l">
@@ -4838,9 +4728,6 @@
               </a:rPr>
               <a:t>5.  Vectorization.</a:t>
             </a:r>
-            <a:endParaRPr lang="en-IN" altLang="en-US" dirty="0">
-              <a:sym typeface="+mn-ea"/>
-            </a:endParaRPr>
           </a:p>
           <a:p>
             <a:pPr indent="0" algn="l">
@@ -4906,9 +4793,6 @@
               </a:rPr>
               <a:t>1.  Regularization – Frobenius norm, Dropout, Early stopping.</a:t>
             </a:r>
-            <a:endParaRPr lang="en-IN" sz="1600" dirty="0">
-              <a:sym typeface="+mn-ea"/>
-            </a:endParaRPr>
           </a:p>
           <a:p>
             <a:pPr indent="0" algn="l">
@@ -4927,9 +4811,6 @@
               </a:rPr>
               <a:t>2.  Concept of weight decay.</a:t>
             </a:r>
-            <a:endParaRPr lang="en-IN" sz="1600" dirty="0">
-              <a:sym typeface="+mn-ea"/>
-            </a:endParaRPr>
           </a:p>
           <a:p>
             <a:pPr indent="0" algn="l">
@@ -4948,9 +4829,6 @@
               </a:rPr>
               <a:t>3.  Methods to reduce overfitting and why we need to normalize inputs. </a:t>
             </a:r>
-            <a:endParaRPr lang="en-IN" sz="1600" dirty="0">
-              <a:sym typeface="+mn-ea"/>
-            </a:endParaRPr>
           </a:p>
           <a:p>
             <a:pPr indent="0" algn="l">
@@ -4969,9 +4847,6 @@
               </a:rPr>
               <a:t>4.  Situations where we need to choose GD and mini-batch GD.</a:t>
             </a:r>
-            <a:endParaRPr lang="en-IN" sz="1600" dirty="0">
-              <a:sym typeface="+mn-ea"/>
-            </a:endParaRPr>
           </a:p>
           <a:p>
             <a:pPr indent="0" algn="l">
@@ -5095,6 +4970,12 @@
               </a:rPr>
               <a:t>Transfer learning and multi-tast learnig.</a:t>
             </a:r>
+          </a:p>
+          <a:p>
+            <a:pPr indent="0">
+              <a:buFont typeface="Arial" panose="020B0604020202020204" pitchFamily="34" charset="0"/>
+              <a:buNone/>
+            </a:pPr>
             <a:endParaRPr lang="en-US" sz="1600">
               <a:sym typeface="+mn-ea"/>
             </a:endParaRPr>
@@ -5104,15 +4985,6 @@
               <a:buFont typeface="Arial" panose="020B0604020202020204" pitchFamily="34" charset="0"/>
               <a:buNone/>
             </a:pPr>
-            <a:endParaRPr lang="en-US" sz="1600">
-              <a:sym typeface="+mn-ea"/>
-            </a:endParaRPr>
-          </a:p>
-          <a:p>
-            <a:pPr indent="0">
-              <a:buFont typeface="Arial" panose="020B0604020202020204" pitchFamily="34" charset="0"/>
-              <a:buNone/>
-            </a:pPr>
             <a:r>
               <a:rPr lang="en-IN" altLang="en-US" sz="1600" b="1">
                 <a:latin typeface="Segoe Print" panose="02000600000000000000" charset="0"/>
@@ -5120,10 +4992,6 @@
               </a:rPr>
               <a:t>COURSE 4: Convolutional neural network.</a:t>
             </a:r>
-            <a:endParaRPr lang="en-IN" altLang="en-US" sz="1600" b="1">
-              <a:latin typeface="Segoe Print" panose="02000600000000000000" charset="0"/>
-              <a:cs typeface="Segoe Print" panose="02000600000000000000" charset="0"/>
-            </a:endParaRPr>
           </a:p>
           <a:p>
             <a:pPr indent="0">
@@ -5143,9 +5011,6 @@
               </a:rPr>
               <a:t>  Convolution,padding, types of layer in convolutional network.</a:t>
             </a:r>
-            <a:endParaRPr lang="en-IN" altLang="en-US" sz="1600">
-              <a:cs typeface="+mn-lt"/>
-            </a:endParaRPr>
           </a:p>
           <a:p>
             <a:pPr indent="0">
@@ -5218,14 +5083,6 @@
               </a:rPr>
               <a:t>Ganiger</a:t>
             </a:r>
-            <a:endParaRPr lang="en-US" sz="2000" b="1" dirty="0" err="1">
-              <a:solidFill>
-                <a:schemeClr val="accent6">
-                  <a:lumMod val="75000"/>
-                </a:schemeClr>
-              </a:solidFill>
-              <a:sym typeface="+mn-ea"/>
-            </a:endParaRPr>
           </a:p>
         </p:txBody>
       </p:sp>
@@ -5327,10 +5184,6 @@
               </a:rPr>
               <a:t> Neural Networks and Deep Learning:</a:t>
             </a:r>
-            <a:endParaRPr lang="en-IN" b="1" i="1" dirty="0">
-              <a:latin typeface="Comic Sans MS" panose="030F0702030302020204" charset="0"/>
-              <a:cs typeface="Comic Sans MS" panose="030F0702030302020204" charset="0"/>
-            </a:endParaRPr>
           </a:p>
           <a:p>
             <a:pPr marL="342900" indent="-342900">
@@ -5341,7 +5194,6 @@
               <a:rPr lang="en-US" dirty="0"/>
               <a:t>Supervised learning with neural network</a:t>
             </a:r>
-            <a:endParaRPr lang="en-US" dirty="0"/>
           </a:p>
           <a:p>
             <a:pPr marL="342900" indent="-342900">
@@ -5352,7 +5204,6 @@
               <a:rPr lang="en-US" dirty="0"/>
               <a:t>Binary Classification and Logistic Regression</a:t>
             </a:r>
-            <a:endParaRPr lang="en-US" dirty="0"/>
           </a:p>
           <a:p>
             <a:pPr marL="342900" indent="-342900">
@@ -5363,7 +5214,6 @@
               <a:rPr lang="en-US" dirty="0"/>
               <a:t>Gradient Descent and Vectorization</a:t>
             </a:r>
-            <a:endParaRPr lang="en-US" dirty="0"/>
           </a:p>
           <a:p>
             <a:pPr marL="342900" indent="-342900">
@@ -5374,7 +5224,6 @@
               <a:rPr lang="en-US" dirty="0"/>
               <a:t>Neural Network Representation</a:t>
             </a:r>
-            <a:endParaRPr lang="en-US" dirty="0"/>
           </a:p>
           <a:p>
             <a:pPr marL="342900" indent="-342900">
@@ -5385,7 +5234,6 @@
               <a:rPr lang="en-US" dirty="0"/>
               <a:t>Forward and Backpropagation</a:t>
             </a:r>
-            <a:endParaRPr lang="en-US" dirty="0"/>
           </a:p>
           <a:p>
             <a:pPr marL="342900" indent="-342900">
@@ -5396,7 +5244,6 @@
               <a:rPr lang="en-US" dirty="0"/>
               <a:t>Parameters vs. Hyperparameters</a:t>
             </a:r>
-            <a:endParaRPr lang="en-US" dirty="0"/>
           </a:p>
           <a:p>
             <a:pPr marL="342900" indent="-342900"/>
@@ -5424,10 +5271,6 @@
               </a:rPr>
               <a:t>Improving Deep Neural Networks: Hyperparameter tuning, Regularization and Optimization:</a:t>
             </a:r>
-            <a:endParaRPr lang="en-US" b="1" i="1" dirty="0">
-              <a:latin typeface="Comic Sans MS" panose="030F0702030302020204" charset="0"/>
-              <a:cs typeface="Comic Sans MS" panose="030F0702030302020204" charset="0"/>
-            </a:endParaRPr>
           </a:p>
           <a:p>
             <a:pPr marL="342900" indent="-342900">
@@ -5438,7 +5281,6 @@
               <a:rPr lang="en-US" dirty="0"/>
               <a:t> Train / Validation and Test Sets</a:t>
             </a:r>
-            <a:endParaRPr lang="en-US" dirty="0"/>
           </a:p>
           <a:p>
             <a:pPr marL="342900" indent="-342900">
@@ -5449,7 +5291,6 @@
               <a:rPr lang="en-US" dirty="0"/>
               <a:t> Bias/Variance</a:t>
             </a:r>
-            <a:endParaRPr lang="en-US" dirty="0"/>
           </a:p>
           <a:p>
             <a:pPr marL="342900" indent="-342900">
@@ -5460,7 +5301,6 @@
               <a:rPr lang="en-US" dirty="0"/>
               <a:t> Regularization</a:t>
             </a:r>
-            <a:endParaRPr lang="en-US" dirty="0"/>
           </a:p>
           <a:p>
             <a:pPr marL="342900" indent="-342900">
@@ -5471,7 +5311,6 @@
               <a:rPr lang="en-US" dirty="0"/>
               <a:t> Normalizing</a:t>
             </a:r>
-            <a:endParaRPr lang="en-US" dirty="0"/>
           </a:p>
           <a:p>
             <a:pPr marL="342900" indent="-342900">
@@ -5482,7 +5321,6 @@
               <a:rPr lang="en-US" dirty="0"/>
               <a:t>Gradient Checking</a:t>
             </a:r>
-            <a:endParaRPr lang="en-US" dirty="0"/>
           </a:p>
           <a:p>
             <a:pPr marL="342900" indent="-342900">
@@ -5493,7 +5331,6 @@
               <a:rPr lang="en-US" dirty="0"/>
               <a:t>Mini batch Gradient descent</a:t>
             </a:r>
-            <a:endParaRPr lang="en-US" dirty="0"/>
           </a:p>
           <a:p>
             <a:pPr marL="342900" indent="-342900">
@@ -5504,7 +5341,6 @@
               <a:rPr lang="en-US" dirty="0"/>
               <a:t>Learning rate decay</a:t>
             </a:r>
-            <a:endParaRPr lang="en-US" dirty="0"/>
           </a:p>
           <a:p>
             <a:pPr marL="342900" indent="-342900">
@@ -5515,7 +5351,6 @@
               <a:rPr lang="en-US" dirty="0"/>
               <a:t>Tuning process</a:t>
             </a:r>
-            <a:endParaRPr lang="en-US" dirty="0"/>
           </a:p>
           <a:p>
             <a:pPr marL="342900" indent="-342900">
@@ -5526,7 +5361,6 @@
               <a:rPr lang="en-US" dirty="0"/>
               <a:t>Softmax Regression </a:t>
             </a:r>
-            <a:endParaRPr lang="en-US" dirty="0"/>
           </a:p>
           <a:p>
             <a:pPr marL="342900" indent="-342900">
@@ -5546,13 +5380,6 @@
               </a:rPr>
               <a:t>                                                                                                                                                           </a:t>
             </a:r>
-            <a:endParaRPr lang="en-US" dirty="0">
-              <a:solidFill>
-                <a:schemeClr val="accent6">
-                  <a:lumMod val="75000"/>
-                </a:schemeClr>
-              </a:solidFill>
-            </a:endParaRPr>
           </a:p>
           <a:p>
             <a:r>
@@ -5585,13 +5412,6 @@
               </a:rPr>
               <a:t>Sakshi Tahlani</a:t>
             </a:r>
-            <a:endParaRPr lang="en-US" sz="2800" b="1" dirty="0">
-              <a:solidFill>
-                <a:schemeClr val="accent6">
-                  <a:lumMod val="75000"/>
-                </a:schemeClr>
-              </a:solidFill>
-            </a:endParaRPr>
           </a:p>
         </p:txBody>
       </p:sp>
@@ -5735,9 +5555,6 @@
               </a:rPr>
               <a:t>Role of training dev set.</a:t>
             </a:r>
-            <a:endParaRPr lang="en-US">
-              <a:sym typeface="+mn-ea"/>
-            </a:endParaRPr>
           </a:p>
           <a:p>
             <a:pPr marL="342900" indent="-342900">
@@ -5896,14 +5713,6 @@
               </a:rPr>
               <a:t>Varun Bohara</a:t>
             </a:r>
-            <a:endParaRPr lang="en-US" sz="2800" b="1" dirty="0">
-              <a:solidFill>
-                <a:schemeClr val="accent6">
-                  <a:lumMod val="75000"/>
-                </a:schemeClr>
-              </a:solidFill>
-              <a:sym typeface="+mn-ea"/>
-            </a:endParaRPr>
           </a:p>
         </p:txBody>
       </p:sp>
@@ -5965,6 +5774,77 @@
               </a:rPr>
               <a:t>YOLO Detection Algorithm</a:t>
             </a:r>
+          </a:p>
+          <a:p>
+            <a:pPr marL="342900" indent="-342900">
+              <a:buFont typeface="Arial" panose="020B0604020202020204" pitchFamily="34" charset="0"/>
+              <a:buAutoNum type="arabicPeriod"/>
+            </a:pPr>
+            <a:r>
+              <a:rPr lang="en-US"/>
+              <a:t>Object detection using conv net.</a:t>
+            </a:r>
+          </a:p>
+          <a:p>
+            <a:pPr marL="342900" indent="-342900">
+              <a:buFont typeface="Arial" panose="020B0604020202020204" pitchFamily="34" charset="0"/>
+              <a:buAutoNum type="arabicPeriod"/>
+            </a:pPr>
+            <a:r>
+              <a:rPr lang="en-US"/>
+              <a:t>Bounding box predictions  </a:t>
+            </a:r>
+          </a:p>
+          <a:p>
+            <a:pPr marL="342900" indent="-342900">
+              <a:buFont typeface="Arial" panose="020B0604020202020204" pitchFamily="34" charset="0"/>
+              <a:buAutoNum type="arabicPeriod"/>
+            </a:pPr>
+            <a:r>
+              <a:rPr lang="en-US"/>
+              <a:t>Intersection over union </a:t>
+            </a:r>
+          </a:p>
+          <a:p>
+            <a:pPr marL="342900" indent="-342900">
+              <a:buFont typeface="Arial" panose="020B0604020202020204" pitchFamily="34" charset="0"/>
+              <a:buAutoNum type="arabicPeriod"/>
+            </a:pPr>
+            <a:r>
+              <a:rPr lang="en-US"/>
+              <a:t>Non max supression</a:t>
+            </a:r>
+          </a:p>
+          <a:p>
+            <a:pPr marL="342900" indent="-342900">
+              <a:buFont typeface="Arial" panose="020B0604020202020204" pitchFamily="34" charset="0"/>
+              <a:buAutoNum type="arabicPeriod"/>
+            </a:pPr>
+            <a:r>
+              <a:rPr lang="en-US"/>
+              <a:t>Anchor box</a:t>
+            </a:r>
+          </a:p>
+          <a:p>
+            <a:pPr marL="342900" indent="-342900">
+              <a:buFont typeface="Arial" panose="020B0604020202020204" pitchFamily="34" charset="0"/>
+              <a:buAutoNum type="arabicPeriod"/>
+            </a:pPr>
+            <a:endParaRPr lang="en-US"/>
+          </a:p>
+          <a:p>
+            <a:pPr indent="0">
+              <a:buFont typeface="Arial" panose="020B0604020202020204" pitchFamily="34" charset="0"/>
+              <a:buNone/>
+            </a:pPr>
+            <a:r>
+              <a:rPr lang="en-US" b="1" i="1">
+                <a:latin typeface="Comic Sans MS" panose="030F0702030302020204" charset="0"/>
+                <a:cs typeface="Comic Sans MS" panose="030F0702030302020204" charset="0"/>
+                <a:sym typeface="+mn-ea"/>
+              </a:rPr>
+              <a:t>COURSE 5-Sequence Models</a:t>
+            </a:r>
             <a:endParaRPr lang="en-US" b="1" i="1">
               <a:latin typeface="Comic Sans MS" panose="030F0702030302020204" charset="0"/>
               <a:cs typeface="Comic Sans MS" panose="030F0702030302020204" charset="0"/>
@@ -5976,91 +5856,65 @@
               <a:buAutoNum type="arabicPeriod"/>
             </a:pPr>
             <a:r>
-              <a:rPr lang="en-US"/>
-              <a:t>Object detection using conv net.</a:t>
-            </a:r>
-            <a:endParaRPr lang="en-US"/>
-          </a:p>
-          <a:p>
-            <a:pPr marL="342900" indent="-342900">
-              <a:buFont typeface="Arial" panose="020B0604020202020204" pitchFamily="34" charset="0"/>
-              <a:buAutoNum type="arabicPeriod"/>
-            </a:pPr>
-            <a:r>
-              <a:rPr lang="en-US"/>
-              <a:t>Bounding box predictions  </a:t>
-            </a:r>
-            <a:endParaRPr lang="en-US"/>
-          </a:p>
-          <a:p>
-            <a:pPr marL="342900" indent="-342900">
-              <a:buFont typeface="Arial" panose="020B0604020202020204" pitchFamily="34" charset="0"/>
-              <a:buAutoNum type="arabicPeriod"/>
-            </a:pPr>
-            <a:r>
-              <a:rPr lang="en-US"/>
-              <a:t>Intersection over union </a:t>
-            </a:r>
-            <a:endParaRPr lang="en-US"/>
-          </a:p>
-          <a:p>
-            <a:pPr marL="342900" indent="-342900">
-              <a:buFont typeface="Arial" panose="020B0604020202020204" pitchFamily="34" charset="0"/>
-              <a:buAutoNum type="arabicPeriod"/>
-            </a:pPr>
-            <a:r>
-              <a:rPr lang="en-US"/>
-              <a:t>Non max supression</a:t>
-            </a:r>
-            <a:endParaRPr lang="en-US"/>
-          </a:p>
-          <a:p>
-            <a:pPr marL="342900" indent="-342900">
-              <a:buFont typeface="Arial" panose="020B0604020202020204" pitchFamily="34" charset="0"/>
-              <a:buAutoNum type="arabicPeriod"/>
-            </a:pPr>
-            <a:r>
-              <a:rPr lang="en-US"/>
-              <a:t>Anchor box</a:t>
-            </a:r>
-            <a:endParaRPr lang="en-US"/>
-          </a:p>
-          <a:p>
-            <a:pPr marL="342900" indent="-342900">
-              <a:buFont typeface="Arial" panose="020B0604020202020204" pitchFamily="34" charset="0"/>
-              <a:buAutoNum type="arabicPeriod"/>
-            </a:pPr>
-            <a:endParaRPr lang="en-US"/>
-          </a:p>
-          <a:p>
-            <a:pPr indent="0">
-              <a:buFont typeface="Arial" panose="020B0604020202020204" pitchFamily="34" charset="0"/>
-              <a:buNone/>
-            </a:pPr>
-            <a:r>
-              <a:rPr lang="en-US" b="1" i="1">
-                <a:latin typeface="Comic Sans MS" panose="030F0702030302020204" charset="0"/>
-                <a:cs typeface="Comic Sans MS" panose="030F0702030302020204" charset="0"/>
-                <a:sym typeface="+mn-ea"/>
-              </a:rPr>
-              <a:t>COURSE 5-Sequence Models</a:t>
-            </a:r>
-            <a:endParaRPr lang="en-US" b="1" i="1">
-              <a:latin typeface="Comic Sans MS" panose="030F0702030302020204" charset="0"/>
-              <a:cs typeface="Comic Sans MS" panose="030F0702030302020204" charset="0"/>
-            </a:endParaRPr>
-          </a:p>
-          <a:p>
-            <a:pPr marL="342900" indent="-342900">
-              <a:buFont typeface="Arial" panose="020B0604020202020204" pitchFamily="34" charset="0"/>
-              <a:buAutoNum type="arabicPeriod"/>
-            </a:pPr>
-            <a:r>
               <a:rPr lang="en-US">
                 <a:sym typeface="+mn-ea"/>
               </a:rPr>
               <a:t>Why RNNs model are preferable over standard neural network model</a:t>
             </a:r>
+          </a:p>
+          <a:p>
+            <a:pPr marL="342900" indent="-342900">
+              <a:buFont typeface="Arial" panose="020B0604020202020204" pitchFamily="34" charset="0"/>
+              <a:buAutoNum type="arabicPeriod"/>
+            </a:pPr>
+            <a:r>
+              <a:rPr lang="en-US">
+                <a:sym typeface="+mn-ea"/>
+              </a:rPr>
+              <a:t>Different types of RNN models</a:t>
+            </a:r>
+          </a:p>
+          <a:p>
+            <a:pPr marL="342900" indent="-342900">
+              <a:buFont typeface="Arial" panose="020B0604020202020204" pitchFamily="34" charset="0"/>
+              <a:buAutoNum type="arabicPeriod"/>
+            </a:pPr>
+            <a:r>
+              <a:rPr lang="en-US">
+                <a:sym typeface="+mn-ea"/>
+              </a:rPr>
+              <a:t>Language modeling and sequence generation.</a:t>
+            </a:r>
+          </a:p>
+          <a:p>
+            <a:pPr marL="342900" indent="-342900">
+              <a:buFont typeface="Arial" panose="020B0604020202020204" pitchFamily="34" charset="0"/>
+              <a:buAutoNum type="arabicPeriod"/>
+            </a:pPr>
+            <a:r>
+              <a:rPr lang="en-US">
+                <a:sym typeface="+mn-ea"/>
+              </a:rPr>
+              <a:t>Sampling novel sequences</a:t>
+            </a:r>
+          </a:p>
+          <a:p>
+            <a:pPr marL="342900" indent="-342900">
+              <a:buFont typeface="Arial" panose="020B0604020202020204" pitchFamily="34" charset="0"/>
+              <a:buAutoNum type="arabicPeriod"/>
+            </a:pPr>
+            <a:r>
+              <a:rPr lang="en-US">
+                <a:sym typeface="+mn-ea"/>
+              </a:rPr>
+              <a:t>Vanishing gradients with RNNs ,GRU and LSTM</a:t>
+            </a:r>
+          </a:p>
+          <a:p>
+            <a:pPr marL="342900" indent="-342900">
+              <a:buFont typeface="Arial" panose="020B0604020202020204" pitchFamily="34" charset="0"/>
+              <a:buAutoNum type="arabicPeriod"/>
+            </a:pPr>
             <a:endParaRPr lang="en-US">
               <a:sym typeface="+mn-ea"/>
             </a:endParaRPr>
@@ -6074,11 +5928,8 @@
               <a:rPr lang="en-US">
                 <a:sym typeface="+mn-ea"/>
               </a:rPr>
-              <a:t>Different types of RNN models</a:t>
-            </a:r>
-            <a:endParaRPr lang="en-US">
-              <a:sym typeface="+mn-ea"/>
-            </a:endParaRPr>
+              <a:t>Generating embedding vector , Analogies  </a:t>
+            </a:r>
           </a:p>
           <a:p>
             <a:pPr marL="342900" indent="-342900">
@@ -6089,11 +5940,8 @@
               <a:rPr lang="en-US">
                 <a:sym typeface="+mn-ea"/>
               </a:rPr>
-              <a:t>Language modeling and sequence generation.</a:t>
-            </a:r>
-            <a:endParaRPr lang="en-US">
-              <a:sym typeface="+mn-ea"/>
-            </a:endParaRPr>
+              <a:t>Context and target embedding words</a:t>
+            </a:r>
           </a:p>
           <a:p>
             <a:pPr marL="342900" indent="-342900">
@@ -6104,11 +5952,8 @@
               <a:rPr lang="en-US">
                 <a:sym typeface="+mn-ea"/>
               </a:rPr>
-              <a:t>Sampling novel sequences</a:t>
-            </a:r>
-            <a:endParaRPr lang="en-US">
-              <a:sym typeface="+mn-ea"/>
-            </a:endParaRPr>
+              <a:t>Word2Vec model </a:t>
+            </a:r>
           </a:p>
           <a:p>
             <a:pPr marL="342900" indent="-342900">
@@ -6119,80 +5964,8 @@
               <a:rPr lang="en-US">
                 <a:sym typeface="+mn-ea"/>
               </a:rPr>
-              <a:t>Vanishing gradients with RNNs ,GRU and LSTM</a:t>
-            </a:r>
-            <a:endParaRPr lang="en-US">
-              <a:sym typeface="+mn-ea"/>
-            </a:endParaRPr>
-          </a:p>
-          <a:p>
-            <a:pPr marL="342900" indent="-342900">
-              <a:buFont typeface="Arial" panose="020B0604020202020204" pitchFamily="34" charset="0"/>
-              <a:buAutoNum type="arabicPeriod"/>
-            </a:pPr>
-            <a:endParaRPr lang="en-US">
-              <a:sym typeface="+mn-ea"/>
-            </a:endParaRPr>
-          </a:p>
-          <a:p>
-            <a:pPr marL="342900" indent="-342900">
-              <a:buFont typeface="Arial" panose="020B0604020202020204" pitchFamily="34" charset="0"/>
-              <a:buAutoNum type="arabicPeriod"/>
-            </a:pPr>
-            <a:r>
-              <a:rPr lang="en-US">
-                <a:sym typeface="+mn-ea"/>
-              </a:rPr>
-              <a:t>Generating embedding vector , Analogies  </a:t>
-            </a:r>
-            <a:endParaRPr lang="en-US">
-              <a:sym typeface="+mn-ea"/>
-            </a:endParaRPr>
-          </a:p>
-          <a:p>
-            <a:pPr marL="342900" indent="-342900">
-              <a:buFont typeface="Arial" panose="020B0604020202020204" pitchFamily="34" charset="0"/>
-              <a:buAutoNum type="arabicPeriod"/>
-            </a:pPr>
-            <a:r>
-              <a:rPr lang="en-US">
-                <a:sym typeface="+mn-ea"/>
-              </a:rPr>
-              <a:t>Context and target embedding words</a:t>
-            </a:r>
-            <a:endParaRPr lang="en-US">
-              <a:sym typeface="+mn-ea"/>
-            </a:endParaRPr>
-          </a:p>
-          <a:p>
-            <a:pPr marL="342900" indent="-342900">
-              <a:buFont typeface="Arial" panose="020B0604020202020204" pitchFamily="34" charset="0"/>
-              <a:buAutoNum type="arabicPeriod"/>
-            </a:pPr>
-            <a:r>
-              <a:rPr lang="en-US">
-                <a:sym typeface="+mn-ea"/>
-              </a:rPr>
-              <a:t>Word2Vec model </a:t>
-            </a:r>
-            <a:endParaRPr lang="en-US">
-              <a:sym typeface="+mn-ea"/>
-            </a:endParaRPr>
-          </a:p>
-          <a:p>
-            <a:pPr marL="342900" indent="-342900">
-              <a:buFont typeface="Arial" panose="020B0604020202020204" pitchFamily="34" charset="0"/>
-              <a:buAutoNum type="arabicPeriod"/>
-            </a:pPr>
-            <a:r>
-              <a:rPr lang="en-US">
-                <a:sym typeface="+mn-ea"/>
-              </a:rPr>
               <a:t>Negative sampling </a:t>
             </a:r>
-            <a:endParaRPr lang="en-US">
-              <a:sym typeface="+mn-ea"/>
-            </a:endParaRPr>
           </a:p>
           <a:p>
             <a:pPr marL="342900" indent="-342900">
@@ -6236,14 +6009,6 @@
               </a:rPr>
               <a:t>Varun Bohara</a:t>
             </a:r>
-            <a:endParaRPr lang="en-US" sz="2800" b="1" dirty="0">
-              <a:solidFill>
-                <a:schemeClr val="accent6">
-                  <a:lumMod val="75000"/>
-                </a:schemeClr>
-              </a:solidFill>
-              <a:sym typeface="+mn-ea"/>
-            </a:endParaRPr>
           </a:p>
         </p:txBody>
       </p:sp>
@@ -6528,6 +6293,8 @@
       </a:bgFillStyleLst>
     </a:fmtScheme>
   </a:themeElements>
+  <a:objectDefaults/>
+  <a:extraClrSchemeLst/>
   <a:extLst>
     <a:ext uri="{05A4C25C-085E-4340-85A3-A5531E510DB2}">
       <thm15:themeFamily xmlns:thm15="http://schemas.microsoft.com/office/thememl/2012/main" name="Office Theme" id="{62F939B6-93AF-4DB8-9C6B-D6C7DFDC589F}" vid="{4A3C46E8-61CC-4603-A589-7422A47A8E4A}"/>

--- a/TOPICS COVERED (updated) (1).pptx
+++ b/TOPICS COVERED (updated) (1).pptx
@@ -5,13 +5,13 @@
     <p:sldMasterId id="2147483648" r:id="rId1"/>
   </p:sldMasterIdLst>
   <p:sldIdLst>
-    <p:sldId id="256" r:id="rId2"/>
-    <p:sldId id="263" r:id="rId3"/>
-    <p:sldId id="268" r:id="rId4"/>
-    <p:sldId id="259" r:id="rId5"/>
-    <p:sldId id="260" r:id="rId6"/>
-    <p:sldId id="262" r:id="rId7"/>
-    <p:sldId id="267" r:id="rId8"/>
+    <p:sldId id="256" r:id="rId3"/>
+    <p:sldId id="263" r:id="rId4"/>
+    <p:sldId id="268" r:id="rId5"/>
+    <p:sldId id="259" r:id="rId6"/>
+    <p:sldId id="260" r:id="rId7"/>
+    <p:sldId id="262" r:id="rId8"/>
+    <p:sldId id="267" r:id="rId9"/>
   </p:sldIdLst>
   <p:sldSz cx="12192000" cy="6858000"/>
   <p:notesSz cx="6858000" cy="9144000"/>
@@ -110,27 +110,11 @@
       </a:defRPr>
     </a:lvl9pPr>
   </p:defaultTextStyle>
-  <p:extLst>
-    <p:ext uri="{EFAFB233-063F-42B5-8137-9DF3F51BA10A}">
-      <p15:sldGuideLst xmlns:p15="http://schemas.microsoft.com/office/powerpoint/2012/main">
-        <p15:guide id="1" orient="horz" pos="2159">
-          <p15:clr>
-            <a:srgbClr val="A4A3A4"/>
-          </p15:clr>
-        </p15:guide>
-        <p15:guide id="2" pos="3882">
-          <p15:clr>
-            <a:srgbClr val="A4A3A4"/>
-          </p15:clr>
-        </p15:guide>
-      </p15:sldGuideLst>
-    </p:ext>
-  </p:extLst>
 </p:presentation>
 </file>
 
 <file path=ppt/slideLayouts/slideLayout1.xml><?xml version="1.0" encoding="utf-8"?>
-<p:sldLayout xmlns:a="http://schemas.openxmlformats.org/drawingml/2006/main" xmlns:r="http://schemas.openxmlformats.org/officeDocument/2006/relationships" xmlns:p="http://schemas.openxmlformats.org/presentationml/2006/main" showMasterSp="0" type="title" preserve="1">
+<p:sldLayout xmlns:a="http://schemas.openxmlformats.org/drawingml/2006/main" xmlns:r="http://schemas.openxmlformats.org/officeDocument/2006/relationships" xmlns:p="http://schemas.openxmlformats.org/presentationml/2006/main" type="title" preserve="1" showMasterSp="0">
   <p:cSld name="Title Slide">
     <p:spTree>
       <p:nvGrpSpPr>
@@ -355,7 +339,6 @@
           <a:p>
             <a:fld id="{DBF1B830-62D1-4319-9804-D7CC6F10675F}" type="datetimeFigureOut">
               <a:rPr lang="en-IN" smtClean="0"/>
-              <a:t>28-09-2020</a:t>
             </a:fld>
             <a:endParaRPr lang="en-IN"/>
           </a:p>
@@ -397,7 +380,6 @@
           <a:p>
             <a:fld id="{636DC7A6-D359-43EB-A5EF-E04DB6E81D15}" type="slidenum">
               <a:rPr lang="en-IN" smtClean="0"/>
-              <a:t>‹#›</a:t>
             </a:fld>
             <a:endParaRPr lang="en-IN"/>
           </a:p>
@@ -509,6 +491,7 @@
               <a:rPr lang="en-US"/>
               <a:t>Click to edit Master text styles</a:t>
             </a:r>
+            <a:endParaRPr lang="en-US"/>
           </a:p>
           <a:p>
             <a:pPr lvl="1"/>
@@ -516,6 +499,7 @@
               <a:rPr lang="en-US"/>
               <a:t>Second level</a:t>
             </a:r>
+            <a:endParaRPr lang="en-US"/>
           </a:p>
           <a:p>
             <a:pPr lvl="2"/>
@@ -523,6 +507,7 @@
               <a:rPr lang="en-US"/>
               <a:t>Third level</a:t>
             </a:r>
+            <a:endParaRPr lang="en-US"/>
           </a:p>
           <a:p>
             <a:pPr lvl="3"/>
@@ -530,6 +515,7 @@
               <a:rPr lang="en-US"/>
               <a:t>Fourth level</a:t>
             </a:r>
+            <a:endParaRPr lang="en-US"/>
           </a:p>
           <a:p>
             <a:pPr lvl="4"/>
@@ -558,7 +544,6 @@
           <a:p>
             <a:fld id="{DBF1B830-62D1-4319-9804-D7CC6F10675F}" type="datetimeFigureOut">
               <a:rPr lang="en-IN" smtClean="0"/>
-              <a:t>28-09-2020</a:t>
             </a:fld>
             <a:endParaRPr lang="en-IN"/>
           </a:p>
@@ -600,7 +585,6 @@
           <a:p>
             <a:fld id="{636DC7A6-D359-43EB-A5EF-E04DB6E81D15}" type="slidenum">
               <a:rPr lang="en-IN" smtClean="0"/>
-              <a:t>‹#›</a:t>
             </a:fld>
             <a:endParaRPr lang="en-IN"/>
           </a:p>
@@ -615,7 +599,7 @@
 </file>
 
 <file path=ppt/slideLayouts/slideLayout11.xml><?xml version="1.0" encoding="utf-8"?>
-<p:sldLayout xmlns:a="http://schemas.openxmlformats.org/drawingml/2006/main" xmlns:r="http://schemas.openxmlformats.org/officeDocument/2006/relationships" xmlns:p="http://schemas.openxmlformats.org/presentationml/2006/main" showMasterSp="0" type="vertTitleAndTx" preserve="1">
+<p:sldLayout xmlns:a="http://schemas.openxmlformats.org/drawingml/2006/main" xmlns:r="http://schemas.openxmlformats.org/officeDocument/2006/relationships" xmlns:p="http://schemas.openxmlformats.org/presentationml/2006/main" type="vertTitleAndTx" preserve="1" showMasterSp="0">
   <p:cSld name="Vertical Title and Text">
     <p:spTree>
       <p:nvGrpSpPr>
@@ -760,6 +744,7 @@
               <a:rPr lang="en-US"/>
               <a:t>Click to edit Master text styles</a:t>
             </a:r>
+            <a:endParaRPr lang="en-US"/>
           </a:p>
           <a:p>
             <a:pPr lvl="1"/>
@@ -767,6 +752,7 @@
               <a:rPr lang="en-US"/>
               <a:t>Second level</a:t>
             </a:r>
+            <a:endParaRPr lang="en-US"/>
           </a:p>
           <a:p>
             <a:pPr lvl="2"/>
@@ -774,6 +760,7 @@
               <a:rPr lang="en-US"/>
               <a:t>Third level</a:t>
             </a:r>
+            <a:endParaRPr lang="en-US"/>
           </a:p>
           <a:p>
             <a:pPr lvl="3"/>
@@ -781,6 +768,7 @@
               <a:rPr lang="en-US"/>
               <a:t>Fourth level</a:t>
             </a:r>
+            <a:endParaRPr lang="en-US"/>
           </a:p>
           <a:p>
             <a:pPr lvl="4"/>
@@ -809,7 +797,6 @@
           <a:p>
             <a:fld id="{DBF1B830-62D1-4319-9804-D7CC6F10675F}" type="datetimeFigureOut">
               <a:rPr lang="en-IN" smtClean="0"/>
-              <a:t>28-09-2020</a:t>
             </a:fld>
             <a:endParaRPr lang="en-IN"/>
           </a:p>
@@ -851,7 +838,6 @@
           <a:p>
             <a:fld id="{636DC7A6-D359-43EB-A5EF-E04DB6E81D15}" type="slidenum">
               <a:rPr lang="en-IN" smtClean="0"/>
-              <a:t>‹#›</a:t>
             </a:fld>
             <a:endParaRPr lang="en-IN"/>
           </a:p>
@@ -929,6 +915,7 @@
               <a:rPr lang="en-US"/>
               <a:t>Click to edit Master text styles</a:t>
             </a:r>
+            <a:endParaRPr lang="en-US"/>
           </a:p>
           <a:p>
             <a:pPr lvl="1"/>
@@ -936,6 +923,7 @@
               <a:rPr lang="en-US"/>
               <a:t>Second level</a:t>
             </a:r>
+            <a:endParaRPr lang="en-US"/>
           </a:p>
           <a:p>
             <a:pPr lvl="2"/>
@@ -943,6 +931,7 @@
               <a:rPr lang="en-US"/>
               <a:t>Third level</a:t>
             </a:r>
+            <a:endParaRPr lang="en-US"/>
           </a:p>
           <a:p>
             <a:pPr lvl="3"/>
@@ -950,6 +939,7 @@
               <a:rPr lang="en-US"/>
               <a:t>Fourth level</a:t>
             </a:r>
+            <a:endParaRPr lang="en-US"/>
           </a:p>
           <a:p>
             <a:pPr lvl="4"/>
@@ -978,7 +968,6 @@
           <a:p>
             <a:fld id="{DBF1B830-62D1-4319-9804-D7CC6F10675F}" type="datetimeFigureOut">
               <a:rPr lang="en-IN" smtClean="0"/>
-              <a:t>28-09-2020</a:t>
             </a:fld>
             <a:endParaRPr lang="en-IN"/>
           </a:p>
@@ -1020,7 +1009,6 @@
           <a:p>
             <a:fld id="{636DC7A6-D359-43EB-A5EF-E04DB6E81D15}" type="slidenum">
               <a:rPr lang="en-IN" smtClean="0"/>
-              <a:t>‹#›</a:t>
             </a:fld>
             <a:endParaRPr lang="en-IN"/>
           </a:p>
@@ -1035,7 +1023,7 @@
 </file>
 
 <file path=ppt/slideLayouts/slideLayout3.xml><?xml version="1.0" encoding="utf-8"?>
-<p:sldLayout xmlns:a="http://schemas.openxmlformats.org/drawingml/2006/main" xmlns:r="http://schemas.openxmlformats.org/officeDocument/2006/relationships" xmlns:p="http://schemas.openxmlformats.org/presentationml/2006/main" showMasterSp="0" type="secHead" preserve="1">
+<p:sldLayout xmlns:a="http://schemas.openxmlformats.org/drawingml/2006/main" xmlns:r="http://schemas.openxmlformats.org/officeDocument/2006/relationships" xmlns:p="http://schemas.openxmlformats.org/presentationml/2006/main" type="secHead" preserve="1" showMasterSp="0">
   <p:cSld name="Section Header">
     <p:bg>
       <p:bgPr>
@@ -1296,6 +1284,7 @@
               <a:rPr lang="en-US"/>
               <a:t>Click to edit Master text styles</a:t>
             </a:r>
+            <a:endParaRPr lang="en-US"/>
           </a:p>
         </p:txBody>
       </p:sp>
@@ -1316,7 +1305,6 @@
           <a:p>
             <a:fld id="{DBF1B830-62D1-4319-9804-D7CC6F10675F}" type="datetimeFigureOut">
               <a:rPr lang="en-IN" smtClean="0"/>
-              <a:t>28-09-2020</a:t>
             </a:fld>
             <a:endParaRPr lang="en-IN"/>
           </a:p>
@@ -1358,7 +1346,6 @@
           <a:p>
             <a:fld id="{636DC7A6-D359-43EB-A5EF-E04DB6E81D15}" type="slidenum">
               <a:rPr lang="en-IN" smtClean="0"/>
-              <a:t>‹#›</a:t>
             </a:fld>
             <a:endParaRPr lang="en-IN"/>
           </a:p>
@@ -1480,6 +1467,7 @@
               <a:rPr lang="en-US"/>
               <a:t>Click to edit Master text styles</a:t>
             </a:r>
+            <a:endParaRPr lang="en-US"/>
           </a:p>
           <a:p>
             <a:pPr lvl="1"/>
@@ -1487,6 +1475,7 @@
               <a:rPr lang="en-US"/>
               <a:t>Second level</a:t>
             </a:r>
+            <a:endParaRPr lang="en-US"/>
           </a:p>
           <a:p>
             <a:pPr lvl="2"/>
@@ -1494,6 +1483,7 @@
               <a:rPr lang="en-US"/>
               <a:t>Third level</a:t>
             </a:r>
+            <a:endParaRPr lang="en-US"/>
           </a:p>
           <a:p>
             <a:pPr lvl="3"/>
@@ -1501,6 +1491,7 @@
               <a:rPr lang="en-US"/>
               <a:t>Fourth level</a:t>
             </a:r>
+            <a:endParaRPr lang="en-US"/>
           </a:p>
           <a:p>
             <a:pPr lvl="4"/>
@@ -1537,6 +1528,7 @@
               <a:rPr lang="en-US"/>
               <a:t>Click to edit Master text styles</a:t>
             </a:r>
+            <a:endParaRPr lang="en-US"/>
           </a:p>
           <a:p>
             <a:pPr lvl="1"/>
@@ -1544,6 +1536,7 @@
               <a:rPr lang="en-US"/>
               <a:t>Second level</a:t>
             </a:r>
+            <a:endParaRPr lang="en-US"/>
           </a:p>
           <a:p>
             <a:pPr lvl="2"/>
@@ -1551,6 +1544,7 @@
               <a:rPr lang="en-US"/>
               <a:t>Third level</a:t>
             </a:r>
+            <a:endParaRPr lang="en-US"/>
           </a:p>
           <a:p>
             <a:pPr lvl="3"/>
@@ -1558,6 +1552,7 @@
               <a:rPr lang="en-US"/>
               <a:t>Fourth level</a:t>
             </a:r>
+            <a:endParaRPr lang="en-US"/>
           </a:p>
           <a:p>
             <a:pPr lvl="4"/>
@@ -1586,7 +1581,6 @@
           <a:p>
             <a:fld id="{DBF1B830-62D1-4319-9804-D7CC6F10675F}" type="datetimeFigureOut">
               <a:rPr lang="en-IN" smtClean="0"/>
-              <a:t>28-09-2020</a:t>
             </a:fld>
             <a:endParaRPr lang="en-IN"/>
           </a:p>
@@ -1628,7 +1622,6 @@
           <a:p>
             <a:fld id="{636DC7A6-D359-43EB-A5EF-E04DB6E81D15}" type="slidenum">
               <a:rPr lang="en-IN" smtClean="0"/>
-              <a:t>‹#›</a:t>
             </a:fld>
             <a:endParaRPr lang="en-IN"/>
           </a:p>
@@ -1755,6 +1748,7 @@
               <a:rPr lang="en-US"/>
               <a:t>Click to edit Master text styles</a:t>
             </a:r>
+            <a:endParaRPr lang="en-US"/>
           </a:p>
         </p:txBody>
       </p:sp>
@@ -1783,6 +1777,7 @@
               <a:rPr lang="en-US"/>
               <a:t>Click to edit Master text styles</a:t>
             </a:r>
+            <a:endParaRPr lang="en-US"/>
           </a:p>
           <a:p>
             <a:pPr lvl="1"/>
@@ -1790,6 +1785,7 @@
               <a:rPr lang="en-US"/>
               <a:t>Second level</a:t>
             </a:r>
+            <a:endParaRPr lang="en-US"/>
           </a:p>
           <a:p>
             <a:pPr lvl="2"/>
@@ -1797,6 +1793,7 @@
               <a:rPr lang="en-US"/>
               <a:t>Third level</a:t>
             </a:r>
+            <a:endParaRPr lang="en-US"/>
           </a:p>
           <a:p>
             <a:pPr lvl="3"/>
@@ -1804,6 +1801,7 @@
               <a:rPr lang="en-US"/>
               <a:t>Fourth level</a:t>
             </a:r>
+            <a:endParaRPr lang="en-US"/>
           </a:p>
           <a:p>
             <a:pPr lvl="4"/>
@@ -1883,6 +1881,7 @@
               <a:rPr lang="en-US"/>
               <a:t>Click to edit Master text styles</a:t>
             </a:r>
+            <a:endParaRPr lang="en-US"/>
           </a:p>
         </p:txBody>
       </p:sp>
@@ -1911,6 +1910,7 @@
               <a:rPr lang="en-US"/>
               <a:t>Click to edit Master text styles</a:t>
             </a:r>
+            <a:endParaRPr lang="en-US"/>
           </a:p>
           <a:p>
             <a:pPr lvl="1"/>
@@ -1918,6 +1918,7 @@
               <a:rPr lang="en-US"/>
               <a:t>Second level</a:t>
             </a:r>
+            <a:endParaRPr lang="en-US"/>
           </a:p>
           <a:p>
             <a:pPr lvl="2"/>
@@ -1925,6 +1926,7 @@
               <a:rPr lang="en-US"/>
               <a:t>Third level</a:t>
             </a:r>
+            <a:endParaRPr lang="en-US"/>
           </a:p>
           <a:p>
             <a:pPr lvl="3"/>
@@ -1932,6 +1934,7 @@
               <a:rPr lang="en-US"/>
               <a:t>Fourth level</a:t>
             </a:r>
+            <a:endParaRPr lang="en-US"/>
           </a:p>
           <a:p>
             <a:pPr lvl="4"/>
@@ -1960,7 +1963,6 @@
           <a:p>
             <a:fld id="{DBF1B830-62D1-4319-9804-D7CC6F10675F}" type="datetimeFigureOut">
               <a:rPr lang="en-IN" smtClean="0"/>
-              <a:t>28-09-2020</a:t>
             </a:fld>
             <a:endParaRPr lang="en-IN"/>
           </a:p>
@@ -2002,7 +2004,6 @@
           <a:p>
             <a:fld id="{636DC7A6-D359-43EB-A5EF-E04DB6E81D15}" type="slidenum">
               <a:rPr lang="en-IN" smtClean="0"/>
-              <a:t>‹#›</a:t>
             </a:fld>
             <a:endParaRPr lang="en-IN"/>
           </a:p>
@@ -2073,7 +2074,6 @@
           <a:p>
             <a:fld id="{DBF1B830-62D1-4319-9804-D7CC6F10675F}" type="datetimeFigureOut">
               <a:rPr lang="en-IN" smtClean="0"/>
-              <a:t>28-09-2020</a:t>
             </a:fld>
             <a:endParaRPr lang="en-IN"/>
           </a:p>
@@ -2115,7 +2115,6 @@
           <a:p>
             <a:fld id="{636DC7A6-D359-43EB-A5EF-E04DB6E81D15}" type="slidenum">
               <a:rPr lang="en-IN" smtClean="0"/>
-              <a:t>‹#›</a:t>
             </a:fld>
             <a:endParaRPr lang="en-IN"/>
           </a:p>
@@ -2130,7 +2129,7 @@
 </file>
 
 <file path=ppt/slideLayouts/slideLayout7.xml><?xml version="1.0" encoding="utf-8"?>
-<p:sldLayout xmlns:a="http://schemas.openxmlformats.org/drawingml/2006/main" xmlns:r="http://schemas.openxmlformats.org/officeDocument/2006/relationships" xmlns:p="http://schemas.openxmlformats.org/presentationml/2006/main" showMasterSp="0" type="blank" preserve="1">
+<p:sldLayout xmlns:a="http://schemas.openxmlformats.org/drawingml/2006/main" xmlns:r="http://schemas.openxmlformats.org/officeDocument/2006/relationships" xmlns:p="http://schemas.openxmlformats.org/presentationml/2006/main" type="blank" preserve="1" showMasterSp="0">
   <p:cSld name="Blank">
     <p:spTree>
       <p:nvGrpSpPr>
@@ -2239,7 +2238,6 @@
           <a:p>
             <a:fld id="{DBF1B830-62D1-4319-9804-D7CC6F10675F}" type="datetimeFigureOut">
               <a:rPr lang="en-IN" smtClean="0"/>
-              <a:t>28-09-2020</a:t>
             </a:fld>
             <a:endParaRPr lang="en-IN"/>
           </a:p>
@@ -2289,7 +2287,6 @@
           <a:p>
             <a:fld id="{636DC7A6-D359-43EB-A5EF-E04DB6E81D15}" type="slidenum">
               <a:rPr lang="en-IN" smtClean="0"/>
-              <a:t>‹#›</a:t>
             </a:fld>
             <a:endParaRPr lang="en-IN"/>
           </a:p>
@@ -2304,7 +2301,7 @@
 </file>
 
 <file path=ppt/slideLayouts/slideLayout8.xml><?xml version="1.0" encoding="utf-8"?>
-<p:sldLayout xmlns:a="http://schemas.openxmlformats.org/drawingml/2006/main" xmlns:r="http://schemas.openxmlformats.org/officeDocument/2006/relationships" xmlns:p="http://schemas.openxmlformats.org/presentationml/2006/main" showMasterSp="0" type="objTx" preserve="1">
+<p:sldLayout xmlns:a="http://schemas.openxmlformats.org/drawingml/2006/main" xmlns:r="http://schemas.openxmlformats.org/officeDocument/2006/relationships" xmlns:p="http://schemas.openxmlformats.org/presentationml/2006/main" type="objTx" preserve="1" showMasterSp="0">
   <p:cSld name="Content with Caption">
     <p:spTree>
       <p:nvGrpSpPr>
@@ -2459,6 +2456,7 @@
               <a:rPr lang="en-US"/>
               <a:t>Click to edit Master text styles</a:t>
             </a:r>
+            <a:endParaRPr lang="en-US"/>
           </a:p>
           <a:p>
             <a:pPr lvl="1"/>
@@ -2466,6 +2464,7 @@
               <a:rPr lang="en-US"/>
               <a:t>Second level</a:t>
             </a:r>
+            <a:endParaRPr lang="en-US"/>
           </a:p>
           <a:p>
             <a:pPr lvl="2"/>
@@ -2473,6 +2472,7 @@
               <a:rPr lang="en-US"/>
               <a:t>Third level</a:t>
             </a:r>
+            <a:endParaRPr lang="en-US"/>
           </a:p>
           <a:p>
             <a:pPr lvl="3"/>
@@ -2480,6 +2480,7 @@
               <a:rPr lang="en-US"/>
               <a:t>Fourth level</a:t>
             </a:r>
+            <a:endParaRPr lang="en-US"/>
           </a:p>
           <a:p>
             <a:pPr lvl="4"/>
@@ -2559,6 +2560,7 @@
               <a:rPr lang="en-US"/>
               <a:t>Click to edit Master text styles</a:t>
             </a:r>
+            <a:endParaRPr lang="en-US"/>
           </a:p>
         </p:txBody>
       </p:sp>
@@ -2588,7 +2590,6 @@
           <a:p>
             <a:fld id="{DBF1B830-62D1-4319-9804-D7CC6F10675F}" type="datetimeFigureOut">
               <a:rPr lang="en-IN" smtClean="0"/>
-              <a:t>28-09-2020</a:t>
             </a:fld>
             <a:endParaRPr lang="en-IN"/>
           </a:p>
@@ -2651,7 +2652,6 @@
           <a:p>
             <a:fld id="{636DC7A6-D359-43EB-A5EF-E04DB6E81D15}" type="slidenum">
               <a:rPr lang="en-IN" smtClean="0"/>
-              <a:t>‹#›</a:t>
             </a:fld>
             <a:endParaRPr lang="en-IN"/>
           </a:p>
@@ -2666,7 +2666,7 @@
 </file>
 
 <file path=ppt/slideLayouts/slideLayout9.xml><?xml version="1.0" encoding="utf-8"?>
-<p:sldLayout xmlns:a="http://schemas.openxmlformats.org/drawingml/2006/main" xmlns:r="http://schemas.openxmlformats.org/officeDocument/2006/relationships" xmlns:p="http://schemas.openxmlformats.org/presentationml/2006/main" showMasterSp="0" type="picTx" preserve="1">
+<p:sldLayout xmlns:a="http://schemas.openxmlformats.org/drawingml/2006/main" xmlns:r="http://schemas.openxmlformats.org/officeDocument/2006/relationships" xmlns:p="http://schemas.openxmlformats.org/presentationml/2006/main" type="picTx" preserve="1" showMasterSp="0">
   <p:cSld name="Picture with Caption">
     <p:spTree>
       <p:nvGrpSpPr>
@@ -2945,6 +2945,7 @@
               <a:rPr lang="en-US"/>
               <a:t>Click to edit Master text styles</a:t>
             </a:r>
+            <a:endParaRPr lang="en-US"/>
           </a:p>
         </p:txBody>
       </p:sp>
@@ -2965,7 +2966,6 @@
           <a:p>
             <a:fld id="{DBF1B830-62D1-4319-9804-D7CC6F10675F}" type="datetimeFigureOut">
               <a:rPr lang="en-IN" smtClean="0"/>
-              <a:t>28-09-2020</a:t>
             </a:fld>
             <a:endParaRPr lang="en-IN"/>
           </a:p>
@@ -3007,7 +3007,6 @@
           <a:p>
             <a:fld id="{636DC7A6-D359-43EB-A5EF-E04DB6E81D15}" type="slidenum">
               <a:rPr lang="en-IN" smtClean="0"/>
-              <a:t>‹#›</a:t>
             </a:fld>
             <a:endParaRPr lang="en-IN"/>
           </a:p>
@@ -3182,6 +3181,7 @@
               <a:rPr lang="en-US"/>
               <a:t>Click to edit Master text styles</a:t>
             </a:r>
+            <a:endParaRPr lang="en-US"/>
           </a:p>
           <a:p>
             <a:pPr lvl="1"/>
@@ -3189,6 +3189,7 @@
               <a:rPr lang="en-US"/>
               <a:t>Second level</a:t>
             </a:r>
+            <a:endParaRPr lang="en-US"/>
           </a:p>
           <a:p>
             <a:pPr lvl="2"/>
@@ -3196,6 +3197,7 @@
               <a:rPr lang="en-US"/>
               <a:t>Third level</a:t>
             </a:r>
+            <a:endParaRPr lang="en-US"/>
           </a:p>
           <a:p>
             <a:pPr lvl="3"/>
@@ -3203,6 +3205,7 @@
               <a:rPr lang="en-US"/>
               <a:t>Fourth level</a:t>
             </a:r>
+            <a:endParaRPr lang="en-US"/>
           </a:p>
           <a:p>
             <a:pPr lvl="4"/>
@@ -3247,7 +3250,6 @@
           <a:p>
             <a:fld id="{DBF1B830-62D1-4319-9804-D7CC6F10675F}" type="datetimeFigureOut">
               <a:rPr lang="en-IN" smtClean="0"/>
-              <a:t>28-09-2020</a:t>
             </a:fld>
             <a:endParaRPr lang="en-IN"/>
           </a:p>
@@ -3321,7 +3323,6 @@
           <a:p>
             <a:fld id="{636DC7A6-D359-43EB-A5EF-E04DB6E81D15}" type="slidenum">
               <a:rPr lang="en-IN" smtClean="0"/>
-              <a:t>‹#›</a:t>
             </a:fld>
             <a:endParaRPr lang="en-IN"/>
           </a:p>
@@ -3817,6 +3818,13 @@
                 <a:sym typeface="+mn-ea"/>
               </a:rPr>
             </a:br>
+            <a:r>
+              <a:rPr lang="en-US" altLang="en-IN" sz="3200">
+                <a:latin typeface="Agency FB" panose="020B0503020202020204" pitchFamily="34" charset="0"/>
+                <a:sym typeface="+mn-ea"/>
+              </a:rPr>
+              <a:t>heasdfaasdgasdg</a:t>
+            </a:r>
             <a:endParaRPr lang="en-US" altLang="en-IN" sz="3200" dirty="0">
               <a:latin typeface="Agency FB" panose="020B0503020202020204" pitchFamily="34" charset="0"/>
               <a:sym typeface="+mn-ea"/>
@@ -3916,6 +3924,13 @@
               </a:rPr>
               <a:t>Improving Deep Neural Networks: Hyperparameter tuning, 	Regularization and Optimization</a:t>
             </a:r>
+            <a:endParaRPr lang="en-US" sz="1600" b="1" i="0" dirty="0">
+              <a:solidFill>
+                <a:srgbClr val="1F1F1F"/>
+              </a:solidFill>
+              <a:effectLst/>
+              <a:latin typeface="Open Sans"/>
+            </a:endParaRPr>
           </a:p>
           <a:p>
             <a:endParaRPr lang="en-IN" sz="1800" dirty="0"/>
@@ -3952,6 +3967,7 @@
               <a:rPr lang="en-IN" dirty="0"/>
               <a:t>Train/Dev/Test sets, Bias and Variance.</a:t>
             </a:r>
+            <a:endParaRPr lang="en-IN" dirty="0"/>
           </a:p>
           <a:p>
             <a:pPr marL="342900" indent="-342900">
@@ -3962,6 +3978,7 @@
               <a:rPr lang="en-IN" dirty="0"/>
               <a:t>Regularization – Frobenius norm, Dropout, Early stopping.</a:t>
             </a:r>
+            <a:endParaRPr lang="en-IN" dirty="0"/>
           </a:p>
           <a:p>
             <a:pPr marL="342900" indent="-342900">
@@ -3972,6 +3989,7 @@
               <a:rPr lang="en-IN" dirty="0"/>
               <a:t>Normalizing inputs, Weight initialization(ReLU , tanh), Gradient checking.</a:t>
             </a:r>
+            <a:endParaRPr lang="en-IN" dirty="0"/>
           </a:p>
           <a:p>
             <a:pPr marL="342900" indent="-342900">
@@ -3982,6 +4000,7 @@
               <a:rPr lang="en-IN" dirty="0"/>
               <a:t>Optimization algorithms – Mini-batch gradient descent, Gradient descent with momentum, RMSprop, Adam.</a:t>
             </a:r>
+            <a:endParaRPr lang="en-IN" dirty="0"/>
           </a:p>
           <a:p>
             <a:pPr marL="342900" indent="-342900">
@@ -3992,6 +4011,7 @@
               <a:rPr lang="en-IN" dirty="0"/>
               <a:t>Hyperparameter tuning, Batch normalization(Why does batch norm work ?), Softmax regression.</a:t>
             </a:r>
+            <a:endParaRPr lang="en-IN" dirty="0"/>
           </a:p>
         </p:txBody>
       </p:sp>
@@ -4054,6 +4074,13 @@
               </a:rPr>
               <a:t>Structuring Machine Learning Projects</a:t>
             </a:r>
+            <a:endParaRPr lang="en-IN" sz="1600" b="1" i="0" dirty="0">
+              <a:solidFill>
+                <a:srgbClr val="1F1F1F"/>
+              </a:solidFill>
+              <a:effectLst/>
+              <a:latin typeface="Open Sans"/>
+            </a:endParaRPr>
           </a:p>
           <a:p>
             <a:endParaRPr lang="en-IN" sz="1600" b="1" dirty="0">
@@ -4092,6 +4119,7 @@
               <a:rPr lang="en-IN" dirty="0"/>
               <a:t>Orthogonalization, Satisficing and optimizing metric.</a:t>
             </a:r>
+            <a:endParaRPr lang="en-IN" dirty="0"/>
           </a:p>
           <a:p>
             <a:pPr marL="342900" indent="-342900">
@@ -4102,6 +4130,7 @@
               <a:rPr lang="en-IN" dirty="0"/>
               <a:t>Comparing to human – level performance(Human Error, Training Error, Dev Error).</a:t>
             </a:r>
+            <a:endParaRPr lang="en-IN" dirty="0"/>
           </a:p>
           <a:p>
             <a:pPr marL="342900" indent="-342900">
@@ -4112,6 +4141,7 @@
               <a:rPr lang="en-IN" dirty="0"/>
               <a:t>Error analysis, Mismatched training set and dev/test sets.</a:t>
             </a:r>
+            <a:endParaRPr lang="en-IN" dirty="0"/>
           </a:p>
           <a:p>
             <a:pPr marL="342900" indent="-342900">
@@ -4122,6 +4152,7 @@
               <a:rPr lang="en-IN" dirty="0"/>
               <a:t>Transfer learning, End-to-end deep learning .</a:t>
             </a:r>
+            <a:endParaRPr lang="en-IN" dirty="0"/>
           </a:p>
         </p:txBody>
       </p:sp>
@@ -4158,6 +4189,13 @@
               </a:rPr>
               <a:t>Abhishek Rao</a:t>
             </a:r>
+            <a:endParaRPr lang="en-IN" sz="2800" b="1" dirty="0">
+              <a:solidFill>
+                <a:schemeClr val="bg1">
+                  <a:lumMod val="50000"/>
+                </a:schemeClr>
+              </a:solidFill>
+            </a:endParaRPr>
           </a:p>
         </p:txBody>
       </p:sp>
@@ -4241,6 +4279,7 @@
               <a:rPr lang="en-IN" dirty="0"/>
               <a:t>Padding, Strided Convolutions.</a:t>
             </a:r>
+            <a:endParaRPr lang="en-IN" dirty="0"/>
           </a:p>
           <a:p>
             <a:pPr marL="342900" indent="-342900">
@@ -4251,6 +4290,7 @@
               <a:rPr lang="en-IN" dirty="0"/>
               <a:t>Classic Networks. </a:t>
             </a:r>
+            <a:endParaRPr lang="en-IN" dirty="0"/>
           </a:p>
           <a:p>
             <a:pPr marL="342900" indent="-342900">
@@ -4260,6 +4300,7 @@
               <a:rPr lang="en-IN" dirty="0"/>
               <a:t>Inception Network.</a:t>
             </a:r>
+            <a:endParaRPr lang="en-IN" dirty="0"/>
           </a:p>
           <a:p>
             <a:pPr marL="342900" indent="-342900">
@@ -4269,6 +4310,7 @@
               <a:rPr lang="en-IN" dirty="0"/>
               <a:t>Detection Algorithms – Object localization, Landmark detection, Sliding window, YOLO.  </a:t>
             </a:r>
+            <a:endParaRPr lang="en-IN" dirty="0"/>
           </a:p>
         </p:txBody>
       </p:sp>
@@ -4336,6 +4378,13 @@
               </a:rPr>
               <a:t>Sequence Models</a:t>
             </a:r>
+            <a:endParaRPr lang="en-IN" b="1" dirty="0">
+              <a:solidFill>
+                <a:srgbClr val="1F1F1F"/>
+              </a:solidFill>
+              <a:latin typeface="Open Sans"/>
+              <a:cs typeface="Comic Sans MS" panose="030F0702030302020204" charset="0"/>
+            </a:endParaRPr>
           </a:p>
           <a:p>
             <a:endParaRPr lang="en-IN" sz="1800" b="1" i="0" dirty="0">
@@ -4377,6 +4426,13 @@
               </a:rPr>
               <a:t>Why not standard networks ?</a:t>
             </a:r>
+            <a:endParaRPr lang="en-IN" dirty="0">
+              <a:solidFill>
+                <a:srgbClr val="1F1F1F"/>
+              </a:solidFill>
+              <a:latin typeface="Calibri" panose="020F0502020204030204" pitchFamily="34" charset="0"/>
+              <a:cs typeface="Calibri" panose="020F0502020204030204" pitchFamily="34" charset="0"/>
+            </a:endParaRPr>
           </a:p>
           <a:p>
             <a:r>
@@ -4400,6 +4456,14 @@
               </a:rPr>
               <a:t>2.   Different types of RNNs.</a:t>
             </a:r>
+            <a:endParaRPr lang="en-IN" sz="1800" i="0" dirty="0">
+              <a:solidFill>
+                <a:srgbClr val="1F1F1F"/>
+              </a:solidFill>
+              <a:effectLst/>
+              <a:latin typeface="Calibri" panose="020F0502020204030204" pitchFamily="34" charset="0"/>
+              <a:cs typeface="Calibri" panose="020F0502020204030204" pitchFamily="34" charset="0"/>
+            </a:endParaRPr>
           </a:p>
           <a:p>
             <a:r>
@@ -4422,6 +4486,13 @@
               </a:rPr>
               <a:t>3.   Language model and Sequence generation.</a:t>
             </a:r>
+            <a:endParaRPr lang="en-IN" dirty="0">
+              <a:solidFill>
+                <a:srgbClr val="1F1F1F"/>
+              </a:solidFill>
+              <a:latin typeface="Calibri" panose="020F0502020204030204" pitchFamily="34" charset="0"/>
+              <a:cs typeface="Calibri" panose="020F0502020204030204" pitchFamily="34" charset="0"/>
+            </a:endParaRPr>
           </a:p>
           <a:p>
             <a:r>
@@ -4446,6 +4517,14 @@
               </a:rPr>
               <a:t>4.   GRU and LSTM.</a:t>
             </a:r>
+            <a:endParaRPr lang="en-IN" sz="1800" i="0" dirty="0">
+              <a:solidFill>
+                <a:srgbClr val="1F1F1F"/>
+              </a:solidFill>
+              <a:effectLst/>
+              <a:latin typeface="Calibri" panose="020F0502020204030204" pitchFamily="34" charset="0"/>
+              <a:cs typeface="Calibri" panose="020F0502020204030204" pitchFamily="34" charset="0"/>
+            </a:endParaRPr>
           </a:p>
           <a:p>
             <a:r>
@@ -4468,6 +4547,13 @@
               </a:rPr>
               <a:t>5.   Word Embeddings.</a:t>
             </a:r>
+            <a:endParaRPr lang="en-IN" dirty="0">
+              <a:solidFill>
+                <a:srgbClr val="1F1F1F"/>
+              </a:solidFill>
+              <a:latin typeface="Calibri" panose="020F0502020204030204" pitchFamily="34" charset="0"/>
+              <a:cs typeface="Calibri" panose="020F0502020204030204" pitchFamily="34" charset="0"/>
+            </a:endParaRPr>
           </a:p>
           <a:p>
             <a:r>
@@ -4492,6 +4578,14 @@
               </a:rPr>
               <a:t>6.   Sequence-to-sequence architecture, Beam algorithm, Error analysis in beam search.</a:t>
             </a:r>
+            <a:endParaRPr lang="en-IN" sz="1800" i="0" dirty="0">
+              <a:solidFill>
+                <a:srgbClr val="1F1F1F"/>
+              </a:solidFill>
+              <a:effectLst/>
+              <a:latin typeface="Calibri" panose="020F0502020204030204" pitchFamily="34" charset="0"/>
+              <a:cs typeface="Calibri" panose="020F0502020204030204" pitchFamily="34" charset="0"/>
+            </a:endParaRPr>
           </a:p>
           <a:p>
             <a:r>
@@ -4558,6 +4652,13 @@
               </a:rPr>
               <a:t>Abhishek Rao</a:t>
             </a:r>
+            <a:endParaRPr lang="en-IN" sz="2800" b="1" dirty="0">
+              <a:solidFill>
+                <a:schemeClr val="bg1">
+                  <a:lumMod val="50000"/>
+                </a:schemeClr>
+              </a:solidFill>
+            </a:endParaRPr>
           </a:p>
         </p:txBody>
       </p:sp>
@@ -4674,6 +4775,9 @@
               </a:rPr>
               <a:t>.  How to build a neural network for classification .</a:t>
             </a:r>
+            <a:endParaRPr lang="en-IN" altLang="en-US" dirty="0">
+              <a:sym typeface="+mn-ea"/>
+            </a:endParaRPr>
           </a:p>
           <a:p>
             <a:pPr indent="0" algn="l">
@@ -4692,6 +4796,9 @@
               </a:rPr>
               <a:t>2.  Shapes and sizes of training data and parameters.</a:t>
             </a:r>
+            <a:endParaRPr lang="en-IN" altLang="en-US" dirty="0">
+              <a:sym typeface="+mn-ea"/>
+            </a:endParaRPr>
           </a:p>
           <a:p>
             <a:pPr indent="0" algn="l">
@@ -4710,6 +4817,9 @@
               </a:rPr>
               <a:t>4.  Forward and Backward propagation.</a:t>
             </a:r>
+            <a:endParaRPr lang="en-IN" altLang="en-US" dirty="0">
+              <a:sym typeface="+mn-ea"/>
+            </a:endParaRPr>
           </a:p>
           <a:p>
             <a:pPr indent="0" algn="l">
@@ -4728,6 +4838,9 @@
               </a:rPr>
               <a:t>5.  Vectorization.</a:t>
             </a:r>
+            <a:endParaRPr lang="en-IN" altLang="en-US" dirty="0">
+              <a:sym typeface="+mn-ea"/>
+            </a:endParaRPr>
           </a:p>
           <a:p>
             <a:pPr indent="0" algn="l">
@@ -4793,6 +4906,9 @@
               </a:rPr>
               <a:t>1.  Regularization – Frobenius norm, Dropout, Early stopping.</a:t>
             </a:r>
+            <a:endParaRPr lang="en-IN" sz="1600" dirty="0">
+              <a:sym typeface="+mn-ea"/>
+            </a:endParaRPr>
           </a:p>
           <a:p>
             <a:pPr indent="0" algn="l">
@@ -4811,6 +4927,9 @@
               </a:rPr>
               <a:t>2.  Concept of weight decay.</a:t>
             </a:r>
+            <a:endParaRPr lang="en-IN" sz="1600" dirty="0">
+              <a:sym typeface="+mn-ea"/>
+            </a:endParaRPr>
           </a:p>
           <a:p>
             <a:pPr indent="0" algn="l">
@@ -4829,6 +4948,9 @@
               </a:rPr>
               <a:t>3.  Methods to reduce overfitting and why we need to normalize inputs. </a:t>
             </a:r>
+            <a:endParaRPr lang="en-IN" sz="1600" dirty="0">
+              <a:sym typeface="+mn-ea"/>
+            </a:endParaRPr>
           </a:p>
           <a:p>
             <a:pPr indent="0" algn="l">
@@ -4847,6 +4969,9 @@
               </a:rPr>
               <a:t>4.  Situations where we need to choose GD and mini-batch GD.</a:t>
             </a:r>
+            <a:endParaRPr lang="en-IN" sz="1600" dirty="0">
+              <a:sym typeface="+mn-ea"/>
+            </a:endParaRPr>
           </a:p>
           <a:p>
             <a:pPr indent="0" algn="l">
@@ -4970,12 +5095,6 @@
               </a:rPr>
               <a:t>Transfer learning and multi-tast learnig.</a:t>
             </a:r>
-          </a:p>
-          <a:p>
-            <a:pPr indent="0">
-              <a:buFont typeface="Arial" panose="020B0604020202020204" pitchFamily="34" charset="0"/>
-              <a:buNone/>
-            </a:pPr>
             <a:endParaRPr lang="en-US" sz="1600">
               <a:sym typeface="+mn-ea"/>
             </a:endParaRPr>
@@ -4985,6 +5104,15 @@
               <a:buFont typeface="Arial" panose="020B0604020202020204" pitchFamily="34" charset="0"/>
               <a:buNone/>
             </a:pPr>
+            <a:endParaRPr lang="en-US" sz="1600">
+              <a:sym typeface="+mn-ea"/>
+            </a:endParaRPr>
+          </a:p>
+          <a:p>
+            <a:pPr indent="0">
+              <a:buFont typeface="Arial" panose="020B0604020202020204" pitchFamily="34" charset="0"/>
+              <a:buNone/>
+            </a:pPr>
             <a:r>
               <a:rPr lang="en-IN" altLang="en-US" sz="1600" b="1">
                 <a:latin typeface="Segoe Print" panose="02000600000000000000" charset="0"/>
@@ -4992,6 +5120,10 @@
               </a:rPr>
               <a:t>COURSE 4: Convolutional neural network.</a:t>
             </a:r>
+            <a:endParaRPr lang="en-IN" altLang="en-US" sz="1600" b="1">
+              <a:latin typeface="Segoe Print" panose="02000600000000000000" charset="0"/>
+              <a:cs typeface="Segoe Print" panose="02000600000000000000" charset="0"/>
+            </a:endParaRPr>
           </a:p>
           <a:p>
             <a:pPr indent="0">
@@ -5011,6 +5143,9 @@
               </a:rPr>
               <a:t>  Convolution,padding, types of layer in convolutional network.</a:t>
             </a:r>
+            <a:endParaRPr lang="en-IN" altLang="en-US" sz="1600">
+              <a:cs typeface="+mn-lt"/>
+            </a:endParaRPr>
           </a:p>
           <a:p>
             <a:pPr indent="0">
@@ -5083,6 +5218,14 @@
               </a:rPr>
               <a:t>Ganiger</a:t>
             </a:r>
+            <a:endParaRPr lang="en-US" sz="2000" b="1" dirty="0" err="1">
+              <a:solidFill>
+                <a:schemeClr val="accent6">
+                  <a:lumMod val="75000"/>
+                </a:schemeClr>
+              </a:solidFill>
+              <a:sym typeface="+mn-ea"/>
+            </a:endParaRPr>
           </a:p>
         </p:txBody>
       </p:sp>
@@ -5184,6 +5327,10 @@
               </a:rPr>
               <a:t> Neural Networks and Deep Learning:</a:t>
             </a:r>
+            <a:endParaRPr lang="en-IN" b="1" i="1" dirty="0">
+              <a:latin typeface="Comic Sans MS" panose="030F0702030302020204" charset="0"/>
+              <a:cs typeface="Comic Sans MS" panose="030F0702030302020204" charset="0"/>
+            </a:endParaRPr>
           </a:p>
           <a:p>
             <a:pPr marL="342900" indent="-342900">
@@ -5194,6 +5341,7 @@
               <a:rPr lang="en-US" dirty="0"/>
               <a:t>Supervised learning with neural network</a:t>
             </a:r>
+            <a:endParaRPr lang="en-US" dirty="0"/>
           </a:p>
           <a:p>
             <a:pPr marL="342900" indent="-342900">
@@ -5204,6 +5352,7 @@
               <a:rPr lang="en-US" dirty="0"/>
               <a:t>Binary Classification and Logistic Regression</a:t>
             </a:r>
+            <a:endParaRPr lang="en-US" dirty="0"/>
           </a:p>
           <a:p>
             <a:pPr marL="342900" indent="-342900">
@@ -5214,6 +5363,7 @@
               <a:rPr lang="en-US" dirty="0"/>
               <a:t>Gradient Descent and Vectorization</a:t>
             </a:r>
+            <a:endParaRPr lang="en-US" dirty="0"/>
           </a:p>
           <a:p>
             <a:pPr marL="342900" indent="-342900">
@@ -5224,6 +5374,7 @@
               <a:rPr lang="en-US" dirty="0"/>
               <a:t>Neural Network Representation</a:t>
             </a:r>
+            <a:endParaRPr lang="en-US" dirty="0"/>
           </a:p>
           <a:p>
             <a:pPr marL="342900" indent="-342900">
@@ -5234,6 +5385,7 @@
               <a:rPr lang="en-US" dirty="0"/>
               <a:t>Forward and Backpropagation</a:t>
             </a:r>
+            <a:endParaRPr lang="en-US" dirty="0"/>
           </a:p>
           <a:p>
             <a:pPr marL="342900" indent="-342900">
@@ -5244,6 +5396,7 @@
               <a:rPr lang="en-US" dirty="0"/>
               <a:t>Parameters vs. Hyperparameters</a:t>
             </a:r>
+            <a:endParaRPr lang="en-US" dirty="0"/>
           </a:p>
           <a:p>
             <a:pPr marL="342900" indent="-342900"/>
@@ -5271,6 +5424,10 @@
               </a:rPr>
               <a:t>Improving Deep Neural Networks: Hyperparameter tuning, Regularization and Optimization:</a:t>
             </a:r>
+            <a:endParaRPr lang="en-US" b="1" i="1" dirty="0">
+              <a:latin typeface="Comic Sans MS" panose="030F0702030302020204" charset="0"/>
+              <a:cs typeface="Comic Sans MS" panose="030F0702030302020204" charset="0"/>
+            </a:endParaRPr>
           </a:p>
           <a:p>
             <a:pPr marL="342900" indent="-342900">
@@ -5281,6 +5438,7 @@
               <a:rPr lang="en-US" dirty="0"/>
               <a:t> Train / Validation and Test Sets</a:t>
             </a:r>
+            <a:endParaRPr lang="en-US" dirty="0"/>
           </a:p>
           <a:p>
             <a:pPr marL="342900" indent="-342900">
@@ -5291,6 +5449,7 @@
               <a:rPr lang="en-US" dirty="0"/>
               <a:t> Bias/Variance</a:t>
             </a:r>
+            <a:endParaRPr lang="en-US" dirty="0"/>
           </a:p>
           <a:p>
             <a:pPr marL="342900" indent="-342900">
@@ -5301,6 +5460,7 @@
               <a:rPr lang="en-US" dirty="0"/>
               <a:t> Regularization</a:t>
             </a:r>
+            <a:endParaRPr lang="en-US" dirty="0"/>
           </a:p>
           <a:p>
             <a:pPr marL="342900" indent="-342900">
@@ -5311,6 +5471,7 @@
               <a:rPr lang="en-US" dirty="0"/>
               <a:t> Normalizing</a:t>
             </a:r>
+            <a:endParaRPr lang="en-US" dirty="0"/>
           </a:p>
           <a:p>
             <a:pPr marL="342900" indent="-342900">
@@ -5321,6 +5482,7 @@
               <a:rPr lang="en-US" dirty="0"/>
               <a:t>Gradient Checking</a:t>
             </a:r>
+            <a:endParaRPr lang="en-US" dirty="0"/>
           </a:p>
           <a:p>
             <a:pPr marL="342900" indent="-342900">
@@ -5331,6 +5493,7 @@
               <a:rPr lang="en-US" dirty="0"/>
               <a:t>Mini batch Gradient descent</a:t>
             </a:r>
+            <a:endParaRPr lang="en-US" dirty="0"/>
           </a:p>
           <a:p>
             <a:pPr marL="342900" indent="-342900">
@@ -5341,6 +5504,7 @@
               <a:rPr lang="en-US" dirty="0"/>
               <a:t>Learning rate decay</a:t>
             </a:r>
+            <a:endParaRPr lang="en-US" dirty="0"/>
           </a:p>
           <a:p>
             <a:pPr marL="342900" indent="-342900">
@@ -5351,6 +5515,7 @@
               <a:rPr lang="en-US" dirty="0"/>
               <a:t>Tuning process</a:t>
             </a:r>
+            <a:endParaRPr lang="en-US" dirty="0"/>
           </a:p>
           <a:p>
             <a:pPr marL="342900" indent="-342900">
@@ -5361,6 +5526,7 @@
               <a:rPr lang="en-US" dirty="0"/>
               <a:t>Softmax Regression </a:t>
             </a:r>
+            <a:endParaRPr lang="en-US" dirty="0"/>
           </a:p>
           <a:p>
             <a:pPr marL="342900" indent="-342900">
@@ -5380,6 +5546,13 @@
               </a:rPr>
               <a:t>                                                                                                                                                           </a:t>
             </a:r>
+            <a:endParaRPr lang="en-US" dirty="0">
+              <a:solidFill>
+                <a:schemeClr val="accent6">
+                  <a:lumMod val="75000"/>
+                </a:schemeClr>
+              </a:solidFill>
+            </a:endParaRPr>
           </a:p>
           <a:p>
             <a:r>
@@ -5412,6 +5585,13 @@
               </a:rPr>
               <a:t>Sakshi Tahlani</a:t>
             </a:r>
+            <a:endParaRPr lang="en-US" sz="2800" b="1" dirty="0">
+              <a:solidFill>
+                <a:schemeClr val="accent6">
+                  <a:lumMod val="75000"/>
+                </a:schemeClr>
+              </a:solidFill>
+            </a:endParaRPr>
           </a:p>
         </p:txBody>
       </p:sp>
@@ -5555,6 +5735,9 @@
               </a:rPr>
               <a:t>Role of training dev set.</a:t>
             </a:r>
+            <a:endParaRPr lang="en-US">
+              <a:sym typeface="+mn-ea"/>
+            </a:endParaRPr>
           </a:p>
           <a:p>
             <a:pPr marL="342900" indent="-342900">
@@ -5713,6 +5896,14 @@
               </a:rPr>
               <a:t>Varun Bohara</a:t>
             </a:r>
+            <a:endParaRPr lang="en-US" sz="2800" b="1" dirty="0">
+              <a:solidFill>
+                <a:schemeClr val="accent6">
+                  <a:lumMod val="75000"/>
+                </a:schemeClr>
+              </a:solidFill>
+              <a:sym typeface="+mn-ea"/>
+            </a:endParaRPr>
           </a:p>
         </p:txBody>
       </p:sp>
@@ -5774,6 +5965,10 @@
               </a:rPr>
               <a:t>YOLO Detection Algorithm</a:t>
             </a:r>
+            <a:endParaRPr lang="en-US" b="1" i="1">
+              <a:latin typeface="Comic Sans MS" panose="030F0702030302020204" charset="0"/>
+              <a:cs typeface="Comic Sans MS" panose="030F0702030302020204" charset="0"/>
+            </a:endParaRPr>
           </a:p>
           <a:p>
             <a:pPr marL="342900" indent="-342900">
@@ -5784,6 +5979,7 @@
               <a:rPr lang="en-US"/>
               <a:t>Object detection using conv net.</a:t>
             </a:r>
+            <a:endParaRPr lang="en-US"/>
           </a:p>
           <a:p>
             <a:pPr marL="342900" indent="-342900">
@@ -5794,6 +5990,7 @@
               <a:rPr lang="en-US"/>
               <a:t>Bounding box predictions  </a:t>
             </a:r>
+            <a:endParaRPr lang="en-US"/>
           </a:p>
           <a:p>
             <a:pPr marL="342900" indent="-342900">
@@ -5804,6 +6001,7 @@
               <a:rPr lang="en-US"/>
               <a:t>Intersection over union </a:t>
             </a:r>
+            <a:endParaRPr lang="en-US"/>
           </a:p>
           <a:p>
             <a:pPr marL="342900" indent="-342900">
@@ -5814,6 +6012,7 @@
               <a:rPr lang="en-US"/>
               <a:t>Non max supression</a:t>
             </a:r>
+            <a:endParaRPr lang="en-US"/>
           </a:p>
           <a:p>
             <a:pPr marL="342900" indent="-342900">
@@ -5824,6 +6023,7 @@
               <a:rPr lang="en-US"/>
               <a:t>Anchor box</a:t>
             </a:r>
+            <a:endParaRPr lang="en-US"/>
           </a:p>
           <a:p>
             <a:pPr marL="342900" indent="-342900">
@@ -5861,60 +6061,6 @@
               </a:rPr>
               <a:t>Why RNNs model are preferable over standard neural network model</a:t>
             </a:r>
-          </a:p>
-          <a:p>
-            <a:pPr marL="342900" indent="-342900">
-              <a:buFont typeface="Arial" panose="020B0604020202020204" pitchFamily="34" charset="0"/>
-              <a:buAutoNum type="arabicPeriod"/>
-            </a:pPr>
-            <a:r>
-              <a:rPr lang="en-US">
-                <a:sym typeface="+mn-ea"/>
-              </a:rPr>
-              <a:t>Different types of RNN models</a:t>
-            </a:r>
-          </a:p>
-          <a:p>
-            <a:pPr marL="342900" indent="-342900">
-              <a:buFont typeface="Arial" panose="020B0604020202020204" pitchFamily="34" charset="0"/>
-              <a:buAutoNum type="arabicPeriod"/>
-            </a:pPr>
-            <a:r>
-              <a:rPr lang="en-US">
-                <a:sym typeface="+mn-ea"/>
-              </a:rPr>
-              <a:t>Language modeling and sequence generation.</a:t>
-            </a:r>
-          </a:p>
-          <a:p>
-            <a:pPr marL="342900" indent="-342900">
-              <a:buFont typeface="Arial" panose="020B0604020202020204" pitchFamily="34" charset="0"/>
-              <a:buAutoNum type="arabicPeriod"/>
-            </a:pPr>
-            <a:r>
-              <a:rPr lang="en-US">
-                <a:sym typeface="+mn-ea"/>
-              </a:rPr>
-              <a:t>Sampling novel sequences</a:t>
-            </a:r>
-          </a:p>
-          <a:p>
-            <a:pPr marL="342900" indent="-342900">
-              <a:buFont typeface="Arial" panose="020B0604020202020204" pitchFamily="34" charset="0"/>
-              <a:buAutoNum type="arabicPeriod"/>
-            </a:pPr>
-            <a:r>
-              <a:rPr lang="en-US">
-                <a:sym typeface="+mn-ea"/>
-              </a:rPr>
-              <a:t>Vanishing gradients with RNNs ,GRU and LSTM</a:t>
-            </a:r>
-          </a:p>
-          <a:p>
-            <a:pPr marL="342900" indent="-342900">
-              <a:buFont typeface="Arial" panose="020B0604020202020204" pitchFamily="34" charset="0"/>
-              <a:buAutoNum type="arabicPeriod"/>
-            </a:pPr>
             <a:endParaRPr lang="en-US">
               <a:sym typeface="+mn-ea"/>
             </a:endParaRPr>
@@ -5928,8 +6074,11 @@
               <a:rPr lang="en-US">
                 <a:sym typeface="+mn-ea"/>
               </a:rPr>
-              <a:t>Generating embedding vector , Analogies  </a:t>
-            </a:r>
+              <a:t>Different types of RNN models</a:t>
+            </a:r>
+            <a:endParaRPr lang="en-US">
+              <a:sym typeface="+mn-ea"/>
+            </a:endParaRPr>
           </a:p>
           <a:p>
             <a:pPr marL="342900" indent="-342900">
@@ -5940,8 +6089,11 @@
               <a:rPr lang="en-US">
                 <a:sym typeface="+mn-ea"/>
               </a:rPr>
-              <a:t>Context and target embedding words</a:t>
-            </a:r>
+              <a:t>Language modeling and sequence generation.</a:t>
+            </a:r>
+            <a:endParaRPr lang="en-US">
+              <a:sym typeface="+mn-ea"/>
+            </a:endParaRPr>
           </a:p>
           <a:p>
             <a:pPr marL="342900" indent="-342900">
@@ -5952,8 +6104,11 @@
               <a:rPr lang="en-US">
                 <a:sym typeface="+mn-ea"/>
               </a:rPr>
-              <a:t>Word2Vec model </a:t>
-            </a:r>
+              <a:t>Sampling novel sequences</a:t>
+            </a:r>
+            <a:endParaRPr lang="en-US">
+              <a:sym typeface="+mn-ea"/>
+            </a:endParaRPr>
           </a:p>
           <a:p>
             <a:pPr marL="342900" indent="-342900">
@@ -5964,8 +6119,80 @@
               <a:rPr lang="en-US">
                 <a:sym typeface="+mn-ea"/>
               </a:rPr>
+              <a:t>Vanishing gradients with RNNs ,GRU and LSTM</a:t>
+            </a:r>
+            <a:endParaRPr lang="en-US">
+              <a:sym typeface="+mn-ea"/>
+            </a:endParaRPr>
+          </a:p>
+          <a:p>
+            <a:pPr marL="342900" indent="-342900">
+              <a:buFont typeface="Arial" panose="020B0604020202020204" pitchFamily="34" charset="0"/>
+              <a:buAutoNum type="arabicPeriod"/>
+            </a:pPr>
+            <a:endParaRPr lang="en-US">
+              <a:sym typeface="+mn-ea"/>
+            </a:endParaRPr>
+          </a:p>
+          <a:p>
+            <a:pPr marL="342900" indent="-342900">
+              <a:buFont typeface="Arial" panose="020B0604020202020204" pitchFamily="34" charset="0"/>
+              <a:buAutoNum type="arabicPeriod"/>
+            </a:pPr>
+            <a:r>
+              <a:rPr lang="en-US">
+                <a:sym typeface="+mn-ea"/>
+              </a:rPr>
+              <a:t>Generating embedding vector , Analogies  </a:t>
+            </a:r>
+            <a:endParaRPr lang="en-US">
+              <a:sym typeface="+mn-ea"/>
+            </a:endParaRPr>
+          </a:p>
+          <a:p>
+            <a:pPr marL="342900" indent="-342900">
+              <a:buFont typeface="Arial" panose="020B0604020202020204" pitchFamily="34" charset="0"/>
+              <a:buAutoNum type="arabicPeriod"/>
+            </a:pPr>
+            <a:r>
+              <a:rPr lang="en-US">
+                <a:sym typeface="+mn-ea"/>
+              </a:rPr>
+              <a:t>Context and target embedding words</a:t>
+            </a:r>
+            <a:endParaRPr lang="en-US">
+              <a:sym typeface="+mn-ea"/>
+            </a:endParaRPr>
+          </a:p>
+          <a:p>
+            <a:pPr marL="342900" indent="-342900">
+              <a:buFont typeface="Arial" panose="020B0604020202020204" pitchFamily="34" charset="0"/>
+              <a:buAutoNum type="arabicPeriod"/>
+            </a:pPr>
+            <a:r>
+              <a:rPr lang="en-US">
+                <a:sym typeface="+mn-ea"/>
+              </a:rPr>
+              <a:t>Word2Vec model </a:t>
+            </a:r>
+            <a:endParaRPr lang="en-US">
+              <a:sym typeface="+mn-ea"/>
+            </a:endParaRPr>
+          </a:p>
+          <a:p>
+            <a:pPr marL="342900" indent="-342900">
+              <a:buFont typeface="Arial" panose="020B0604020202020204" pitchFamily="34" charset="0"/>
+              <a:buAutoNum type="arabicPeriod"/>
+            </a:pPr>
+            <a:r>
+              <a:rPr lang="en-US">
+                <a:sym typeface="+mn-ea"/>
+              </a:rPr>
               <a:t>Negative sampling </a:t>
             </a:r>
+            <a:endParaRPr lang="en-US">
+              <a:sym typeface="+mn-ea"/>
+            </a:endParaRPr>
           </a:p>
           <a:p>
             <a:pPr marL="342900" indent="-342900">
@@ -6009,6 +6236,14 @@
               </a:rPr>
               <a:t>Varun Bohara</a:t>
             </a:r>
+            <a:endParaRPr lang="en-US" sz="2800" b="1" dirty="0">
+              <a:solidFill>
+                <a:schemeClr val="accent6">
+                  <a:lumMod val="75000"/>
+                </a:schemeClr>
+              </a:solidFill>
+              <a:sym typeface="+mn-ea"/>
+            </a:endParaRPr>
           </a:p>
         </p:txBody>
       </p:sp>
@@ -6293,8 +6528,6 @@
       </a:bgFillStyleLst>
     </a:fmtScheme>
   </a:themeElements>
-  <a:objectDefaults/>
-  <a:extraClrSchemeLst/>
   <a:extLst>
     <a:ext uri="{05A4C25C-085E-4340-85A3-A5531E510DB2}">
       <thm15:themeFamily xmlns:thm15="http://schemas.microsoft.com/office/thememl/2012/main" name="Office Theme" id="{62F939B6-93AF-4DB8-9C6B-D6C7DFDC589F}" vid="{4A3C46E8-61CC-4603-A589-7422A47A8E4A}"/>
